--- a/Slides/Introduction-cps.pptx
+++ b/Slides/Introduction-cps.pptx
@@ -5,7 +5,7 @@
     <p:sldMasterId id="2147483648" r:id="rId1"/>
   </p:sldMasterIdLst>
   <p:notesMasterIdLst>
-    <p:notesMasterId r:id="rId21"/>
+    <p:notesMasterId r:id="rId23"/>
   </p:notesMasterIdLst>
   <p:sldIdLst>
     <p:sldId id="256" r:id="rId2"/>
@@ -15,18 +15,20 @@
     <p:sldId id="349" r:id="rId6"/>
     <p:sldId id="350" r:id="rId7"/>
     <p:sldId id="351" r:id="rId8"/>
-    <p:sldId id="743" r:id="rId9"/>
-    <p:sldId id="904" r:id="rId10"/>
+    <p:sldId id="930" r:id="rId9"/>
+    <p:sldId id="927" r:id="rId10"/>
     <p:sldId id="919" r:id="rId11"/>
     <p:sldId id="337" r:id="rId12"/>
     <p:sldId id="338" r:id="rId13"/>
     <p:sldId id="339" r:id="rId14"/>
-    <p:sldId id="920" r:id="rId15"/>
-    <p:sldId id="923" r:id="rId16"/>
-    <p:sldId id="924" r:id="rId17"/>
-    <p:sldId id="276" r:id="rId18"/>
-    <p:sldId id="341" r:id="rId19"/>
-    <p:sldId id="925" r:id="rId20"/>
+    <p:sldId id="352" r:id="rId15"/>
+    <p:sldId id="276" r:id="rId16"/>
+    <p:sldId id="920" r:id="rId17"/>
+    <p:sldId id="923" r:id="rId18"/>
+    <p:sldId id="928" r:id="rId19"/>
+    <p:sldId id="924" r:id="rId20"/>
+    <p:sldId id="925" r:id="rId21"/>
+    <p:sldId id="929" r:id="rId22"/>
   </p:sldIdLst>
   <p:sldSz cx="12192000" cy="6858000"/>
   <p:notesSz cx="6858000" cy="9144000"/>
@@ -226,7 +228,7 @@
           <a:p>
             <a:fld id="{BA83656C-0EA3-408C-BAA4-B14022CE66AA}" type="datetimeFigureOut">
               <a:rPr lang="en-US" smtClean="0"/>
-              <a:t>8/26/19</a:t>
+              <a:t>8/27/19</a:t>
             </a:fld>
             <a:endParaRPr lang="en-US"/>
           </a:p>
@@ -537,19 +539,7 @@
           <a:bodyPr/>
           <a:lstStyle/>
           <a:p>
-            <a:pPr rtl="0"/>
-            <a:r>
-              <a:rPr lang="en-US" dirty="0"/>
-              <a:t>Decision making is hard… see how this car has to make many many decisions over the next 5 seconds and then </a:t>
-            </a:r>
-            <a:r>
-              <a:rPr lang="en-US" dirty="0" err="1"/>
-              <a:t>giveup</a:t>
-            </a:r>
-            <a:r>
-              <a:rPr lang="en-US" dirty="0"/>
-              <a:t> on the merge.</a:t>
-            </a:r>
+            <a:endParaRPr lang="en-US" dirty="0"/>
           </a:p>
         </p:txBody>
       </p:sp>
@@ -568,9 +558,9 @@
           <a:bodyPr/>
           <a:lstStyle/>
           <a:p>
-            <a:fld id="{7C99CECB-8C32-1F4E-A38C-D6E05A0076D5}" type="slidenum">
+            <a:fld id="{05B1D770-1E3A-4068-8773-94408BE3849F}" type="slidenum">
               <a:rPr lang="en-US" smtClean="0"/>
-              <a:t>8</a:t>
+              <a:t>2</a:t>
             </a:fld>
             <a:endParaRPr lang="en-US"/>
           </a:p>
@@ -579,7 +569,7 @@
     </p:spTree>
     <p:extLst>
       <p:ext uri="{BB962C8B-B14F-4D97-AF65-F5344CB8AC3E}">
-        <p14:creationId xmlns:p14="http://schemas.microsoft.com/office/powerpoint/2010/main" val="1872784712"/>
+        <p14:creationId xmlns:p14="http://schemas.microsoft.com/office/powerpoint/2010/main" val="1999267094"/>
       </p:ext>
     </p:extLst>
   </p:cSld>
@@ -634,18 +624,8 @@
           <a:lstStyle/>
           <a:p>
             <a:r>
-              <a:rPr lang="en-US" sz="1200" i="1" dirty="0"/>
-              <a:t>Hamlet’s car: </a:t>
-            </a:r>
-            <a:r>
               <a:rPr lang="en-US" dirty="0"/>
-              <a:t>To overtake or not to overtake</a:t>
-            </a:r>
-          </a:p>
-          <a:p>
-            <a:r>
-              <a:rPr lang="en-US" dirty="0"/>
-              <a:t>Unlike the prince of Denmark</a:t>
+              <a:t>Most important topic you have never heard of.</a:t>
             </a:r>
           </a:p>
         </p:txBody>
@@ -665,9 +645,9 @@
           <a:bodyPr/>
           <a:lstStyle/>
           <a:p>
-            <a:fld id="{68E2075C-BB6B-1242-B0E9-C1B429E7B4C4}" type="slidenum">
+            <a:fld id="{05B1D770-1E3A-4068-8773-94408BE3849F}" type="slidenum">
               <a:rPr lang="en-US" smtClean="0"/>
-              <a:t>9</a:t>
+              <a:t>4</a:t>
             </a:fld>
             <a:endParaRPr lang="en-US"/>
           </a:p>
@@ -676,7 +656,7 @@
     </p:spTree>
     <p:extLst>
       <p:ext uri="{BB962C8B-B14F-4D97-AF65-F5344CB8AC3E}">
-        <p14:creationId xmlns:p14="http://schemas.microsoft.com/office/powerpoint/2010/main" val="2456684282"/>
+        <p14:creationId xmlns:p14="http://schemas.microsoft.com/office/powerpoint/2010/main" val="388078942"/>
       </p:ext>
     </p:extLst>
   </p:cSld>
@@ -732,88 +712,14 @@
           <a:p>
             <a:r>
               <a:rPr lang="en-US" dirty="0"/>
-              <a:t>6-12: 10 minutes</a:t>
-            </a:r>
-          </a:p>
-          <a:p>
-            <a:endParaRPr lang="en-US" dirty="0"/>
-          </a:p>
-          <a:p>
-            <a:r>
-              <a:rPr lang="en-US" sz="1200" b="0" i="0" kern="1200" dirty="0">
-                <a:solidFill>
-                  <a:schemeClr val="tx1"/>
-                </a:solidFill>
-                <a:effectLst/>
-                <a:latin typeface="+mn-lt"/>
-                <a:ea typeface="+mn-ea"/>
-                <a:cs typeface="+mn-cs"/>
-              </a:rPr>
-              <a:t>Compound interest is an </a:t>
-            </a:r>
-            <a:r>
-              <a:rPr lang="en-US" sz="1200" b="1" i="0" kern="1200" dirty="0">
-                <a:solidFill>
-                  <a:schemeClr val="tx1"/>
-                </a:solidFill>
-                <a:effectLst/>
-                <a:latin typeface="+mn-lt"/>
-                <a:ea typeface="+mn-ea"/>
-                <a:cs typeface="+mn-cs"/>
-              </a:rPr>
-              <a:t>example of exponential growth</a:t>
-            </a:r>
-            <a:r>
-              <a:rPr lang="en-US" sz="1200" b="0" i="0" kern="1200" dirty="0">
-                <a:solidFill>
-                  <a:schemeClr val="tx1"/>
-                </a:solidFill>
-                <a:effectLst/>
-                <a:latin typeface="+mn-lt"/>
-                <a:ea typeface="+mn-ea"/>
-                <a:cs typeface="+mn-cs"/>
-              </a:rPr>
-              <a:t>.</a:t>
-            </a:r>
-          </a:p>
-          <a:p>
-            <a:endParaRPr lang="en-US" sz="1200" b="0" i="0" kern="1200" dirty="0">
-              <a:solidFill>
-                <a:schemeClr val="tx1"/>
-              </a:solidFill>
-              <a:effectLst/>
-              <a:latin typeface="+mn-lt"/>
-              <a:ea typeface="+mn-ea"/>
-              <a:cs typeface="+mn-cs"/>
-            </a:endParaRPr>
-          </a:p>
-          <a:p>
-            <a:r>
-              <a:rPr lang="en-US" sz="1200" b="0" i="0" kern="1200" dirty="0">
-                <a:solidFill>
-                  <a:schemeClr val="tx1"/>
-                </a:solidFill>
-                <a:effectLst/>
-                <a:latin typeface="+mn-lt"/>
-                <a:ea typeface="+mn-ea"/>
-                <a:cs typeface="+mn-cs"/>
-              </a:rPr>
-              <a:t>This problem of fickle drivers is rearing its head. </a:t>
-            </a:r>
-          </a:p>
-          <a:p>
-            <a:endParaRPr lang="en-US" sz="1200" b="0" i="0" kern="1200" dirty="0">
-              <a:solidFill>
-                <a:schemeClr val="tx1"/>
-              </a:solidFill>
-              <a:effectLst/>
-              <a:latin typeface="+mn-lt"/>
-              <a:ea typeface="+mn-ea"/>
-              <a:cs typeface="+mn-cs"/>
-            </a:endParaRPr>
-          </a:p>
-          <a:p>
-            <a:endParaRPr lang="en-US" dirty="0"/>
+              <a:t>To overtake or not to overtake</a:t>
+            </a:r>
+          </a:p>
+          <a:p>
+            <a:r>
+              <a:rPr lang="en-US" dirty="0"/>
+              <a:t>Unlike the prince of Denmark</a:t>
+            </a:r>
           </a:p>
         </p:txBody>
       </p:sp>
@@ -834,7 +740,7 @@
           <a:p>
             <a:fld id="{68E2075C-BB6B-1242-B0E9-C1B429E7B4C4}" type="slidenum">
               <a:rPr lang="en-US" smtClean="0"/>
-              <a:t>10</a:t>
+              <a:t>9</a:t>
             </a:fld>
             <a:endParaRPr lang="en-US"/>
           </a:p>
@@ -843,7 +749,7 @@
     </p:spTree>
     <p:extLst>
       <p:ext uri="{BB962C8B-B14F-4D97-AF65-F5344CB8AC3E}">
-        <p14:creationId xmlns:p14="http://schemas.microsoft.com/office/powerpoint/2010/main" val="2451401031"/>
+        <p14:creationId xmlns:p14="http://schemas.microsoft.com/office/powerpoint/2010/main" val="3159957186"/>
       </p:ext>
     </p:extLst>
   </p:cSld>
@@ -854,6 +760,173 @@
 </file>
 
 <file path=ppt/notesSlides/notesSlide4.xml><?xml version="1.0" encoding="utf-8"?>
+<p:notes xmlns:a="http://schemas.openxmlformats.org/drawingml/2006/main" xmlns:r="http://schemas.openxmlformats.org/officeDocument/2006/relationships" xmlns:p="http://schemas.openxmlformats.org/presentationml/2006/main">
+  <p:cSld>
+    <p:spTree>
+      <p:nvGrpSpPr>
+        <p:cNvPr id="1" name=""/>
+        <p:cNvGrpSpPr/>
+        <p:nvPr/>
+      </p:nvGrpSpPr>
+      <p:grpSpPr>
+        <a:xfrm>
+          <a:off x="0" y="0"/>
+          <a:ext cx="0" cy="0"/>
+          <a:chOff x="0" y="0"/>
+          <a:chExt cx="0" cy="0"/>
+        </a:xfrm>
+      </p:grpSpPr>
+      <p:sp>
+        <p:nvSpPr>
+          <p:cNvPr id="2" name="Slide Image Placeholder 1"/>
+          <p:cNvSpPr>
+            <a:spLocks noGrp="1" noRot="1" noChangeAspect="1"/>
+          </p:cNvSpPr>
+          <p:nvPr>
+            <p:ph type="sldImg"/>
+          </p:nvPr>
+        </p:nvSpPr>
+        <p:spPr/>
+      </p:sp>
+      <p:sp>
+        <p:nvSpPr>
+          <p:cNvPr id="3" name="Notes Placeholder 2"/>
+          <p:cNvSpPr>
+            <a:spLocks noGrp="1"/>
+          </p:cNvSpPr>
+          <p:nvPr>
+            <p:ph type="body" idx="1"/>
+          </p:nvPr>
+        </p:nvSpPr>
+        <p:spPr/>
+        <p:txBody>
+          <a:bodyPr/>
+          <a:lstStyle/>
+          <a:p>
+            <a:r>
+              <a:rPr lang="en-US" dirty="0"/>
+              <a:t>6-12: 10 minutes</a:t>
+            </a:r>
+          </a:p>
+          <a:p>
+            <a:endParaRPr lang="en-US" dirty="0"/>
+          </a:p>
+          <a:p>
+            <a:r>
+              <a:rPr lang="en-US" sz="1200" b="0" i="0" kern="1200" dirty="0">
+                <a:solidFill>
+                  <a:schemeClr val="tx1"/>
+                </a:solidFill>
+                <a:effectLst/>
+                <a:latin typeface="+mn-lt"/>
+                <a:ea typeface="+mn-ea"/>
+                <a:cs typeface="+mn-cs"/>
+              </a:rPr>
+              <a:t>Compound interest is an </a:t>
+            </a:r>
+            <a:r>
+              <a:rPr lang="en-US" sz="1200" b="1" i="0" kern="1200" dirty="0">
+                <a:solidFill>
+                  <a:schemeClr val="tx1"/>
+                </a:solidFill>
+                <a:effectLst/>
+                <a:latin typeface="+mn-lt"/>
+                <a:ea typeface="+mn-ea"/>
+                <a:cs typeface="+mn-cs"/>
+              </a:rPr>
+              <a:t>example of exponential growth</a:t>
+            </a:r>
+            <a:r>
+              <a:rPr lang="en-US" sz="1200" b="0" i="0" kern="1200" dirty="0">
+                <a:solidFill>
+                  <a:schemeClr val="tx1"/>
+                </a:solidFill>
+                <a:effectLst/>
+                <a:latin typeface="+mn-lt"/>
+                <a:ea typeface="+mn-ea"/>
+                <a:cs typeface="+mn-cs"/>
+              </a:rPr>
+              <a:t>.</a:t>
+            </a:r>
+          </a:p>
+          <a:p>
+            <a:endParaRPr lang="en-US" sz="1200" b="0" i="0" kern="1200" dirty="0">
+              <a:solidFill>
+                <a:schemeClr val="tx1"/>
+              </a:solidFill>
+              <a:effectLst/>
+              <a:latin typeface="+mn-lt"/>
+              <a:ea typeface="+mn-ea"/>
+              <a:cs typeface="+mn-cs"/>
+            </a:endParaRPr>
+          </a:p>
+          <a:p>
+            <a:r>
+              <a:rPr lang="en-US" sz="1200" b="0" i="0" kern="1200" dirty="0">
+                <a:solidFill>
+                  <a:schemeClr val="tx1"/>
+                </a:solidFill>
+                <a:effectLst/>
+                <a:latin typeface="+mn-lt"/>
+                <a:ea typeface="+mn-ea"/>
+                <a:cs typeface="+mn-cs"/>
+              </a:rPr>
+              <a:t>This problem of fickle drivers is rearing its head. </a:t>
+            </a:r>
+          </a:p>
+          <a:p>
+            <a:endParaRPr lang="en-US" sz="1200" b="0" i="0" kern="1200" dirty="0">
+              <a:solidFill>
+                <a:schemeClr val="tx1"/>
+              </a:solidFill>
+              <a:effectLst/>
+              <a:latin typeface="+mn-lt"/>
+              <a:ea typeface="+mn-ea"/>
+              <a:cs typeface="+mn-cs"/>
+            </a:endParaRPr>
+          </a:p>
+          <a:p>
+            <a:endParaRPr lang="en-US" dirty="0"/>
+          </a:p>
+        </p:txBody>
+      </p:sp>
+      <p:sp>
+        <p:nvSpPr>
+          <p:cNvPr id="4" name="Slide Number Placeholder 3"/>
+          <p:cNvSpPr>
+            <a:spLocks noGrp="1"/>
+          </p:cNvSpPr>
+          <p:nvPr>
+            <p:ph type="sldNum" sz="quarter" idx="5"/>
+          </p:nvPr>
+        </p:nvSpPr>
+        <p:spPr/>
+        <p:txBody>
+          <a:bodyPr/>
+          <a:lstStyle/>
+          <a:p>
+            <a:fld id="{68E2075C-BB6B-1242-B0E9-C1B429E7B4C4}" type="slidenum">
+              <a:rPr lang="en-US" smtClean="0"/>
+              <a:t>10</a:t>
+            </a:fld>
+            <a:endParaRPr lang="en-US"/>
+          </a:p>
+        </p:txBody>
+      </p:sp>
+    </p:spTree>
+    <p:extLst>
+      <p:ext uri="{BB962C8B-B14F-4D97-AF65-F5344CB8AC3E}">
+        <p14:creationId xmlns:p14="http://schemas.microsoft.com/office/powerpoint/2010/main" val="3691422980"/>
+      </p:ext>
+    </p:extLst>
+  </p:cSld>
+  <p:clrMapOvr>
+    <a:masterClrMapping/>
+  </p:clrMapOvr>
+</p:notes>
+</file>
+
+<file path=ppt/notesSlides/notesSlide5.xml><?xml version="1.0" encoding="utf-8"?>
 <p:notes xmlns:a="http://schemas.openxmlformats.org/drawingml/2006/main" xmlns:r="http://schemas.openxmlformats.org/officeDocument/2006/relationships" xmlns:p="http://schemas.openxmlformats.org/presentationml/2006/main">
   <p:cSld>
     <p:spTree>
@@ -1209,7 +1282,7 @@
 </p:notes>
 </file>
 
-<file path=ppt/notesSlides/notesSlide5.xml><?xml version="1.0" encoding="utf-8"?>
+<file path=ppt/notesSlides/notesSlide6.xml><?xml version="1.0" encoding="utf-8"?>
 <p:notes xmlns:a="http://schemas.openxmlformats.org/drawingml/2006/main" xmlns:r="http://schemas.openxmlformats.org/officeDocument/2006/relationships" xmlns:p="http://schemas.openxmlformats.org/presentationml/2006/main">
   <p:cSld>
     <p:spTree>
@@ -1254,9 +1327,180 @@
           <a:lstStyle/>
           <a:p>
             <a:r>
-              <a:rPr lang="en-US" dirty="0"/>
-              <a:t>buzzkills, hype-kills</a:t>
-            </a:r>
+              <a:rPr lang="en-US" sz="1200" b="0" i="0" kern="1200" dirty="0">
+                <a:solidFill>
+                  <a:schemeClr val="tx1"/>
+                </a:solidFill>
+                <a:effectLst/>
+                <a:latin typeface="+mn-lt"/>
+                <a:ea typeface="+mn-ea"/>
+                <a:cs typeface="+mn-cs"/>
+              </a:rPr>
+              <a:t>475m$ cost of replacing chips The </a:t>
+            </a:r>
+            <a:r>
+              <a:rPr lang="en-US" sz="1200" b="1" i="0" kern="1200" dirty="0">
+                <a:solidFill>
+                  <a:schemeClr val="tx1"/>
+                </a:solidFill>
+                <a:effectLst/>
+                <a:latin typeface="+mn-lt"/>
+                <a:ea typeface="+mn-ea"/>
+                <a:cs typeface="+mn-cs"/>
+              </a:rPr>
+              <a:t>Pentium FDIV bug</a:t>
+            </a:r>
+            <a:r>
+              <a:rPr lang="en-US" sz="1200" b="0" i="0" kern="1200" dirty="0">
+                <a:solidFill>
+                  <a:schemeClr val="tx1"/>
+                </a:solidFill>
+                <a:effectLst/>
+                <a:latin typeface="+mn-lt"/>
+                <a:ea typeface="+mn-ea"/>
+                <a:cs typeface="+mn-cs"/>
+              </a:rPr>
+              <a:t> was a </a:t>
+            </a:r>
+            <a:r>
+              <a:rPr lang="en-US" sz="1200" b="0" i="0" u="none" strike="noStrike" kern="1200" dirty="0">
+                <a:solidFill>
+                  <a:schemeClr val="tx1"/>
+                </a:solidFill>
+                <a:effectLst/>
+                <a:latin typeface="+mn-lt"/>
+                <a:ea typeface="+mn-ea"/>
+                <a:cs typeface="+mn-cs"/>
+                <a:hlinkClick r:id="rId3" tooltip="Computer bug"/>
+              </a:rPr>
+              <a:t>computer bug</a:t>
+            </a:r>
+            <a:r>
+              <a:rPr lang="en-US" sz="1200" b="0" i="0" kern="1200" dirty="0">
+                <a:solidFill>
+                  <a:schemeClr val="tx1"/>
+                </a:solidFill>
+                <a:effectLst/>
+                <a:latin typeface="+mn-lt"/>
+                <a:ea typeface="+mn-ea"/>
+                <a:cs typeface="+mn-cs"/>
+              </a:rPr>
+              <a:t> that affected the </a:t>
+            </a:r>
+            <a:r>
+              <a:rPr lang="en-US" sz="1200" b="0" i="0" u="none" strike="noStrike" kern="1200" dirty="0">
+                <a:solidFill>
+                  <a:schemeClr val="tx1"/>
+                </a:solidFill>
+                <a:effectLst/>
+                <a:latin typeface="+mn-lt"/>
+                <a:ea typeface="+mn-ea"/>
+                <a:cs typeface="+mn-cs"/>
+                <a:hlinkClick r:id="rId4" tooltip="Floating point unit"/>
+              </a:rPr>
+              <a:t>floating point unit</a:t>
+            </a:r>
+            <a:r>
+              <a:rPr lang="en-US" sz="1200" b="0" i="0" kern="1200" dirty="0">
+                <a:solidFill>
+                  <a:schemeClr val="tx1"/>
+                </a:solidFill>
+                <a:effectLst/>
+                <a:latin typeface="+mn-lt"/>
+                <a:ea typeface="+mn-ea"/>
+                <a:cs typeface="+mn-cs"/>
+              </a:rPr>
+              <a:t> (FPU) of the </a:t>
+            </a:r>
+            <a:r>
+              <a:rPr lang="en-US" sz="1200" b="0" i="0" u="none" strike="noStrike" kern="1200" dirty="0">
+                <a:solidFill>
+                  <a:schemeClr val="tx1"/>
+                </a:solidFill>
+                <a:effectLst/>
+                <a:latin typeface="+mn-lt"/>
+                <a:ea typeface="+mn-ea"/>
+                <a:cs typeface="+mn-cs"/>
+                <a:hlinkClick r:id="rId5" tooltip="P5 (microarchitecture)"/>
+              </a:rPr>
+              <a:t>early Intel Pentium processors</a:t>
+            </a:r>
+            <a:r>
+              <a:rPr lang="en-US" sz="1200" b="0" i="0" kern="1200" dirty="0">
+                <a:solidFill>
+                  <a:schemeClr val="tx1"/>
+                </a:solidFill>
+                <a:effectLst/>
+                <a:latin typeface="+mn-lt"/>
+                <a:ea typeface="+mn-ea"/>
+                <a:cs typeface="+mn-cs"/>
+              </a:rPr>
+              <a:t>. Because of the bug, the processor could return incorrect decimal results when dividing a number. Discovered in 1994 by Professor Thomas R. Nicely at </a:t>
+            </a:r>
+            <a:r>
+              <a:rPr lang="en-US" sz="1200" b="0" i="0" u="none" strike="noStrike" kern="1200" dirty="0">
+                <a:solidFill>
+                  <a:schemeClr val="tx1"/>
+                </a:solidFill>
+                <a:effectLst/>
+                <a:latin typeface="+mn-lt"/>
+                <a:ea typeface="+mn-ea"/>
+                <a:cs typeface="+mn-cs"/>
+                <a:hlinkClick r:id="rId6" tooltip="Lynchburg College"/>
+              </a:rPr>
+              <a:t>Lynchburg College</a:t>
+            </a:r>
+            <a:r>
+              <a:rPr lang="en-US" sz="1200" b="0" i="0" kern="1200" dirty="0">
+                <a:solidFill>
+                  <a:schemeClr val="tx1"/>
+                </a:solidFill>
+                <a:effectLst/>
+                <a:latin typeface="+mn-lt"/>
+                <a:ea typeface="+mn-ea"/>
+                <a:cs typeface="+mn-cs"/>
+              </a:rPr>
+              <a:t>,</a:t>
+            </a:r>
+            <a:r>
+              <a:rPr lang="en-US" sz="1200" b="0" i="0" u="none" strike="noStrike" kern="1200" baseline="30000" dirty="0">
+                <a:solidFill>
+                  <a:schemeClr val="tx1"/>
+                </a:solidFill>
+                <a:effectLst/>
+                <a:latin typeface="+mn-lt"/>
+                <a:ea typeface="+mn-ea"/>
+                <a:cs typeface="+mn-cs"/>
+                <a:hlinkClick r:id="rId7"/>
+              </a:rPr>
+              <a:t>[1]</a:t>
+            </a:r>
+            <a:r>
+              <a:rPr lang="en-US" sz="1200" b="0" i="0" kern="1200" dirty="0">
+                <a:solidFill>
+                  <a:schemeClr val="tx1"/>
+                </a:solidFill>
+                <a:effectLst/>
+                <a:latin typeface="+mn-lt"/>
+                <a:ea typeface="+mn-ea"/>
+                <a:cs typeface="+mn-cs"/>
+              </a:rPr>
+              <a:t> Intel attributed the error to missing entries in the lookup table used by the floating-point division circuitry.</a:t>
+            </a:r>
+            <a:r>
+              <a:rPr lang="en-US" sz="1200" b="0" i="0" u="none" strike="noStrike" kern="1200" baseline="30000" dirty="0">
+                <a:solidFill>
+                  <a:schemeClr val="tx1"/>
+                </a:solidFill>
+                <a:effectLst/>
+                <a:latin typeface="+mn-lt"/>
+                <a:ea typeface="+mn-ea"/>
+                <a:cs typeface="+mn-cs"/>
+                <a:hlinkClick r:id="rId8"/>
+              </a:rPr>
+              <a:t>[2]</a:t>
+            </a:r>
+            <a:endParaRPr lang="en-US" dirty="0"/>
           </a:p>
         </p:txBody>
       </p:sp>
@@ -1267,7 +1511,7 @@
             <a:spLocks noGrp="1"/>
           </p:cNvSpPr>
           <p:nvPr>
-            <p:ph type="sldNum" sz="quarter" idx="5"/>
+            <p:ph type="sldNum" sz="quarter" idx="10"/>
           </p:nvPr>
         </p:nvSpPr>
         <p:spPr/>
@@ -1275,9 +1519,9 @@
           <a:bodyPr/>
           <a:lstStyle/>
           <a:p>
-            <a:fld id="{05B1D770-1E3A-4068-8773-94408BE3849F}" type="slidenum">
+            <a:fld id="{86817B5B-D32A-284B-B0C4-C620EACC2AA3}" type="slidenum">
               <a:rPr lang="en-US" smtClean="0"/>
-              <a:t>15</a:t>
+              <a:t>14</a:t>
             </a:fld>
             <a:endParaRPr lang="en-US"/>
           </a:p>
@@ -1286,7 +1530,7 @@
     </p:spTree>
     <p:extLst>
       <p:ext uri="{BB962C8B-B14F-4D97-AF65-F5344CB8AC3E}">
-        <p14:creationId xmlns:p14="http://schemas.microsoft.com/office/powerpoint/2010/main" val="2684603369"/>
+        <p14:creationId xmlns:p14="http://schemas.microsoft.com/office/powerpoint/2010/main" val="3491792294"/>
       </p:ext>
     </p:extLst>
   </p:cSld>
@@ -1296,7 +1540,7 @@
 </p:notes>
 </file>
 
-<file path=ppt/notesSlides/notesSlide6.xml><?xml version="1.0" encoding="utf-8"?>
+<file path=ppt/notesSlides/notesSlide7.xml><?xml version="1.0" encoding="utf-8"?>
 <p:notes xmlns:a="http://schemas.openxmlformats.org/drawingml/2006/main" xmlns:r="http://schemas.openxmlformats.org/officeDocument/2006/relationships" xmlns:p="http://schemas.openxmlformats.org/presentationml/2006/main">
   <p:cSld>
     <p:spTree>
@@ -1323,12 +1567,7 @@
             <p:ph type="sldImg"/>
           </p:nvPr>
         </p:nvSpPr>
-        <p:spPr>
-          <a:xfrm>
-            <a:off x="381000" y="685800"/>
-            <a:ext cx="6096000" cy="3429000"/>
-          </a:xfrm>
-        </p:spPr>
+        <p:spPr/>
       </p:sp>
       <p:sp>
         <p:nvSpPr>
@@ -1346,179 +1585,28 @@
           <a:lstStyle/>
           <a:p>
             <a:r>
-              <a:rPr lang="en-US" sz="1200" b="0" i="0" kern="1200" dirty="0">
-                <a:solidFill>
-                  <a:schemeClr val="tx1"/>
-                </a:solidFill>
-                <a:effectLst/>
-                <a:latin typeface="+mn-lt"/>
-                <a:ea typeface="+mn-ea"/>
-                <a:cs typeface="+mn-cs"/>
-              </a:rPr>
-              <a:t>475m$ cost of replacing chips The </a:t>
-            </a:r>
-            <a:r>
-              <a:rPr lang="en-US" sz="1200" b="1" i="0" kern="1200" dirty="0">
-                <a:solidFill>
-                  <a:schemeClr val="tx1"/>
-                </a:solidFill>
-                <a:effectLst/>
-                <a:latin typeface="+mn-lt"/>
-                <a:ea typeface="+mn-ea"/>
-                <a:cs typeface="+mn-cs"/>
-              </a:rPr>
-              <a:t>Pentium FDIV bug</a:t>
-            </a:r>
-            <a:r>
-              <a:rPr lang="en-US" sz="1200" b="0" i="0" kern="1200" dirty="0">
-                <a:solidFill>
-                  <a:schemeClr val="tx1"/>
-                </a:solidFill>
-                <a:effectLst/>
-                <a:latin typeface="+mn-lt"/>
-                <a:ea typeface="+mn-ea"/>
-                <a:cs typeface="+mn-cs"/>
-              </a:rPr>
-              <a:t> was a </a:t>
-            </a:r>
-            <a:r>
-              <a:rPr lang="en-US" sz="1200" b="0" i="0" u="none" strike="noStrike" kern="1200" dirty="0">
-                <a:solidFill>
-                  <a:schemeClr val="tx1"/>
-                </a:solidFill>
-                <a:effectLst/>
-                <a:latin typeface="+mn-lt"/>
-                <a:ea typeface="+mn-ea"/>
-                <a:cs typeface="+mn-cs"/>
-                <a:hlinkClick r:id="rId3" tooltip="Computer bug"/>
-              </a:rPr>
-              <a:t>computer bug</a:t>
-            </a:r>
-            <a:r>
-              <a:rPr lang="en-US" sz="1200" b="0" i="0" kern="1200" dirty="0">
-                <a:solidFill>
-                  <a:schemeClr val="tx1"/>
-                </a:solidFill>
-                <a:effectLst/>
-                <a:latin typeface="+mn-lt"/>
-                <a:ea typeface="+mn-ea"/>
-                <a:cs typeface="+mn-cs"/>
-              </a:rPr>
-              <a:t> that affected the </a:t>
-            </a:r>
-            <a:r>
-              <a:rPr lang="en-US" sz="1200" b="0" i="0" u="none" strike="noStrike" kern="1200" dirty="0">
-                <a:solidFill>
-                  <a:schemeClr val="tx1"/>
-                </a:solidFill>
-                <a:effectLst/>
-                <a:latin typeface="+mn-lt"/>
-                <a:ea typeface="+mn-ea"/>
-                <a:cs typeface="+mn-cs"/>
-                <a:hlinkClick r:id="rId4" tooltip="Floating point unit"/>
-              </a:rPr>
-              <a:t>floating point unit</a:t>
-            </a:r>
-            <a:r>
-              <a:rPr lang="en-US" sz="1200" b="0" i="0" kern="1200" dirty="0">
-                <a:solidFill>
-                  <a:schemeClr val="tx1"/>
-                </a:solidFill>
-                <a:effectLst/>
-                <a:latin typeface="+mn-lt"/>
-                <a:ea typeface="+mn-ea"/>
-                <a:cs typeface="+mn-cs"/>
-              </a:rPr>
-              <a:t> (FPU) of the </a:t>
-            </a:r>
-            <a:r>
-              <a:rPr lang="en-US" sz="1200" b="0" i="0" u="none" strike="noStrike" kern="1200" dirty="0">
-                <a:solidFill>
-                  <a:schemeClr val="tx1"/>
-                </a:solidFill>
-                <a:effectLst/>
-                <a:latin typeface="+mn-lt"/>
-                <a:ea typeface="+mn-ea"/>
-                <a:cs typeface="+mn-cs"/>
-                <a:hlinkClick r:id="rId5" tooltip="P5 (microarchitecture)"/>
-              </a:rPr>
-              <a:t>early Intel Pentium processors</a:t>
-            </a:r>
-            <a:r>
-              <a:rPr lang="en-US" sz="1200" b="0" i="0" kern="1200" dirty="0">
-                <a:solidFill>
-                  <a:schemeClr val="tx1"/>
-                </a:solidFill>
-                <a:effectLst/>
-                <a:latin typeface="+mn-lt"/>
-                <a:ea typeface="+mn-ea"/>
-                <a:cs typeface="+mn-cs"/>
-              </a:rPr>
-              <a:t>. Because of the bug, the processor could return incorrect decimal results when dividing a number. Discovered in 1994 by Professor Thomas R. Nicely at </a:t>
-            </a:r>
-            <a:r>
-              <a:rPr lang="en-US" sz="1200" b="0" i="0" u="none" strike="noStrike" kern="1200" dirty="0">
-                <a:solidFill>
-                  <a:schemeClr val="tx1"/>
-                </a:solidFill>
-                <a:effectLst/>
-                <a:latin typeface="+mn-lt"/>
-                <a:ea typeface="+mn-ea"/>
-                <a:cs typeface="+mn-cs"/>
-                <a:hlinkClick r:id="rId6" tooltip="Lynchburg College"/>
-              </a:rPr>
-              <a:t>Lynchburg College</a:t>
-            </a:r>
-            <a:r>
-              <a:rPr lang="en-US" sz="1200" b="0" i="0" kern="1200" dirty="0">
-                <a:solidFill>
-                  <a:schemeClr val="tx1"/>
-                </a:solidFill>
-                <a:effectLst/>
-                <a:latin typeface="+mn-lt"/>
-                <a:ea typeface="+mn-ea"/>
-                <a:cs typeface="+mn-cs"/>
-              </a:rPr>
-              <a:t>,</a:t>
-            </a:r>
-            <a:r>
-              <a:rPr lang="en-US" sz="1200" b="0" i="0" u="none" strike="noStrike" kern="1200" baseline="30000" dirty="0">
-                <a:solidFill>
-                  <a:schemeClr val="tx1"/>
-                </a:solidFill>
-                <a:effectLst/>
-                <a:latin typeface="+mn-lt"/>
-                <a:ea typeface="+mn-ea"/>
-                <a:cs typeface="+mn-cs"/>
-                <a:hlinkClick r:id="rId7"/>
-              </a:rPr>
-              <a:t>[1]</a:t>
-            </a:r>
-            <a:r>
-              <a:rPr lang="en-US" sz="1200" b="0" i="0" kern="1200" dirty="0">
-                <a:solidFill>
-                  <a:schemeClr val="tx1"/>
-                </a:solidFill>
-                <a:effectLst/>
-                <a:latin typeface="+mn-lt"/>
-                <a:ea typeface="+mn-ea"/>
-                <a:cs typeface="+mn-cs"/>
-              </a:rPr>
-              <a:t> Intel attributed the error to missing entries in the lookup table used by the floating-point division circuitry.</a:t>
-            </a:r>
-            <a:r>
-              <a:rPr lang="en-US" sz="1200" b="0" i="0" u="none" strike="noStrike" kern="1200" baseline="30000" dirty="0">
-                <a:solidFill>
-                  <a:schemeClr val="tx1"/>
-                </a:solidFill>
-                <a:effectLst/>
-                <a:latin typeface="+mn-lt"/>
-                <a:ea typeface="+mn-ea"/>
-                <a:cs typeface="+mn-cs"/>
-                <a:hlinkClick r:id="rId8"/>
-              </a:rPr>
-              <a:t>[2]</a:t>
-            </a:r>
+              <a:rPr lang="en-US" dirty="0"/>
+              <a:t>Data scientist log(n), </a:t>
+            </a:r>
+            <a:r>
+              <a:rPr lang="en-US" dirty="0" err="1"/>
+              <a:t>algorithmist</a:t>
+            </a:r>
+            <a:r>
+              <a:rPr lang="en-US" dirty="0"/>
+              <a:t> O(Poly(n)), verification engineer O(PSPACE(n))</a:t>
+            </a:r>
+          </a:p>
+          <a:p>
+            <a:endParaRPr lang="en-US" dirty="0"/>
+          </a:p>
+          <a:p>
+            <a:r>
+              <a:rPr lang="en-US" dirty="0"/>
+              <a:t>buzzkills, hype-kills</a:t>
+            </a:r>
+          </a:p>
+          <a:p>
             <a:endParaRPr lang="en-US" dirty="0"/>
           </a:p>
         </p:txBody>
@@ -1530,7 +1618,7 @@
             <a:spLocks noGrp="1"/>
           </p:cNvSpPr>
           <p:nvPr>
-            <p:ph type="sldNum" sz="quarter" idx="10"/>
+            <p:ph type="sldNum" sz="quarter" idx="5"/>
           </p:nvPr>
         </p:nvSpPr>
         <p:spPr/>
@@ -1538,9 +1626,9 @@
           <a:bodyPr/>
           <a:lstStyle/>
           <a:p>
-            <a:fld id="{86817B5B-D32A-284B-B0C4-C620EACC2AA3}" type="slidenum">
+            <a:fld id="{05B1D770-1E3A-4068-8773-94408BE3849F}" type="slidenum">
               <a:rPr lang="en-US" smtClean="0"/>
-              <a:t>18</a:t>
+              <a:t>17</a:t>
             </a:fld>
             <a:endParaRPr lang="en-US"/>
           </a:p>
@@ -1549,7 +1637,95 @@
     </p:spTree>
     <p:extLst>
       <p:ext uri="{BB962C8B-B14F-4D97-AF65-F5344CB8AC3E}">
-        <p14:creationId xmlns:p14="http://schemas.microsoft.com/office/powerpoint/2010/main" val="2054324879"/>
+        <p14:creationId xmlns:p14="http://schemas.microsoft.com/office/powerpoint/2010/main" val="2684603369"/>
+      </p:ext>
+    </p:extLst>
+  </p:cSld>
+  <p:clrMapOvr>
+    <a:masterClrMapping/>
+  </p:clrMapOvr>
+</p:notes>
+</file>
+
+<file path=ppt/notesSlides/notesSlide8.xml><?xml version="1.0" encoding="utf-8"?>
+<p:notes xmlns:a="http://schemas.openxmlformats.org/drawingml/2006/main" xmlns:r="http://schemas.openxmlformats.org/officeDocument/2006/relationships" xmlns:p="http://schemas.openxmlformats.org/presentationml/2006/main">
+  <p:cSld>
+    <p:spTree>
+      <p:nvGrpSpPr>
+        <p:cNvPr id="1" name=""/>
+        <p:cNvGrpSpPr/>
+        <p:nvPr/>
+      </p:nvGrpSpPr>
+      <p:grpSpPr>
+        <a:xfrm>
+          <a:off x="0" y="0"/>
+          <a:ext cx="0" cy="0"/>
+          <a:chOff x="0" y="0"/>
+          <a:chExt cx="0" cy="0"/>
+        </a:xfrm>
+      </p:grpSpPr>
+      <p:sp>
+        <p:nvSpPr>
+          <p:cNvPr id="2" name="Slide Image Placeholder 1"/>
+          <p:cNvSpPr>
+            <a:spLocks noGrp="1" noRot="1" noChangeAspect="1"/>
+          </p:cNvSpPr>
+          <p:nvPr>
+            <p:ph type="sldImg"/>
+          </p:nvPr>
+        </p:nvSpPr>
+        <p:spPr/>
+      </p:sp>
+      <p:sp>
+        <p:nvSpPr>
+          <p:cNvPr id="3" name="Notes Placeholder 2"/>
+          <p:cNvSpPr>
+            <a:spLocks noGrp="1"/>
+          </p:cNvSpPr>
+          <p:nvPr>
+            <p:ph type="body" idx="1"/>
+          </p:nvPr>
+        </p:nvSpPr>
+        <p:spPr/>
+        <p:txBody>
+          <a:bodyPr/>
+          <a:lstStyle/>
+          <a:p>
+            <a:r>
+              <a:rPr lang="en-US" dirty="0" err="1"/>
+              <a:t>Roshomon</a:t>
+            </a:r>
+            <a:endParaRPr lang="en-US" dirty="0"/>
+          </a:p>
+        </p:txBody>
+      </p:sp>
+      <p:sp>
+        <p:nvSpPr>
+          <p:cNvPr id="4" name="Slide Number Placeholder 3"/>
+          <p:cNvSpPr>
+            <a:spLocks noGrp="1"/>
+          </p:cNvSpPr>
+          <p:nvPr>
+            <p:ph type="sldNum" sz="quarter" idx="5"/>
+          </p:nvPr>
+        </p:nvSpPr>
+        <p:spPr/>
+        <p:txBody>
+          <a:bodyPr/>
+          <a:lstStyle/>
+          <a:p>
+            <a:fld id="{05B1D770-1E3A-4068-8773-94408BE3849F}" type="slidenum">
+              <a:rPr lang="en-US" smtClean="0"/>
+              <a:t>18</a:t>
+            </a:fld>
+            <a:endParaRPr lang="en-US"/>
+          </a:p>
+        </p:txBody>
+      </p:sp>
+    </p:spTree>
+    <p:extLst>
+      <p:ext uri="{BB962C8B-B14F-4D97-AF65-F5344CB8AC3E}">
+        <p14:creationId xmlns:p14="http://schemas.microsoft.com/office/powerpoint/2010/main" val="4023540020"/>
       </p:ext>
     </p:extLst>
   </p:cSld>
@@ -1738,7 +1914,7 @@
           <a:p>
             <a:fld id="{AB726BC2-D01D-4DFD-8054-7E068A9DCB03}" type="datetimeFigureOut">
               <a:rPr lang="en-US" smtClean="0"/>
-              <a:t>8/26/19</a:t>
+              <a:t>8/27/19</a:t>
             </a:fld>
             <a:endParaRPr lang="en-US"/>
           </a:p>
@@ -1906,7 +2082,7 @@
           <a:p>
             <a:fld id="{AB726BC2-D01D-4DFD-8054-7E068A9DCB03}" type="datetimeFigureOut">
               <a:rPr lang="en-US" smtClean="0"/>
-              <a:t>8/26/19</a:t>
+              <a:t>8/27/19</a:t>
             </a:fld>
             <a:endParaRPr lang="en-US"/>
           </a:p>
@@ -2084,7 +2260,7 @@
           <a:p>
             <a:fld id="{AB726BC2-D01D-4DFD-8054-7E068A9DCB03}" type="datetimeFigureOut">
               <a:rPr lang="en-US" smtClean="0"/>
-              <a:t>8/26/19</a:t>
+              <a:t>8/27/19</a:t>
             </a:fld>
             <a:endParaRPr lang="en-US"/>
           </a:p>
@@ -2136,202 +2312,6 @@
     <p:extLst>
       <p:ext uri="{BB962C8B-B14F-4D97-AF65-F5344CB8AC3E}">
         <p14:creationId xmlns:p14="http://schemas.microsoft.com/office/powerpoint/2010/main" val="3818267459"/>
-      </p:ext>
-    </p:extLst>
-  </p:cSld>
-  <p:clrMapOvr>
-    <a:masterClrMapping/>
-  </p:clrMapOvr>
-</p:sldLayout>
-</file>
-
-<file path=ppt/slideLayouts/slideLayout12.xml><?xml version="1.0" encoding="utf-8"?>
-<p:sldLayout xmlns:a="http://schemas.openxmlformats.org/drawingml/2006/main" xmlns:r="http://schemas.openxmlformats.org/officeDocument/2006/relationships" xmlns:p="http://schemas.openxmlformats.org/presentationml/2006/main" showMasterSp="0" userDrawn="1">
-  <p:cSld name="2_Blank">
-    <p:spTree>
-      <p:nvGrpSpPr>
-        <p:cNvPr id="1" name=""/>
-        <p:cNvGrpSpPr/>
-        <p:nvPr/>
-      </p:nvGrpSpPr>
-      <p:grpSpPr>
-        <a:xfrm>
-          <a:off x="0" y="0"/>
-          <a:ext cx="0" cy="0"/>
-          <a:chOff x="0" y="0"/>
-          <a:chExt cx="0" cy="0"/>
-        </a:xfrm>
-      </p:grpSpPr>
-      <p:sp>
-        <p:nvSpPr>
-          <p:cNvPr id="10" name="Title 1"/>
-          <p:cNvSpPr>
-            <a:spLocks noGrp="1"/>
-          </p:cNvSpPr>
-          <p:nvPr>
-            <p:ph type="title"/>
-          </p:nvPr>
-        </p:nvSpPr>
-        <p:spPr>
-          <a:xfrm>
-            <a:off x="1124793" y="144818"/>
-            <a:ext cx="10058400" cy="1051561"/>
-          </a:xfrm>
-        </p:spPr>
-        <p:txBody>
-          <a:bodyPr>
-            <a:normAutofit/>
-          </a:bodyPr>
-          <a:lstStyle>
-            <a:lvl1pPr marL="0">
-              <a:defRPr sz="4000">
-                <a:latin typeface="+mj-lt"/>
-              </a:defRPr>
-            </a:lvl1pPr>
-          </a:lstStyle>
-          <a:p>
-            <a:r>
-              <a:rPr lang="en-US" altLang="zh-CN" dirty="0"/>
-              <a:t>Click to edit Master title style</a:t>
-            </a:r>
-            <a:endParaRPr lang="en-US" dirty="0"/>
-          </a:p>
-        </p:txBody>
-      </p:sp>
-      <p:sp>
-        <p:nvSpPr>
-          <p:cNvPr id="11" name="Content Placeholder 2"/>
-          <p:cNvSpPr>
-            <a:spLocks noGrp="1"/>
-          </p:cNvSpPr>
-          <p:nvPr>
-            <p:ph idx="1"/>
-          </p:nvPr>
-        </p:nvSpPr>
-        <p:spPr>
-          <a:xfrm>
-            <a:off x="1108355" y="1600200"/>
-            <a:ext cx="10058400" cy="3720059"/>
-          </a:xfrm>
-        </p:spPr>
-        <p:txBody>
-          <a:bodyPr/>
-          <a:lstStyle>
-            <a:lvl1pPr marL="0" indent="0">
-              <a:buSzPct val="100000"/>
-              <a:buNone/>
-              <a:defRPr>
-                <a:latin typeface="+mj-lt"/>
-              </a:defRPr>
-            </a:lvl1pPr>
-            <a:lvl2pPr marL="461422" indent="-260344">
-              <a:buSzPct val="100000"/>
-              <a:buFont typeface="Wingdings" charset="2"/>
-              <a:buChar char="§"/>
-              <a:tabLst/>
-              <a:defRPr>
-                <a:latin typeface="+mj-lt"/>
-              </a:defRPr>
-            </a:lvl2pPr>
-            <a:lvl3pPr marL="613818" indent="-230712">
-              <a:buSzPct val="100000"/>
-              <a:buFont typeface="Wingdings" charset="2"/>
-              <a:buChar char="§"/>
-              <a:tabLst/>
-              <a:defRPr>
-                <a:latin typeface="+mj-lt"/>
-              </a:defRPr>
-            </a:lvl3pPr>
-            <a:lvl4pPr marL="846646" indent="-232828">
-              <a:buSzPct val="100000"/>
-              <a:buFont typeface="Wingdings" charset="2"/>
-              <a:buChar char="§"/>
-              <a:tabLst/>
-              <a:defRPr>
-                <a:latin typeface="+mj-lt"/>
-              </a:defRPr>
-            </a:lvl4pPr>
-            <a:lvl5pPr marL="1068891" indent="-222245">
-              <a:buSzPct val="100000"/>
-              <a:buFont typeface="Wingdings" charset="2"/>
-              <a:buChar char="§"/>
-              <a:tabLst/>
-              <a:defRPr>
-                <a:latin typeface="+mj-lt"/>
-              </a:defRPr>
-            </a:lvl5pPr>
-          </a:lstStyle>
-          <a:p>
-            <a:pPr lvl="0"/>
-            <a:r>
-              <a:rPr lang="en-US" altLang="zh-CN" dirty="0"/>
-              <a:t>Click to edit Master text styles</a:t>
-            </a:r>
-          </a:p>
-          <a:p>
-            <a:pPr lvl="1"/>
-            <a:r>
-              <a:rPr lang="en-US" altLang="zh-CN" dirty="0"/>
-              <a:t>Second level</a:t>
-            </a:r>
-          </a:p>
-          <a:p>
-            <a:pPr lvl="2"/>
-            <a:r>
-              <a:rPr lang="en-US" altLang="zh-CN" dirty="0"/>
-              <a:t>Third level</a:t>
-            </a:r>
-          </a:p>
-          <a:p>
-            <a:pPr lvl="3"/>
-            <a:r>
-              <a:rPr lang="en-US" altLang="zh-CN" dirty="0"/>
-              <a:t>Fourth level</a:t>
-            </a:r>
-          </a:p>
-          <a:p>
-            <a:pPr lvl="4"/>
-            <a:r>
-              <a:rPr lang="en-US" altLang="zh-CN" dirty="0"/>
-              <a:t>Fifth level</a:t>
-            </a:r>
-            <a:endParaRPr lang="en-US" dirty="0"/>
-          </a:p>
-        </p:txBody>
-      </p:sp>
-      <p:sp>
-        <p:nvSpPr>
-          <p:cNvPr id="88" name="Slide Number Placeholder 8"/>
-          <p:cNvSpPr>
-            <a:spLocks noGrp="1"/>
-          </p:cNvSpPr>
-          <p:nvPr>
-            <p:ph type="sldNum" sz="quarter" idx="12"/>
-          </p:nvPr>
-        </p:nvSpPr>
-        <p:spPr>
-          <a:xfrm>
-            <a:off x="9900460" y="6459786"/>
-            <a:ext cx="1312025" cy="365125"/>
-          </a:xfrm>
-        </p:spPr>
-        <p:txBody>
-          <a:bodyPr/>
-          <a:lstStyle/>
-          <a:p>
-            <a:fld id="{4FAB73BC-B049-4115-A692-8D63A059BFB8}" type="slidenum">
-              <a:rPr lang="en-US" dirty="0"/>
-              <a:pPr/>
-              <a:t>‹#›</a:t>
-            </a:fld>
-            <a:endParaRPr lang="en-US" dirty="0"/>
-          </a:p>
-        </p:txBody>
-      </p:sp>
-    </p:spTree>
-    <p:extLst>
-      <p:ext uri="{BB962C8B-B14F-4D97-AF65-F5344CB8AC3E}">
-        <p14:creationId xmlns:p14="http://schemas.microsoft.com/office/powerpoint/2010/main" val="3524564858"/>
       </p:ext>
     </p:extLst>
   </p:cSld>
@@ -2448,7 +2428,7 @@
           <a:p>
             <a:fld id="{AB726BC2-D01D-4DFD-8054-7E068A9DCB03}" type="datetimeFigureOut">
               <a:rPr lang="en-US" smtClean="0"/>
-              <a:t>8/26/19</a:t>
+              <a:t>8/27/19</a:t>
             </a:fld>
             <a:endParaRPr lang="en-US"/>
           </a:p>
@@ -2693,7 +2673,7 @@
           <a:p>
             <a:fld id="{AB726BC2-D01D-4DFD-8054-7E068A9DCB03}" type="datetimeFigureOut">
               <a:rPr lang="en-US" smtClean="0"/>
-              <a:t>8/26/19</a:t>
+              <a:t>8/27/19</a:t>
             </a:fld>
             <a:endParaRPr lang="en-US"/>
           </a:p>
@@ -2978,7 +2958,7 @@
           <a:p>
             <a:fld id="{AB726BC2-D01D-4DFD-8054-7E068A9DCB03}" type="datetimeFigureOut">
               <a:rPr lang="en-US" smtClean="0"/>
-              <a:t>8/26/19</a:t>
+              <a:t>8/27/19</a:t>
             </a:fld>
             <a:endParaRPr lang="en-US"/>
           </a:p>
@@ -3397,7 +3377,7 @@
           <a:p>
             <a:fld id="{AB726BC2-D01D-4DFD-8054-7E068A9DCB03}" type="datetimeFigureOut">
               <a:rPr lang="en-US" smtClean="0"/>
-              <a:t>8/26/19</a:t>
+              <a:t>8/27/19</a:t>
             </a:fld>
             <a:endParaRPr lang="en-US"/>
           </a:p>
@@ -3514,7 +3494,7 @@
           <a:p>
             <a:fld id="{AB726BC2-D01D-4DFD-8054-7E068A9DCB03}" type="datetimeFigureOut">
               <a:rPr lang="en-US" smtClean="0"/>
-              <a:t>8/26/19</a:t>
+              <a:t>8/27/19</a:t>
             </a:fld>
             <a:endParaRPr lang="en-US"/>
           </a:p>
@@ -3609,7 +3589,7 @@
           <a:p>
             <a:fld id="{AB726BC2-D01D-4DFD-8054-7E068A9DCB03}" type="datetimeFigureOut">
               <a:rPr lang="en-US" smtClean="0"/>
-              <a:t>8/26/19</a:t>
+              <a:t>8/27/19</a:t>
             </a:fld>
             <a:endParaRPr lang="en-US"/>
           </a:p>
@@ -3884,7 +3864,7 @@
           <a:p>
             <a:fld id="{AB726BC2-D01D-4DFD-8054-7E068A9DCB03}" type="datetimeFigureOut">
               <a:rPr lang="en-US" smtClean="0"/>
-              <a:t>8/26/19</a:t>
+              <a:t>8/27/19</a:t>
             </a:fld>
             <a:endParaRPr lang="en-US"/>
           </a:p>
@@ -4136,7 +4116,7 @@
           <a:p>
             <a:fld id="{AB726BC2-D01D-4DFD-8054-7E068A9DCB03}" type="datetimeFigureOut">
               <a:rPr lang="en-US" smtClean="0"/>
-              <a:t>8/26/19</a:t>
+              <a:t>8/27/19</a:t>
             </a:fld>
             <a:endParaRPr lang="en-US"/>
           </a:p>
@@ -4347,7 +4327,7 @@
           <a:p>
             <a:fld id="{AB726BC2-D01D-4DFD-8054-7E068A9DCB03}" type="datetimeFigureOut">
               <a:rPr lang="en-US" smtClean="0"/>
-              <a:t>8/26/19</a:t>
+              <a:t>8/27/19</a:t>
             </a:fld>
             <a:endParaRPr lang="en-US"/>
           </a:p>
@@ -4451,7 +4431,6 @@
     <p:sldLayoutId id="2147483657" r:id="rId9"/>
     <p:sldLayoutId id="2147483658" r:id="rId10"/>
     <p:sldLayoutId id="2147483659" r:id="rId11"/>
-    <p:sldLayoutId id="2147483660" r:id="rId12"/>
   </p:sldLayoutIdLst>
   <p:txStyles>
     <p:titleStyle>
@@ -4793,7 +4772,7 @@
           <a:p>
             <a:r>
               <a:rPr lang="en-US" dirty="0"/>
-              <a:t>August 29</a:t>
+              <a:t>August 27</a:t>
             </a:r>
             <a:r>
               <a:rPr lang="en-US" baseline="30000" dirty="0"/>
@@ -7832,7 +7811,7 @@
             <p:nvPr/>
           </p:nvPicPr>
           <p:blipFill>
-            <a:blip r:embed="rId3" cstate="print">
+            <a:blip r:embed="rId3" cstate="email">
               <a:extLst>
                 <a:ext uri="{28A0092B-C50C-407E-A947-70E740481C1C}">
                   <a14:useLocalDpi xmlns:a14="http://schemas.microsoft.com/office/drawing/2010/main"/>
@@ -7879,7 +7858,7 @@
             <p:nvPr/>
           </p:nvPicPr>
           <p:blipFill>
-            <a:blip r:embed="rId3" cstate="print">
+            <a:blip r:embed="rId3" cstate="email">
               <a:extLst>
                 <a:ext uri="{28A0092B-C50C-407E-A947-70E740481C1C}">
                   <a14:useLocalDpi xmlns:a14="http://schemas.microsoft.com/office/drawing/2010/main"/>
@@ -11741,7 +11720,13 @@
           <p:nvPr/>
         </p:nvPicPr>
         <p:blipFill>
-          <a:blip r:embed="rId3"/>
+          <a:blip r:embed="rId4" cstate="email">
+            <a:extLst>
+              <a:ext uri="{28A0092B-C50C-407E-A947-70E740481C1C}">
+                <a14:useLocalDpi xmlns:a14="http://schemas.microsoft.com/office/drawing/2010/main"/>
+              </a:ext>
+            </a:extLst>
+          </a:blip>
           <a:stretch>
             <a:fillRect/>
           </a:stretch>
@@ -11771,7 +11756,7 @@
           <p:nvPr/>
         </p:nvPicPr>
         <p:blipFill>
-          <a:blip r:embed="rId3" cstate="print">
+          <a:blip r:embed="rId5" cstate="email">
             <a:extLst>
               <a:ext uri="{28A0092B-C50C-407E-A947-70E740481C1C}">
                 <a14:useLocalDpi xmlns:a14="http://schemas.microsoft.com/office/drawing/2010/main"/>
@@ -11818,7 +11803,7 @@
           <p:nvPr/>
         </p:nvPicPr>
         <p:blipFill>
-          <a:blip r:embed="rId3" cstate="print">
+          <a:blip r:embed="rId5" cstate="email">
             <a:extLst>
               <a:ext uri="{28A0092B-C50C-407E-A947-70E740481C1C}">
                 <a14:useLocalDpi xmlns:a14="http://schemas.microsoft.com/office/drawing/2010/main"/>
@@ -11865,7 +11850,13 @@
           <p:nvPr/>
         </p:nvPicPr>
         <p:blipFill>
-          <a:blip r:embed="rId3"/>
+          <a:blip r:embed="rId6" cstate="email">
+            <a:extLst>
+              <a:ext uri="{28A0092B-C50C-407E-A947-70E740481C1C}">
+                <a14:useLocalDpi xmlns:a14="http://schemas.microsoft.com/office/drawing/2010/main"/>
+              </a:ext>
+            </a:extLst>
+          </a:blip>
           <a:stretch>
             <a:fillRect/>
           </a:stretch>
@@ -11883,7 +11874,7 @@
     </p:spTree>
     <p:extLst>
       <p:ext uri="{BB962C8B-B14F-4D97-AF65-F5344CB8AC3E}">
-        <p14:creationId xmlns:p14="http://schemas.microsoft.com/office/powerpoint/2010/main" val="3526029778"/>
+        <p14:creationId xmlns:p14="http://schemas.microsoft.com/office/powerpoint/2010/main" val="380823712"/>
       </p:ext>
     </p:extLst>
   </p:cSld>
@@ -12218,7 +12209,7 @@
                 <a:ea typeface="Arial Rounded MT Bold" charset="0"/>
                 <a:cs typeface="Arial Rounded MT Bold" charset="0"/>
               </a:rPr>
-              <a:t>Why is air-travel so safe?</a:t>
+              <a:t>Why is air-travel safe?</a:t>
             </a:r>
           </a:p>
         </p:txBody>
@@ -12810,71 +12801,6 @@
           </a:p>
         </p:txBody>
       </p:sp>
-      <p:pic>
-        <p:nvPicPr>
-          <p:cNvPr id="3" name="Picture 2"/>
-          <p:cNvPicPr>
-            <a:picLocks noChangeAspect="1"/>
-          </p:cNvPicPr>
-          <p:nvPr/>
-        </p:nvPicPr>
-        <p:blipFill>
-          <a:blip r:embed="rId3"/>
-          <a:stretch>
-            <a:fillRect/>
-          </a:stretch>
-        </p:blipFill>
-        <p:spPr>
-          <a:xfrm>
-            <a:off x="8121956" y="927830"/>
-            <a:ext cx="852731" cy="492227"/>
-          </a:xfrm>
-          <a:prstGeom prst="rect">
-            <a:avLst/>
-          </a:prstGeom>
-        </p:spPr>
-      </p:pic>
-      <p:pic>
-        <p:nvPicPr>
-          <p:cNvPr id="2" name="Picture 1"/>
-          <p:cNvPicPr>
-            <a:picLocks noChangeAspect="1"/>
-          </p:cNvPicPr>
-          <p:nvPr/>
-        </p:nvPicPr>
-        <p:blipFill rotWithShape="1">
-          <a:blip r:embed="rId3" cstate="print">
-            <a:extLst>
-              <a:ext uri="{BEBA8EAE-BF5A-486C-A8C5-ECC9F3942E4B}">
-                <a14:imgProps xmlns:a14="http://schemas.microsoft.com/office/drawing/2010/main">
-                  <a14:imgLayer r:embed="rId4">
-                    <a14:imgEffect>
-                      <a14:backgroundRemoval t="0" b="100000" l="0" r="89881">
-                        <a14:backgroundMark x1="595" y1="62290" x2="595" y2="62290"/>
-                        <a14:backgroundMark x1="595" y1="62290" x2="595" y2="62290"/>
-                      </a14:backgroundRemoval>
-                    </a14:imgEffect>
-                  </a14:imgLayer>
-                </a14:imgProps>
-              </a:ext>
-              <a:ext uri="{28A0092B-C50C-407E-A947-70E740481C1C}">
-                <a14:useLocalDpi xmlns:a14="http://schemas.microsoft.com/office/drawing/2010/main" val="0"/>
-              </a:ext>
-            </a:extLst>
-          </a:blip>
-          <a:srcRect l="443"/>
-          <a:stretch/>
-        </p:blipFill>
-        <p:spPr>
-          <a:xfrm>
-            <a:off x="4844664" y="-501556"/>
-            <a:ext cx="7407308" cy="4685599"/>
-          </a:xfrm>
-          <a:prstGeom prst="rect">
-            <a:avLst/>
-          </a:prstGeom>
-        </p:spPr>
-      </p:pic>
       <p:sp>
         <p:nvSpPr>
           <p:cNvPr id="10" name="Rectangle 9"/>
@@ -12926,7 +12852,13 @@
               <a:rPr lang="en-US" sz="1747" dirty="0">
                 <a:latin typeface="+mj-lt"/>
               </a:rPr>
-              <a:t>Supplement DO-333 supplement of DO-178C identifies aspects of airworthiness certification that pertains to of software using formal methods </a:t>
+              <a:t>Supplement DO-333 supplement of DO-178C identifies aspects of airworthiness certification that pertains to of software using </a:t>
+            </a:r>
+            <a:r>
+              <a:rPr lang="en-US" sz="1747" i="1" dirty="0">
+                <a:latin typeface="+mj-lt"/>
+              </a:rPr>
+              <a:t>formal methods </a:t>
             </a:r>
           </a:p>
         </p:txBody>
@@ -13109,6 +13041,53 @@
           </a:p>
         </p:txBody>
       </p:sp>
+      <p:pic>
+        <p:nvPicPr>
+          <p:cNvPr id="13" name="Picture 12">
+            <a:extLst>
+              <a:ext uri="{FF2B5EF4-FFF2-40B4-BE49-F238E27FC236}">
+                <a16:creationId xmlns:a16="http://schemas.microsoft.com/office/drawing/2014/main" id="{9F6772ED-21B2-AF40-B469-D7319C356EE3}"/>
+              </a:ext>
+            </a:extLst>
+          </p:cNvPr>
+          <p:cNvPicPr>
+            <a:picLocks noChangeAspect="1"/>
+          </p:cNvPicPr>
+          <p:nvPr/>
+        </p:nvPicPr>
+        <p:blipFill rotWithShape="1">
+          <a:blip r:embed="rId3" cstate="email">
+            <a:extLst>
+              <a:ext uri="{BEBA8EAE-BF5A-486C-A8C5-ECC9F3942E4B}">
+                <a14:imgProps xmlns:a14="http://schemas.microsoft.com/office/drawing/2010/main">
+                  <a14:imgLayer r:embed="rId4">
+                    <a14:imgEffect>
+                      <a14:backgroundRemoval t="0" b="100000" l="0" r="89834">
+                        <a14:backgroundMark x1="133" y1="62290" x2="133" y2="62290"/>
+                        <a14:backgroundMark x1="133" y1="62290" x2="133" y2="62290"/>
+                      </a14:backgroundRemoval>
+                    </a14:imgEffect>
+                  </a14:imgLayer>
+                </a14:imgProps>
+              </a:ext>
+              <a:ext uri="{28A0092B-C50C-407E-A947-70E740481C1C}">
+                <a14:useLocalDpi xmlns:a14="http://schemas.microsoft.com/office/drawing/2010/main"/>
+              </a:ext>
+            </a:extLst>
+          </a:blip>
+          <a:srcRect/>
+          <a:stretch/>
+        </p:blipFill>
+        <p:spPr>
+          <a:xfrm>
+            <a:off x="5589715" y="-531271"/>
+            <a:ext cx="7407308" cy="4685599"/>
+          </a:xfrm>
+          <a:prstGeom prst="rect">
+            <a:avLst/>
+          </a:prstGeom>
+        </p:spPr>
+      </p:pic>
     </p:spTree>
     <p:extLst>
       <p:ext uri="{BB962C8B-B14F-4D97-AF65-F5344CB8AC3E}">
@@ -13410,6 +13389,1051 @@
           <a:chExt cx="0" cy="0"/>
         </a:xfrm>
       </p:grpSpPr>
+      <p:pic>
+        <p:nvPicPr>
+          <p:cNvPr id="6" name="Picture 5"/>
+          <p:cNvPicPr>
+            <a:picLocks noChangeAspect="1"/>
+          </p:cNvPicPr>
+          <p:nvPr/>
+        </p:nvPicPr>
+        <p:blipFill rotWithShape="1">
+          <a:blip r:embed="rId3" cstate="email">
+            <a:extLst>
+              <a:ext uri="{28A0092B-C50C-407E-A947-70E740481C1C}">
+                <a14:useLocalDpi xmlns:a14="http://schemas.microsoft.com/office/drawing/2010/main"/>
+              </a:ext>
+            </a:extLst>
+          </a:blip>
+          <a:srcRect r="-370"/>
+          <a:stretch/>
+        </p:blipFill>
+        <p:spPr>
+          <a:xfrm>
+            <a:off x="7603092" y="3754807"/>
+            <a:ext cx="2026472" cy="2113374"/>
+          </a:xfrm>
+          <a:prstGeom prst="rect">
+            <a:avLst/>
+          </a:prstGeom>
+        </p:spPr>
+      </p:pic>
+      <p:pic>
+        <p:nvPicPr>
+          <p:cNvPr id="4" name="Picture 3"/>
+          <p:cNvPicPr>
+            <a:picLocks noChangeAspect="1"/>
+          </p:cNvPicPr>
+          <p:nvPr/>
+        </p:nvPicPr>
+        <p:blipFill rotWithShape="1">
+          <a:blip r:embed="rId4" cstate="email">
+            <a:extLst>
+              <a:ext uri="{28A0092B-C50C-407E-A947-70E740481C1C}">
+                <a14:useLocalDpi xmlns:a14="http://schemas.microsoft.com/office/drawing/2010/main"/>
+              </a:ext>
+            </a:extLst>
+          </a:blip>
+          <a:srcRect/>
+          <a:stretch/>
+        </p:blipFill>
+        <p:spPr>
+          <a:xfrm>
+            <a:off x="8092888" y="1949824"/>
+            <a:ext cx="1745428" cy="1710641"/>
+          </a:xfrm>
+          <a:prstGeom prst="rect">
+            <a:avLst/>
+          </a:prstGeom>
+        </p:spPr>
+      </p:pic>
+      <p:pic>
+        <p:nvPicPr>
+          <p:cNvPr id="8" name="Picture 7"/>
+          <p:cNvPicPr>
+            <a:picLocks noChangeAspect="1"/>
+          </p:cNvPicPr>
+          <p:nvPr/>
+        </p:nvPicPr>
+        <p:blipFill rotWithShape="1">
+          <a:blip r:embed="rId5" cstate="email">
+            <a:extLst>
+              <a:ext uri="{BEBA8EAE-BF5A-486C-A8C5-ECC9F3942E4B}">
+                <a14:imgProps xmlns:a14="http://schemas.microsoft.com/office/drawing/2010/main">
+                  <a14:imgLayer r:embed="rId6">
+                    <a14:imgEffect>
+                      <a14:backgroundRemoval t="1559" b="96882" l="9924" r="92297">
+                        <a14:foregroundMark x1="82165" y1="16927" x2="82165" y2="16927"/>
+                        <a14:foregroundMark x1="79944" y1="19488" x2="79944" y2="19488"/>
+                        <a14:foregroundMark x1="84316" y1="19265" x2="84316" y2="19265"/>
+                        <a14:foregroundMark x1="87647" y1="19710" x2="87647" y2="19710"/>
+                        <a14:foregroundMark x1="85913" y1="20935" x2="85913" y2="20935"/>
+                        <a14:foregroundMark x1="90632" y1="19265" x2="90632" y2="19265"/>
+                        <a14:backgroundMark x1="81055" y1="20267" x2="81055" y2="20267"/>
+                      </a14:backgroundRemoval>
+                    </a14:imgEffect>
+                  </a14:imgLayer>
+                </a14:imgProps>
+              </a:ext>
+              <a:ext uri="{28A0092B-C50C-407E-A947-70E740481C1C}">
+                <a14:useLocalDpi xmlns:a14="http://schemas.microsoft.com/office/drawing/2010/main"/>
+              </a:ext>
+            </a:extLst>
+          </a:blip>
+          <a:srcRect/>
+          <a:stretch/>
+        </p:blipFill>
+        <p:spPr>
+          <a:xfrm>
+            <a:off x="1127454" y="1949824"/>
+            <a:ext cx="6156238" cy="3835840"/>
+          </a:xfrm>
+          <a:prstGeom prst="rect">
+            <a:avLst/>
+          </a:prstGeom>
+        </p:spPr>
+      </p:pic>
+      <p:sp>
+        <p:nvSpPr>
+          <p:cNvPr id="9" name="Rectangle 8"/>
+          <p:cNvSpPr/>
+          <p:nvPr/>
+        </p:nvSpPr>
+        <p:spPr>
+          <a:xfrm>
+            <a:off x="1813385" y="384681"/>
+            <a:ext cx="8565229" cy="1077218"/>
+          </a:xfrm>
+          <a:prstGeom prst="rect">
+            <a:avLst/>
+          </a:prstGeom>
+        </p:spPr>
+        <p:txBody>
+          <a:bodyPr wrap="square">
+            <a:spAutoFit/>
+          </a:bodyPr>
+          <a:lstStyle/>
+          <a:p>
+            <a:pPr algn="ctr"/>
+            <a:r>
+              <a:rPr lang="en-US" sz="3200" dirty="0"/>
+              <a:t>Another earlier success instance: microprocessor industry and supporting design automation tools </a:t>
+            </a:r>
+          </a:p>
+        </p:txBody>
+      </p:sp>
+      <p:sp>
+        <p:nvSpPr>
+          <p:cNvPr id="10" name="Rectangle 9"/>
+          <p:cNvSpPr/>
+          <p:nvPr/>
+        </p:nvSpPr>
+        <p:spPr>
+          <a:xfrm>
+            <a:off x="7435986" y="3754809"/>
+            <a:ext cx="3059235" cy="316369"/>
+          </a:xfrm>
+          <a:prstGeom prst="rect">
+            <a:avLst/>
+          </a:prstGeom>
+        </p:spPr>
+        <p:txBody>
+          <a:bodyPr wrap="none">
+            <a:spAutoFit/>
+          </a:bodyPr>
+          <a:lstStyle/>
+          <a:p>
+            <a:pPr algn="ctr"/>
+            <a:r>
+              <a:rPr lang="en-US" sz="1456" dirty="0"/>
+              <a:t>Electronic design automation industry</a:t>
+            </a:r>
+          </a:p>
+        </p:txBody>
+      </p:sp>
+      <p:sp>
+        <p:nvSpPr>
+          <p:cNvPr id="2" name="Footer Placeholder 1"/>
+          <p:cNvSpPr>
+            <a:spLocks noGrp="1"/>
+          </p:cNvSpPr>
+          <p:nvPr>
+            <p:ph type="ftr" sz="quarter" idx="11"/>
+          </p:nvPr>
+        </p:nvSpPr>
+        <p:spPr/>
+        <p:txBody>
+          <a:bodyPr/>
+          <a:lstStyle/>
+          <a:p>
+            <a:r>
+              <a:rPr lang="en-US"/>
+              <a:t>Lecture Slides </a:t>
+            </a:r>
+            <a:r>
+              <a:rPr lang="de-DE"/>
+              <a:t>by </a:t>
+            </a:r>
+            <a:r>
+              <a:rPr lang="en-US"/>
+              <a:t>Sayan Mitra</a:t>
+            </a:r>
+            <a:r>
+              <a:rPr lang="de-DE"/>
+              <a:t> mitras@illinois.edu</a:t>
+            </a:r>
+            <a:endParaRPr lang="en-US" dirty="0"/>
+          </a:p>
+        </p:txBody>
+      </p:sp>
+    </p:spTree>
+    <p:extLst>
+      <p:ext uri="{BB962C8B-B14F-4D97-AF65-F5344CB8AC3E}">
+        <p14:creationId xmlns:p14="http://schemas.microsoft.com/office/powerpoint/2010/main" val="3791786093"/>
+      </p:ext>
+    </p:extLst>
+  </p:cSld>
+  <p:clrMapOvr>
+    <a:masterClrMapping/>
+  </p:clrMapOvr>
+  <p:timing>
+    <p:tnLst>
+      <p:par>
+        <p:cTn id="1" dur="indefinite" restart="never" nodeType="tmRoot">
+          <p:childTnLst>
+            <p:seq concurrent="1" nextAc="seek">
+              <p:cTn id="2" dur="indefinite" nodeType="mainSeq">
+                <p:childTnLst>
+                  <p:par>
+                    <p:cTn id="3" fill="hold">
+                      <p:stCondLst>
+                        <p:cond delay="indefinite"/>
+                      </p:stCondLst>
+                      <p:childTnLst>
+                        <p:par>
+                          <p:cTn id="4" fill="hold">
+                            <p:stCondLst>
+                              <p:cond delay="0"/>
+                            </p:stCondLst>
+                            <p:childTnLst>
+                              <p:par>
+                                <p:cTn id="5" presetID="1" presetClass="entr" presetSubtype="0" fill="hold" grpId="0" nodeType="clickEffect">
+                                  <p:stCondLst>
+                                    <p:cond delay="0"/>
+                                  </p:stCondLst>
+                                  <p:childTnLst>
+                                    <p:set>
+                                      <p:cBhvr>
+                                        <p:cTn id="6" dur="1" fill="hold">
+                                          <p:stCondLst>
+                                            <p:cond delay="0"/>
+                                          </p:stCondLst>
+                                        </p:cTn>
+                                        <p:tgtEl>
+                                          <p:spTgt spid="10"/>
+                                        </p:tgtEl>
+                                        <p:attrNameLst>
+                                          <p:attrName>style.visibility</p:attrName>
+                                        </p:attrNameLst>
+                                      </p:cBhvr>
+                                      <p:to>
+                                        <p:strVal val="visible"/>
+                                      </p:to>
+                                    </p:set>
+                                  </p:childTnLst>
+                                </p:cTn>
+                              </p:par>
+                              <p:par>
+                                <p:cTn id="7" presetID="1" presetClass="entr" presetSubtype="0" fill="hold" nodeType="withEffect">
+                                  <p:stCondLst>
+                                    <p:cond delay="0"/>
+                                  </p:stCondLst>
+                                  <p:childTnLst>
+                                    <p:set>
+                                      <p:cBhvr>
+                                        <p:cTn id="8" dur="1" fill="hold">
+                                          <p:stCondLst>
+                                            <p:cond delay="0"/>
+                                          </p:stCondLst>
+                                        </p:cTn>
+                                        <p:tgtEl>
+                                          <p:spTgt spid="4"/>
+                                        </p:tgtEl>
+                                        <p:attrNameLst>
+                                          <p:attrName>style.visibility</p:attrName>
+                                        </p:attrNameLst>
+                                      </p:cBhvr>
+                                      <p:to>
+                                        <p:strVal val="visible"/>
+                                      </p:to>
+                                    </p:set>
+                                  </p:childTnLst>
+                                </p:cTn>
+                              </p:par>
+                              <p:par>
+                                <p:cTn id="9" presetID="1" presetClass="entr" presetSubtype="0" fill="hold" nodeType="withEffect">
+                                  <p:stCondLst>
+                                    <p:cond delay="0"/>
+                                  </p:stCondLst>
+                                  <p:childTnLst>
+                                    <p:set>
+                                      <p:cBhvr>
+                                        <p:cTn id="10" dur="1" fill="hold">
+                                          <p:stCondLst>
+                                            <p:cond delay="0"/>
+                                          </p:stCondLst>
+                                        </p:cTn>
+                                        <p:tgtEl>
+                                          <p:spTgt spid="6"/>
+                                        </p:tgtEl>
+                                        <p:attrNameLst>
+                                          <p:attrName>style.visibility</p:attrName>
+                                        </p:attrNameLst>
+                                      </p:cBhvr>
+                                      <p:to>
+                                        <p:strVal val="visible"/>
+                                      </p:to>
+                                    </p:set>
+                                  </p:childTnLst>
+                                </p:cTn>
+                              </p:par>
+                            </p:childTnLst>
+                          </p:cTn>
+                        </p:par>
+                      </p:childTnLst>
+                    </p:cTn>
+                  </p:par>
+                </p:childTnLst>
+              </p:cTn>
+              <p:prevCondLst>
+                <p:cond evt="onPrev" delay="0">
+                  <p:tgtEl>
+                    <p:sldTgt/>
+                  </p:tgtEl>
+                </p:cond>
+              </p:prevCondLst>
+              <p:nextCondLst>
+                <p:cond evt="onNext" delay="0">
+                  <p:tgtEl>
+                    <p:sldTgt/>
+                  </p:tgtEl>
+                </p:cond>
+              </p:nextCondLst>
+            </p:seq>
+          </p:childTnLst>
+        </p:cTn>
+      </p:par>
+    </p:tnLst>
+    <p:bldLst>
+      <p:bldP spid="10" grpId="0"/>
+    </p:bldLst>
+  </p:timing>
+</p:sld>
+</file>
+
+<file path=ppt/slides/slide15.xml><?xml version="1.0" encoding="utf-8"?>
+<p:sld xmlns:a="http://schemas.openxmlformats.org/drawingml/2006/main" xmlns:r="http://schemas.openxmlformats.org/officeDocument/2006/relationships" xmlns:p="http://schemas.openxmlformats.org/presentationml/2006/main">
+  <p:cSld>
+    <p:spTree>
+      <p:nvGrpSpPr>
+        <p:cNvPr id="1" name=""/>
+        <p:cNvGrpSpPr/>
+        <p:nvPr/>
+      </p:nvGrpSpPr>
+      <p:grpSpPr>
+        <a:xfrm>
+          <a:off x="0" y="0"/>
+          <a:ext cx="0" cy="0"/>
+          <a:chOff x="0" y="0"/>
+          <a:chExt cx="0" cy="0"/>
+        </a:xfrm>
+      </p:grpSpPr>
+      <p:sp>
+        <p:nvSpPr>
+          <p:cNvPr id="2" name="Title 1"/>
+          <p:cNvSpPr>
+            <a:spLocks noGrp="1"/>
+          </p:cNvSpPr>
+          <p:nvPr>
+            <p:ph type="title"/>
+          </p:nvPr>
+        </p:nvSpPr>
+        <p:spPr>
+          <a:xfrm>
+            <a:off x="1752600" y="274638"/>
+            <a:ext cx="8763000" cy="1143000"/>
+          </a:xfrm>
+        </p:spPr>
+        <p:txBody>
+          <a:bodyPr>
+            <a:noAutofit/>
+          </a:bodyPr>
+          <a:lstStyle/>
+          <a:p>
+            <a:r>
+              <a:rPr lang="en-US" sz="3600" dirty="0"/>
+              <a:t>Beyond ECE/CS 584</a:t>
+            </a:r>
+          </a:p>
+        </p:txBody>
+      </p:sp>
+      <p:sp>
+        <p:nvSpPr>
+          <p:cNvPr id="3" name="Content Placeholder 2"/>
+          <p:cNvSpPr>
+            <a:spLocks noGrp="1"/>
+          </p:cNvSpPr>
+          <p:nvPr>
+            <p:ph idx="1"/>
+          </p:nvPr>
+        </p:nvSpPr>
+        <p:spPr>
+          <a:xfrm>
+            <a:off x="914400" y="1600200"/>
+            <a:ext cx="10744200" cy="5105400"/>
+          </a:xfrm>
+        </p:spPr>
+        <p:txBody>
+          <a:bodyPr>
+            <a:normAutofit fontScale="70000" lnSpcReduction="20000"/>
+          </a:bodyPr>
+          <a:lstStyle/>
+          <a:p>
+            <a:pPr>
+              <a:lnSpc>
+                <a:spcPct val="120000"/>
+              </a:lnSpc>
+            </a:pPr>
+            <a:r>
+              <a:rPr lang="en-US" dirty="0"/>
+              <a:t>Hardware verification (model checking) is now part of engineering practice in the industry</a:t>
+            </a:r>
+          </a:p>
+          <a:p>
+            <a:pPr>
+              <a:lnSpc>
+                <a:spcPct val="120000"/>
+              </a:lnSpc>
+            </a:pPr>
+            <a:r>
+              <a:rPr lang="en-US" dirty="0"/>
+              <a:t>Automated Device Driver Verification at Microsoft: SLAM tool from MSR; AMAZON Web services verified using TLA</a:t>
+            </a:r>
+          </a:p>
+          <a:p>
+            <a:pPr>
+              <a:lnSpc>
+                <a:spcPct val="120000"/>
+              </a:lnSpc>
+            </a:pPr>
+            <a:r>
+              <a:rPr lang="en-US" dirty="0"/>
+              <a:t>Formal modeling and analysis is becoming part of certification process for avionics (e.g., ASTREE); adoption for automotive and manufacturing around the corner</a:t>
+            </a:r>
+          </a:p>
+          <a:p>
+            <a:pPr>
+              <a:lnSpc>
+                <a:spcPct val="120000"/>
+              </a:lnSpc>
+            </a:pPr>
+            <a:r>
+              <a:rPr lang="en-US" dirty="0"/>
+              <a:t>Commercial enterprises</a:t>
+            </a:r>
+          </a:p>
+          <a:p>
+            <a:pPr lvl="1">
+              <a:lnSpc>
+                <a:spcPct val="120000"/>
+              </a:lnSpc>
+            </a:pPr>
+            <a:r>
+              <a:rPr lang="en-US" dirty="0"/>
+              <a:t>Synopsis, Mentor Graphics, Cadence, </a:t>
+            </a:r>
+            <a:r>
+              <a:rPr lang="en-US" dirty="0" err="1"/>
+              <a:t>Coverity</a:t>
+            </a:r>
+            <a:r>
+              <a:rPr lang="en-US" dirty="0"/>
+              <a:t>, Galois, SRI, etc.</a:t>
+            </a:r>
+          </a:p>
+          <a:p>
+            <a:pPr lvl="1">
+              <a:lnSpc>
+                <a:spcPct val="120000"/>
+              </a:lnSpc>
+            </a:pPr>
+            <a:r>
+              <a:rPr lang="en-US" dirty="0"/>
+              <a:t>More up and coming in the automotive space</a:t>
+            </a:r>
+          </a:p>
+          <a:p>
+            <a:pPr>
+              <a:lnSpc>
+                <a:spcPct val="120000"/>
+              </a:lnSpc>
+            </a:pPr>
+            <a:r>
+              <a:rPr lang="en-US" dirty="0"/>
+              <a:t>Vibrant, focused research community:</a:t>
+            </a:r>
+          </a:p>
+          <a:p>
+            <a:pPr lvl="1">
+              <a:lnSpc>
+                <a:spcPct val="120000"/>
+              </a:lnSpc>
+            </a:pPr>
+            <a:r>
+              <a:rPr lang="en-US" dirty="0"/>
+              <a:t>Conferences: CAV, TACAS, PLDI, HSCC, </a:t>
+            </a:r>
+            <a:r>
+              <a:rPr lang="en-US" dirty="0" err="1"/>
+              <a:t>EMSoft</a:t>
+            </a:r>
+            <a:endParaRPr lang="en-US" dirty="0"/>
+          </a:p>
+          <a:p>
+            <a:pPr lvl="1">
+              <a:lnSpc>
+                <a:spcPct val="120000"/>
+              </a:lnSpc>
+            </a:pPr>
+            <a:r>
+              <a:rPr lang="en-US" dirty="0"/>
+              <a:t>Faculty and research. positions</a:t>
+            </a:r>
+          </a:p>
+          <a:p>
+            <a:pPr lvl="1">
+              <a:lnSpc>
+                <a:spcPct val="120000"/>
+              </a:lnSpc>
+            </a:pPr>
+            <a:r>
+              <a:rPr lang="en-US" dirty="0"/>
+              <a:t>Turing Awards: </a:t>
+            </a:r>
+            <a:r>
+              <a:rPr lang="en-US" dirty="0" err="1"/>
+              <a:t>Lamport</a:t>
+            </a:r>
+            <a:r>
+              <a:rPr lang="en-US" dirty="0"/>
+              <a:t> (2014), Clarke, </a:t>
+            </a:r>
+            <a:r>
+              <a:rPr lang="en-US" dirty="0" err="1"/>
+              <a:t>Sifakis</a:t>
+            </a:r>
+            <a:r>
+              <a:rPr lang="en-US" dirty="0"/>
+              <a:t> &amp; Emerson (2008), </a:t>
+            </a:r>
+            <a:r>
+              <a:rPr lang="en-US" dirty="0" err="1"/>
+              <a:t>Pnueli</a:t>
+            </a:r>
+            <a:r>
+              <a:rPr lang="en-US" dirty="0"/>
+              <a:t> (1997), Lampson (1992), Milner (1991), Hoare (1980), Dijkstra (1972) …</a:t>
+            </a:r>
+          </a:p>
+        </p:txBody>
+      </p:sp>
+    </p:spTree>
+    <p:extLst>
+      <p:ext uri="{BB962C8B-B14F-4D97-AF65-F5344CB8AC3E}">
+        <p14:creationId xmlns:p14="http://schemas.microsoft.com/office/powerpoint/2010/main" val="1887426020"/>
+      </p:ext>
+    </p:extLst>
+  </p:cSld>
+  <p:clrMapOvr>
+    <a:masterClrMapping/>
+  </p:clrMapOvr>
+  <p:timing>
+    <p:tnLst>
+      <p:par>
+        <p:cTn id="1" dur="indefinite" restart="never" nodeType="tmRoot">
+          <p:childTnLst>
+            <p:seq concurrent="1" nextAc="seek">
+              <p:cTn id="2" dur="indefinite" nodeType="mainSeq">
+                <p:childTnLst>
+                  <p:par>
+                    <p:cTn id="3" fill="hold">
+                      <p:stCondLst>
+                        <p:cond delay="indefinite"/>
+                      </p:stCondLst>
+                      <p:childTnLst>
+                        <p:par>
+                          <p:cTn id="4" fill="hold">
+                            <p:stCondLst>
+                              <p:cond delay="0"/>
+                            </p:stCondLst>
+                            <p:childTnLst>
+                              <p:par>
+                                <p:cTn id="5" presetID="10" presetClass="entr" presetSubtype="0" fill="hold" nodeType="clickEffect">
+                                  <p:stCondLst>
+                                    <p:cond delay="0"/>
+                                  </p:stCondLst>
+                                  <p:childTnLst>
+                                    <p:set>
+                                      <p:cBhvr>
+                                        <p:cTn id="6" dur="1" fill="hold">
+                                          <p:stCondLst>
+                                            <p:cond delay="0"/>
+                                          </p:stCondLst>
+                                        </p:cTn>
+                                        <p:tgtEl>
+                                          <p:spTgt spid="3">
+                                            <p:txEl>
+                                              <p:pRg st="3" end="3"/>
+                                            </p:txEl>
+                                          </p:spTgt>
+                                        </p:tgtEl>
+                                        <p:attrNameLst>
+                                          <p:attrName>style.visibility</p:attrName>
+                                        </p:attrNameLst>
+                                      </p:cBhvr>
+                                      <p:to>
+                                        <p:strVal val="visible"/>
+                                      </p:to>
+                                    </p:set>
+                                    <p:animEffect transition="in" filter="fade">
+                                      <p:cBhvr>
+                                        <p:cTn id="7" dur="500"/>
+                                        <p:tgtEl>
+                                          <p:spTgt spid="3">
+                                            <p:txEl>
+                                              <p:pRg st="3" end="3"/>
+                                            </p:txEl>
+                                          </p:spTgt>
+                                        </p:tgtEl>
+                                      </p:cBhvr>
+                                    </p:animEffect>
+                                  </p:childTnLst>
+                                </p:cTn>
+                              </p:par>
+                            </p:childTnLst>
+                          </p:cTn>
+                        </p:par>
+                      </p:childTnLst>
+                    </p:cTn>
+                  </p:par>
+                  <p:par>
+                    <p:cTn id="8" fill="hold">
+                      <p:stCondLst>
+                        <p:cond delay="indefinite"/>
+                      </p:stCondLst>
+                      <p:childTnLst>
+                        <p:par>
+                          <p:cTn id="9" fill="hold">
+                            <p:stCondLst>
+                              <p:cond delay="0"/>
+                            </p:stCondLst>
+                            <p:childTnLst>
+                              <p:par>
+                                <p:cTn id="10" presetID="10" presetClass="entr" presetSubtype="0" fill="hold" nodeType="clickEffect">
+                                  <p:stCondLst>
+                                    <p:cond delay="0"/>
+                                  </p:stCondLst>
+                                  <p:childTnLst>
+                                    <p:set>
+                                      <p:cBhvr>
+                                        <p:cTn id="11" dur="1" fill="hold">
+                                          <p:stCondLst>
+                                            <p:cond delay="0"/>
+                                          </p:stCondLst>
+                                        </p:cTn>
+                                        <p:tgtEl>
+                                          <p:spTgt spid="3">
+                                            <p:txEl>
+                                              <p:pRg st="4" end="4"/>
+                                            </p:txEl>
+                                          </p:spTgt>
+                                        </p:tgtEl>
+                                        <p:attrNameLst>
+                                          <p:attrName>style.visibility</p:attrName>
+                                        </p:attrNameLst>
+                                      </p:cBhvr>
+                                      <p:to>
+                                        <p:strVal val="visible"/>
+                                      </p:to>
+                                    </p:set>
+                                    <p:animEffect transition="in" filter="fade">
+                                      <p:cBhvr>
+                                        <p:cTn id="12" dur="500"/>
+                                        <p:tgtEl>
+                                          <p:spTgt spid="3">
+                                            <p:txEl>
+                                              <p:pRg st="4" end="4"/>
+                                            </p:txEl>
+                                          </p:spTgt>
+                                        </p:tgtEl>
+                                      </p:cBhvr>
+                                    </p:animEffect>
+                                  </p:childTnLst>
+                                </p:cTn>
+                              </p:par>
+                            </p:childTnLst>
+                          </p:cTn>
+                        </p:par>
+                      </p:childTnLst>
+                    </p:cTn>
+                  </p:par>
+                  <p:par>
+                    <p:cTn id="13" fill="hold">
+                      <p:stCondLst>
+                        <p:cond delay="indefinite"/>
+                      </p:stCondLst>
+                      <p:childTnLst>
+                        <p:par>
+                          <p:cTn id="14" fill="hold">
+                            <p:stCondLst>
+                              <p:cond delay="0"/>
+                            </p:stCondLst>
+                            <p:childTnLst>
+                              <p:par>
+                                <p:cTn id="15" presetID="10" presetClass="entr" presetSubtype="0" fill="hold" nodeType="clickEffect">
+                                  <p:stCondLst>
+                                    <p:cond delay="0"/>
+                                  </p:stCondLst>
+                                  <p:childTnLst>
+                                    <p:set>
+                                      <p:cBhvr>
+                                        <p:cTn id="16" dur="1" fill="hold">
+                                          <p:stCondLst>
+                                            <p:cond delay="0"/>
+                                          </p:stCondLst>
+                                        </p:cTn>
+                                        <p:tgtEl>
+                                          <p:spTgt spid="3">
+                                            <p:txEl>
+                                              <p:pRg st="5" end="5"/>
+                                            </p:txEl>
+                                          </p:spTgt>
+                                        </p:tgtEl>
+                                        <p:attrNameLst>
+                                          <p:attrName>style.visibility</p:attrName>
+                                        </p:attrNameLst>
+                                      </p:cBhvr>
+                                      <p:to>
+                                        <p:strVal val="visible"/>
+                                      </p:to>
+                                    </p:set>
+                                    <p:animEffect transition="in" filter="fade">
+                                      <p:cBhvr>
+                                        <p:cTn id="17" dur="500"/>
+                                        <p:tgtEl>
+                                          <p:spTgt spid="3">
+                                            <p:txEl>
+                                              <p:pRg st="5" end="5"/>
+                                            </p:txEl>
+                                          </p:spTgt>
+                                        </p:tgtEl>
+                                      </p:cBhvr>
+                                    </p:animEffect>
+                                  </p:childTnLst>
+                                </p:cTn>
+                              </p:par>
+                            </p:childTnLst>
+                          </p:cTn>
+                        </p:par>
+                      </p:childTnLst>
+                    </p:cTn>
+                  </p:par>
+                  <p:par>
+                    <p:cTn id="18" fill="hold">
+                      <p:stCondLst>
+                        <p:cond delay="indefinite"/>
+                      </p:stCondLst>
+                      <p:childTnLst>
+                        <p:par>
+                          <p:cTn id="19" fill="hold">
+                            <p:stCondLst>
+                              <p:cond delay="0"/>
+                            </p:stCondLst>
+                            <p:childTnLst>
+                              <p:par>
+                                <p:cTn id="20" presetID="10" presetClass="entr" presetSubtype="0" fill="hold" nodeType="clickEffect">
+                                  <p:stCondLst>
+                                    <p:cond delay="0"/>
+                                  </p:stCondLst>
+                                  <p:childTnLst>
+                                    <p:set>
+                                      <p:cBhvr>
+                                        <p:cTn id="21" dur="1" fill="hold">
+                                          <p:stCondLst>
+                                            <p:cond delay="0"/>
+                                          </p:stCondLst>
+                                        </p:cTn>
+                                        <p:tgtEl>
+                                          <p:spTgt spid="3">
+                                            <p:txEl>
+                                              <p:pRg st="6" end="6"/>
+                                            </p:txEl>
+                                          </p:spTgt>
+                                        </p:tgtEl>
+                                        <p:attrNameLst>
+                                          <p:attrName>style.visibility</p:attrName>
+                                        </p:attrNameLst>
+                                      </p:cBhvr>
+                                      <p:to>
+                                        <p:strVal val="visible"/>
+                                      </p:to>
+                                    </p:set>
+                                    <p:animEffect transition="in" filter="fade">
+                                      <p:cBhvr>
+                                        <p:cTn id="22" dur="500"/>
+                                        <p:tgtEl>
+                                          <p:spTgt spid="3">
+                                            <p:txEl>
+                                              <p:pRg st="6" end="6"/>
+                                            </p:txEl>
+                                          </p:spTgt>
+                                        </p:tgtEl>
+                                      </p:cBhvr>
+                                    </p:animEffect>
+                                  </p:childTnLst>
+                                </p:cTn>
+                              </p:par>
+                            </p:childTnLst>
+                          </p:cTn>
+                        </p:par>
+                      </p:childTnLst>
+                    </p:cTn>
+                  </p:par>
+                  <p:par>
+                    <p:cTn id="23" fill="hold">
+                      <p:stCondLst>
+                        <p:cond delay="indefinite"/>
+                      </p:stCondLst>
+                      <p:childTnLst>
+                        <p:par>
+                          <p:cTn id="24" fill="hold">
+                            <p:stCondLst>
+                              <p:cond delay="0"/>
+                            </p:stCondLst>
+                            <p:childTnLst>
+                              <p:par>
+                                <p:cTn id="25" presetID="10" presetClass="entr" presetSubtype="0" fill="hold" nodeType="clickEffect">
+                                  <p:stCondLst>
+                                    <p:cond delay="0"/>
+                                  </p:stCondLst>
+                                  <p:childTnLst>
+                                    <p:set>
+                                      <p:cBhvr>
+                                        <p:cTn id="26" dur="1" fill="hold">
+                                          <p:stCondLst>
+                                            <p:cond delay="0"/>
+                                          </p:stCondLst>
+                                        </p:cTn>
+                                        <p:tgtEl>
+                                          <p:spTgt spid="3">
+                                            <p:txEl>
+                                              <p:pRg st="7" end="7"/>
+                                            </p:txEl>
+                                          </p:spTgt>
+                                        </p:tgtEl>
+                                        <p:attrNameLst>
+                                          <p:attrName>style.visibility</p:attrName>
+                                        </p:attrNameLst>
+                                      </p:cBhvr>
+                                      <p:to>
+                                        <p:strVal val="visible"/>
+                                      </p:to>
+                                    </p:set>
+                                    <p:animEffect transition="in" filter="fade">
+                                      <p:cBhvr>
+                                        <p:cTn id="27" dur="500"/>
+                                        <p:tgtEl>
+                                          <p:spTgt spid="3">
+                                            <p:txEl>
+                                              <p:pRg st="7" end="7"/>
+                                            </p:txEl>
+                                          </p:spTgt>
+                                        </p:tgtEl>
+                                      </p:cBhvr>
+                                    </p:animEffect>
+                                  </p:childTnLst>
+                                </p:cTn>
+                              </p:par>
+                            </p:childTnLst>
+                          </p:cTn>
+                        </p:par>
+                      </p:childTnLst>
+                    </p:cTn>
+                  </p:par>
+                  <p:par>
+                    <p:cTn id="28" fill="hold">
+                      <p:stCondLst>
+                        <p:cond delay="indefinite"/>
+                      </p:stCondLst>
+                      <p:childTnLst>
+                        <p:par>
+                          <p:cTn id="29" fill="hold">
+                            <p:stCondLst>
+                              <p:cond delay="0"/>
+                            </p:stCondLst>
+                            <p:childTnLst>
+                              <p:par>
+                                <p:cTn id="30" presetID="10" presetClass="entr" presetSubtype="0" fill="hold" nodeType="clickEffect">
+                                  <p:stCondLst>
+                                    <p:cond delay="0"/>
+                                  </p:stCondLst>
+                                  <p:childTnLst>
+                                    <p:set>
+                                      <p:cBhvr>
+                                        <p:cTn id="31" dur="1" fill="hold">
+                                          <p:stCondLst>
+                                            <p:cond delay="0"/>
+                                          </p:stCondLst>
+                                        </p:cTn>
+                                        <p:tgtEl>
+                                          <p:spTgt spid="3">
+                                            <p:txEl>
+                                              <p:pRg st="8" end="8"/>
+                                            </p:txEl>
+                                          </p:spTgt>
+                                        </p:tgtEl>
+                                        <p:attrNameLst>
+                                          <p:attrName>style.visibility</p:attrName>
+                                        </p:attrNameLst>
+                                      </p:cBhvr>
+                                      <p:to>
+                                        <p:strVal val="visible"/>
+                                      </p:to>
+                                    </p:set>
+                                    <p:animEffect transition="in" filter="fade">
+                                      <p:cBhvr>
+                                        <p:cTn id="32" dur="500"/>
+                                        <p:tgtEl>
+                                          <p:spTgt spid="3">
+                                            <p:txEl>
+                                              <p:pRg st="8" end="8"/>
+                                            </p:txEl>
+                                          </p:spTgt>
+                                        </p:tgtEl>
+                                      </p:cBhvr>
+                                    </p:animEffect>
+                                  </p:childTnLst>
+                                </p:cTn>
+                              </p:par>
+                            </p:childTnLst>
+                          </p:cTn>
+                        </p:par>
+                      </p:childTnLst>
+                    </p:cTn>
+                  </p:par>
+                  <p:par>
+                    <p:cTn id="33" fill="hold">
+                      <p:stCondLst>
+                        <p:cond delay="indefinite"/>
+                      </p:stCondLst>
+                      <p:childTnLst>
+                        <p:par>
+                          <p:cTn id="34" fill="hold">
+                            <p:stCondLst>
+                              <p:cond delay="0"/>
+                            </p:stCondLst>
+                            <p:childTnLst>
+                              <p:par>
+                                <p:cTn id="35" presetID="10" presetClass="entr" presetSubtype="0" fill="hold" nodeType="clickEffect">
+                                  <p:stCondLst>
+                                    <p:cond delay="0"/>
+                                  </p:stCondLst>
+                                  <p:childTnLst>
+                                    <p:set>
+                                      <p:cBhvr>
+                                        <p:cTn id="36" dur="1" fill="hold">
+                                          <p:stCondLst>
+                                            <p:cond delay="0"/>
+                                          </p:stCondLst>
+                                        </p:cTn>
+                                        <p:tgtEl>
+                                          <p:spTgt spid="3">
+                                            <p:txEl>
+                                              <p:pRg st="9" end="9"/>
+                                            </p:txEl>
+                                          </p:spTgt>
+                                        </p:tgtEl>
+                                        <p:attrNameLst>
+                                          <p:attrName>style.visibility</p:attrName>
+                                        </p:attrNameLst>
+                                      </p:cBhvr>
+                                      <p:to>
+                                        <p:strVal val="visible"/>
+                                      </p:to>
+                                    </p:set>
+                                    <p:animEffect transition="in" filter="fade">
+                                      <p:cBhvr>
+                                        <p:cTn id="37" dur="500"/>
+                                        <p:tgtEl>
+                                          <p:spTgt spid="3">
+                                            <p:txEl>
+                                              <p:pRg st="9" end="9"/>
+                                            </p:txEl>
+                                          </p:spTgt>
+                                        </p:tgtEl>
+                                      </p:cBhvr>
+                                    </p:animEffect>
+                                  </p:childTnLst>
+                                </p:cTn>
+                              </p:par>
+                            </p:childTnLst>
+                          </p:cTn>
+                        </p:par>
+                      </p:childTnLst>
+                    </p:cTn>
+                  </p:par>
+                </p:childTnLst>
+              </p:cTn>
+              <p:prevCondLst>
+                <p:cond evt="onPrev" delay="0">
+                  <p:tgtEl>
+                    <p:sldTgt/>
+                  </p:tgtEl>
+                </p:cond>
+              </p:prevCondLst>
+              <p:nextCondLst>
+                <p:cond evt="onNext" delay="0">
+                  <p:tgtEl>
+                    <p:sldTgt/>
+                  </p:tgtEl>
+                </p:cond>
+              </p:nextCondLst>
+            </p:seq>
+          </p:childTnLst>
+        </p:cTn>
+      </p:par>
+    </p:tnLst>
+  </p:timing>
+</p:sld>
+</file>
+
+<file path=ppt/slides/slide16.xml><?xml version="1.0" encoding="utf-8"?>
+<p:sld xmlns:a="http://schemas.openxmlformats.org/drawingml/2006/main" xmlns:r="http://schemas.openxmlformats.org/officeDocument/2006/relationships" xmlns:p="http://schemas.openxmlformats.org/presentationml/2006/main">
+  <p:cSld>
+    <p:spTree>
+      <p:nvGrpSpPr>
+        <p:cNvPr id="1" name=""/>
+        <p:cNvGrpSpPr/>
+        <p:nvPr/>
+      </p:nvGrpSpPr>
+      <p:grpSpPr>
+        <a:xfrm>
+          <a:off x="0" y="0"/>
+          <a:ext cx="0" cy="0"/>
+          <a:chOff x="0" y="0"/>
+          <a:chExt cx="0" cy="0"/>
+        </a:xfrm>
+      </p:grpSpPr>
       <p:sp>
         <p:nvSpPr>
           <p:cNvPr id="2" name="Title 1">
@@ -13581,10 +14605,579 @@
   <p:clrMapOvr>
     <a:masterClrMapping/>
   </p:clrMapOvr>
+  <p:timing>
+    <p:tnLst>
+      <p:par>
+        <p:cTn id="1" dur="indefinite" restart="never" nodeType="tmRoot">
+          <p:childTnLst>
+            <p:seq concurrent="1" nextAc="seek">
+              <p:cTn id="2" dur="indefinite" nodeType="mainSeq">
+                <p:childTnLst>
+                  <p:par>
+                    <p:cTn id="3" fill="hold">
+                      <p:stCondLst>
+                        <p:cond delay="indefinite"/>
+                      </p:stCondLst>
+                      <p:childTnLst>
+                        <p:par>
+                          <p:cTn id="4" fill="hold">
+                            <p:stCondLst>
+                              <p:cond delay="0"/>
+                            </p:stCondLst>
+                            <p:childTnLst>
+                              <p:par>
+                                <p:cTn id="5" presetID="1" presetClass="entr" presetSubtype="0" fill="hold" nodeType="clickEffect">
+                                  <p:stCondLst>
+                                    <p:cond delay="0"/>
+                                  </p:stCondLst>
+                                  <p:childTnLst>
+                                    <p:set>
+                                      <p:cBhvr>
+                                        <p:cTn id="6" dur="1" fill="hold">
+                                          <p:stCondLst>
+                                            <p:cond delay="0"/>
+                                          </p:stCondLst>
+                                        </p:cTn>
+                                        <p:tgtEl>
+                                          <p:spTgt spid="3">
+                                            <p:txEl>
+                                              <p:pRg st="1" end="1"/>
+                                            </p:txEl>
+                                          </p:spTgt>
+                                        </p:tgtEl>
+                                        <p:attrNameLst>
+                                          <p:attrName>style.visibility</p:attrName>
+                                        </p:attrNameLst>
+                                      </p:cBhvr>
+                                      <p:to>
+                                        <p:strVal val="visible"/>
+                                      </p:to>
+                                    </p:set>
+                                  </p:childTnLst>
+                                </p:cTn>
+                              </p:par>
+                            </p:childTnLst>
+                          </p:cTn>
+                        </p:par>
+                      </p:childTnLst>
+                    </p:cTn>
+                  </p:par>
+                  <p:par>
+                    <p:cTn id="7" fill="hold">
+                      <p:stCondLst>
+                        <p:cond delay="indefinite"/>
+                      </p:stCondLst>
+                      <p:childTnLst>
+                        <p:par>
+                          <p:cTn id="8" fill="hold">
+                            <p:stCondLst>
+                              <p:cond delay="0"/>
+                            </p:stCondLst>
+                            <p:childTnLst>
+                              <p:par>
+                                <p:cTn id="9" presetID="1" presetClass="entr" presetSubtype="0" fill="hold" nodeType="clickEffect">
+                                  <p:stCondLst>
+                                    <p:cond delay="0"/>
+                                  </p:stCondLst>
+                                  <p:childTnLst>
+                                    <p:set>
+                                      <p:cBhvr>
+                                        <p:cTn id="10" dur="1" fill="hold">
+                                          <p:stCondLst>
+                                            <p:cond delay="0"/>
+                                          </p:stCondLst>
+                                        </p:cTn>
+                                        <p:tgtEl>
+                                          <p:spTgt spid="3">
+                                            <p:txEl>
+                                              <p:pRg st="3" end="3"/>
+                                            </p:txEl>
+                                          </p:spTgt>
+                                        </p:tgtEl>
+                                        <p:attrNameLst>
+                                          <p:attrName>style.visibility</p:attrName>
+                                        </p:attrNameLst>
+                                      </p:cBhvr>
+                                      <p:to>
+                                        <p:strVal val="visible"/>
+                                      </p:to>
+                                    </p:set>
+                                  </p:childTnLst>
+                                </p:cTn>
+                              </p:par>
+                            </p:childTnLst>
+                          </p:cTn>
+                        </p:par>
+                      </p:childTnLst>
+                    </p:cTn>
+                  </p:par>
+                  <p:par>
+                    <p:cTn id="11" fill="hold">
+                      <p:stCondLst>
+                        <p:cond delay="indefinite"/>
+                      </p:stCondLst>
+                      <p:childTnLst>
+                        <p:par>
+                          <p:cTn id="12" fill="hold">
+                            <p:stCondLst>
+                              <p:cond delay="0"/>
+                            </p:stCondLst>
+                            <p:childTnLst>
+                              <p:par>
+                                <p:cTn id="13" presetID="1" presetClass="entr" presetSubtype="0" fill="hold" nodeType="clickEffect">
+                                  <p:stCondLst>
+                                    <p:cond delay="0"/>
+                                  </p:stCondLst>
+                                  <p:childTnLst>
+                                    <p:set>
+                                      <p:cBhvr>
+                                        <p:cTn id="14" dur="1" fill="hold">
+                                          <p:stCondLst>
+                                            <p:cond delay="0"/>
+                                          </p:stCondLst>
+                                        </p:cTn>
+                                        <p:tgtEl>
+                                          <p:spTgt spid="3">
+                                            <p:txEl>
+                                              <p:pRg st="5" end="5"/>
+                                            </p:txEl>
+                                          </p:spTgt>
+                                        </p:tgtEl>
+                                        <p:attrNameLst>
+                                          <p:attrName>style.visibility</p:attrName>
+                                        </p:attrNameLst>
+                                      </p:cBhvr>
+                                      <p:to>
+                                        <p:strVal val="visible"/>
+                                      </p:to>
+                                    </p:set>
+                                  </p:childTnLst>
+                                </p:cTn>
+                              </p:par>
+                            </p:childTnLst>
+                          </p:cTn>
+                        </p:par>
+                      </p:childTnLst>
+                    </p:cTn>
+                  </p:par>
+                  <p:par>
+                    <p:cTn id="15" fill="hold">
+                      <p:stCondLst>
+                        <p:cond delay="indefinite"/>
+                      </p:stCondLst>
+                      <p:childTnLst>
+                        <p:par>
+                          <p:cTn id="16" fill="hold">
+                            <p:stCondLst>
+                              <p:cond delay="0"/>
+                            </p:stCondLst>
+                            <p:childTnLst>
+                              <p:par>
+                                <p:cTn id="17" presetID="1" presetClass="entr" presetSubtype="0" fill="hold" nodeType="clickEffect">
+                                  <p:stCondLst>
+                                    <p:cond delay="0"/>
+                                  </p:stCondLst>
+                                  <p:childTnLst>
+                                    <p:set>
+                                      <p:cBhvr>
+                                        <p:cTn id="18" dur="1" fill="hold">
+                                          <p:stCondLst>
+                                            <p:cond delay="0"/>
+                                          </p:stCondLst>
+                                        </p:cTn>
+                                        <p:tgtEl>
+                                          <p:spTgt spid="3">
+                                            <p:txEl>
+                                              <p:pRg st="6" end="6"/>
+                                            </p:txEl>
+                                          </p:spTgt>
+                                        </p:tgtEl>
+                                        <p:attrNameLst>
+                                          <p:attrName>style.visibility</p:attrName>
+                                        </p:attrNameLst>
+                                      </p:cBhvr>
+                                      <p:to>
+                                        <p:strVal val="visible"/>
+                                      </p:to>
+                                    </p:set>
+                                  </p:childTnLst>
+                                </p:cTn>
+                              </p:par>
+                            </p:childTnLst>
+                          </p:cTn>
+                        </p:par>
+                      </p:childTnLst>
+                    </p:cTn>
+                  </p:par>
+                  <p:par>
+                    <p:cTn id="19" fill="hold">
+                      <p:stCondLst>
+                        <p:cond delay="indefinite"/>
+                      </p:stCondLst>
+                      <p:childTnLst>
+                        <p:par>
+                          <p:cTn id="20" fill="hold">
+                            <p:stCondLst>
+                              <p:cond delay="0"/>
+                            </p:stCondLst>
+                            <p:childTnLst>
+                              <p:par>
+                                <p:cTn id="21" presetID="1" presetClass="entr" presetSubtype="0" fill="hold" nodeType="clickEffect">
+                                  <p:stCondLst>
+                                    <p:cond delay="0"/>
+                                  </p:stCondLst>
+                                  <p:childTnLst>
+                                    <p:set>
+                                      <p:cBhvr>
+                                        <p:cTn id="22" dur="1" fill="hold">
+                                          <p:stCondLst>
+                                            <p:cond delay="0"/>
+                                          </p:stCondLst>
+                                        </p:cTn>
+                                        <p:tgtEl>
+                                          <p:spTgt spid="3">
+                                            <p:txEl>
+                                              <p:pRg st="7" end="7"/>
+                                            </p:txEl>
+                                          </p:spTgt>
+                                        </p:tgtEl>
+                                        <p:attrNameLst>
+                                          <p:attrName>style.visibility</p:attrName>
+                                        </p:attrNameLst>
+                                      </p:cBhvr>
+                                      <p:to>
+                                        <p:strVal val="visible"/>
+                                      </p:to>
+                                    </p:set>
+                                  </p:childTnLst>
+                                </p:cTn>
+                              </p:par>
+                            </p:childTnLst>
+                          </p:cTn>
+                        </p:par>
+                      </p:childTnLst>
+                    </p:cTn>
+                  </p:par>
+                  <p:par>
+                    <p:cTn id="23" fill="hold">
+                      <p:stCondLst>
+                        <p:cond delay="indefinite"/>
+                      </p:stCondLst>
+                      <p:childTnLst>
+                        <p:par>
+                          <p:cTn id="24" fill="hold">
+                            <p:stCondLst>
+                              <p:cond delay="0"/>
+                            </p:stCondLst>
+                            <p:childTnLst>
+                              <p:par>
+                                <p:cTn id="25" presetID="1" presetClass="entr" presetSubtype="0" fill="hold" nodeType="clickEffect">
+                                  <p:stCondLst>
+                                    <p:cond delay="0"/>
+                                  </p:stCondLst>
+                                  <p:childTnLst>
+                                    <p:set>
+                                      <p:cBhvr>
+                                        <p:cTn id="26" dur="1" fill="hold">
+                                          <p:stCondLst>
+                                            <p:cond delay="0"/>
+                                          </p:stCondLst>
+                                        </p:cTn>
+                                        <p:tgtEl>
+                                          <p:spTgt spid="3">
+                                            <p:txEl>
+                                              <p:pRg st="8" end="8"/>
+                                            </p:txEl>
+                                          </p:spTgt>
+                                        </p:tgtEl>
+                                        <p:attrNameLst>
+                                          <p:attrName>style.visibility</p:attrName>
+                                        </p:attrNameLst>
+                                      </p:cBhvr>
+                                      <p:to>
+                                        <p:strVal val="visible"/>
+                                      </p:to>
+                                    </p:set>
+                                  </p:childTnLst>
+                                </p:cTn>
+                              </p:par>
+                            </p:childTnLst>
+                          </p:cTn>
+                        </p:par>
+                      </p:childTnLst>
+                    </p:cTn>
+                  </p:par>
+                  <p:par>
+                    <p:cTn id="27" fill="hold">
+                      <p:stCondLst>
+                        <p:cond delay="indefinite"/>
+                      </p:stCondLst>
+                      <p:childTnLst>
+                        <p:par>
+                          <p:cTn id="28" fill="hold">
+                            <p:stCondLst>
+                              <p:cond delay="0"/>
+                            </p:stCondLst>
+                            <p:childTnLst>
+                              <p:par>
+                                <p:cTn id="29" presetID="1" presetClass="entr" presetSubtype="0" fill="hold" nodeType="clickEffect">
+                                  <p:stCondLst>
+                                    <p:cond delay="0"/>
+                                  </p:stCondLst>
+                                  <p:childTnLst>
+                                    <p:set>
+                                      <p:cBhvr>
+                                        <p:cTn id="30" dur="1" fill="hold">
+                                          <p:stCondLst>
+                                            <p:cond delay="0"/>
+                                          </p:stCondLst>
+                                        </p:cTn>
+                                        <p:tgtEl>
+                                          <p:spTgt spid="3">
+                                            <p:txEl>
+                                              <p:pRg st="9" end="9"/>
+                                            </p:txEl>
+                                          </p:spTgt>
+                                        </p:tgtEl>
+                                        <p:attrNameLst>
+                                          <p:attrName>style.visibility</p:attrName>
+                                        </p:attrNameLst>
+                                      </p:cBhvr>
+                                      <p:to>
+                                        <p:strVal val="visible"/>
+                                      </p:to>
+                                    </p:set>
+                                  </p:childTnLst>
+                                </p:cTn>
+                              </p:par>
+                            </p:childTnLst>
+                          </p:cTn>
+                        </p:par>
+                      </p:childTnLst>
+                    </p:cTn>
+                  </p:par>
+                  <p:par>
+                    <p:cTn id="31" fill="hold">
+                      <p:stCondLst>
+                        <p:cond delay="indefinite"/>
+                      </p:stCondLst>
+                      <p:childTnLst>
+                        <p:par>
+                          <p:cTn id="32" fill="hold">
+                            <p:stCondLst>
+                              <p:cond delay="0"/>
+                            </p:stCondLst>
+                            <p:childTnLst>
+                              <p:par>
+                                <p:cTn id="33" presetID="1" presetClass="entr" presetSubtype="0" fill="hold" nodeType="clickEffect">
+                                  <p:stCondLst>
+                                    <p:cond delay="0"/>
+                                  </p:stCondLst>
+                                  <p:childTnLst>
+                                    <p:set>
+                                      <p:cBhvr>
+                                        <p:cTn id="34" dur="1" fill="hold">
+                                          <p:stCondLst>
+                                            <p:cond delay="0"/>
+                                          </p:stCondLst>
+                                        </p:cTn>
+                                        <p:tgtEl>
+                                          <p:spTgt spid="3">
+                                            <p:txEl>
+                                              <p:pRg st="10" end="10"/>
+                                            </p:txEl>
+                                          </p:spTgt>
+                                        </p:tgtEl>
+                                        <p:attrNameLst>
+                                          <p:attrName>style.visibility</p:attrName>
+                                        </p:attrNameLst>
+                                      </p:cBhvr>
+                                      <p:to>
+                                        <p:strVal val="visible"/>
+                                      </p:to>
+                                    </p:set>
+                                  </p:childTnLst>
+                                </p:cTn>
+                              </p:par>
+                            </p:childTnLst>
+                          </p:cTn>
+                        </p:par>
+                      </p:childTnLst>
+                    </p:cTn>
+                  </p:par>
+                  <p:par>
+                    <p:cTn id="35" fill="hold">
+                      <p:stCondLst>
+                        <p:cond delay="indefinite"/>
+                      </p:stCondLst>
+                      <p:childTnLst>
+                        <p:par>
+                          <p:cTn id="36" fill="hold">
+                            <p:stCondLst>
+                              <p:cond delay="0"/>
+                            </p:stCondLst>
+                            <p:childTnLst>
+                              <p:par>
+                                <p:cTn id="37" presetID="1" presetClass="entr" presetSubtype="0" fill="hold" nodeType="clickEffect">
+                                  <p:stCondLst>
+                                    <p:cond delay="0"/>
+                                  </p:stCondLst>
+                                  <p:childTnLst>
+                                    <p:set>
+                                      <p:cBhvr>
+                                        <p:cTn id="38" dur="1" fill="hold">
+                                          <p:stCondLst>
+                                            <p:cond delay="0"/>
+                                          </p:stCondLst>
+                                        </p:cTn>
+                                        <p:tgtEl>
+                                          <p:spTgt spid="3">
+                                            <p:txEl>
+                                              <p:pRg st="11" end="11"/>
+                                            </p:txEl>
+                                          </p:spTgt>
+                                        </p:tgtEl>
+                                        <p:attrNameLst>
+                                          <p:attrName>style.visibility</p:attrName>
+                                        </p:attrNameLst>
+                                      </p:cBhvr>
+                                      <p:to>
+                                        <p:strVal val="visible"/>
+                                      </p:to>
+                                    </p:set>
+                                  </p:childTnLst>
+                                </p:cTn>
+                              </p:par>
+                            </p:childTnLst>
+                          </p:cTn>
+                        </p:par>
+                      </p:childTnLst>
+                    </p:cTn>
+                  </p:par>
+                  <p:par>
+                    <p:cTn id="39" fill="hold">
+                      <p:stCondLst>
+                        <p:cond delay="indefinite"/>
+                      </p:stCondLst>
+                      <p:childTnLst>
+                        <p:par>
+                          <p:cTn id="40" fill="hold">
+                            <p:stCondLst>
+                              <p:cond delay="0"/>
+                            </p:stCondLst>
+                            <p:childTnLst>
+                              <p:par>
+                                <p:cTn id="41" presetID="1" presetClass="entr" presetSubtype="0" fill="hold" nodeType="clickEffect">
+                                  <p:stCondLst>
+                                    <p:cond delay="0"/>
+                                  </p:stCondLst>
+                                  <p:childTnLst>
+                                    <p:set>
+                                      <p:cBhvr>
+                                        <p:cTn id="42" dur="1" fill="hold">
+                                          <p:stCondLst>
+                                            <p:cond delay="0"/>
+                                          </p:stCondLst>
+                                        </p:cTn>
+                                        <p:tgtEl>
+                                          <p:spTgt spid="3">
+                                            <p:txEl>
+                                              <p:pRg st="12" end="12"/>
+                                            </p:txEl>
+                                          </p:spTgt>
+                                        </p:tgtEl>
+                                        <p:attrNameLst>
+                                          <p:attrName>style.visibility</p:attrName>
+                                        </p:attrNameLst>
+                                      </p:cBhvr>
+                                      <p:to>
+                                        <p:strVal val="visible"/>
+                                      </p:to>
+                                    </p:set>
+                                  </p:childTnLst>
+                                </p:cTn>
+                              </p:par>
+                            </p:childTnLst>
+                          </p:cTn>
+                        </p:par>
+                      </p:childTnLst>
+                    </p:cTn>
+                  </p:par>
+                  <p:par>
+                    <p:cTn id="43" fill="hold">
+                      <p:stCondLst>
+                        <p:cond delay="indefinite"/>
+                      </p:stCondLst>
+                      <p:childTnLst>
+                        <p:par>
+                          <p:cTn id="44" fill="hold">
+                            <p:stCondLst>
+                              <p:cond delay="0"/>
+                            </p:stCondLst>
+                            <p:childTnLst>
+                              <p:par>
+                                <p:cTn id="45" presetID="1" presetClass="entr" presetSubtype="0" fill="hold" nodeType="clickEffect">
+                                  <p:stCondLst>
+                                    <p:cond delay="0"/>
+                                  </p:stCondLst>
+                                  <p:childTnLst>
+                                    <p:set>
+                                      <p:cBhvr>
+                                        <p:cTn id="46" dur="1" fill="hold">
+                                          <p:stCondLst>
+                                            <p:cond delay="0"/>
+                                          </p:stCondLst>
+                                        </p:cTn>
+                                        <p:tgtEl>
+                                          <p:spTgt spid="3">
+                                            <p:txEl>
+                                              <p:pRg st="13" end="13"/>
+                                            </p:txEl>
+                                          </p:spTgt>
+                                        </p:tgtEl>
+                                        <p:attrNameLst>
+                                          <p:attrName>style.visibility</p:attrName>
+                                        </p:attrNameLst>
+                                      </p:cBhvr>
+                                      <p:to>
+                                        <p:strVal val="visible"/>
+                                      </p:to>
+                                    </p:set>
+                                  </p:childTnLst>
+                                </p:cTn>
+                              </p:par>
+                            </p:childTnLst>
+                          </p:cTn>
+                        </p:par>
+                      </p:childTnLst>
+                    </p:cTn>
+                  </p:par>
+                </p:childTnLst>
+              </p:cTn>
+              <p:prevCondLst>
+                <p:cond evt="onPrev" delay="0">
+                  <p:tgtEl>
+                    <p:sldTgt/>
+                  </p:tgtEl>
+                </p:cond>
+              </p:prevCondLst>
+              <p:nextCondLst>
+                <p:cond evt="onNext" delay="0">
+                  <p:tgtEl>
+                    <p:sldTgt/>
+                  </p:tgtEl>
+                </p:cond>
+              </p:nextCondLst>
+            </p:seq>
+          </p:childTnLst>
+        </p:cTn>
+      </p:par>
+    </p:tnLst>
+  </p:timing>
 </p:sld>
 </file>
 
-<file path=ppt/slides/slide15.xml><?xml version="1.0" encoding="utf-8"?>
+<file path=ppt/slides/slide17.xml><?xml version="1.0" encoding="utf-8"?>
 <p:sld xmlns:a="http://schemas.openxmlformats.org/drawingml/2006/main" xmlns:r="http://schemas.openxmlformats.org/officeDocument/2006/relationships" xmlns:p="http://schemas.openxmlformats.org/presentationml/2006/main">
   <p:cSld>
     <p:spTree>
@@ -14555,45 +16148,6 @@
           </p:style>
         </p:cxnSp>
       </p:grpSp>
-      <p:pic>
-        <p:nvPicPr>
-          <p:cNvPr id="23" name="Graphic 22" descr="Right pointing backhand index ">
-            <a:extLst>
-              <a:ext uri="{FF2B5EF4-FFF2-40B4-BE49-F238E27FC236}">
-                <a16:creationId xmlns:a16="http://schemas.microsoft.com/office/drawing/2014/main" id="{290C5963-4B88-974B-8E6E-443F2525F19E}"/>
-              </a:ext>
-            </a:extLst>
-          </p:cNvPr>
-          <p:cNvPicPr>
-            <a:picLocks noChangeAspect="1"/>
-          </p:cNvPicPr>
-          <p:nvPr/>
-        </p:nvPicPr>
-        <p:blipFill>
-          <a:blip r:embed="rId3">
-            <a:extLst>
-              <a:ext uri="{28A0092B-C50C-407E-A947-70E740481C1C}">
-                <a14:useLocalDpi xmlns:a14="http://schemas.microsoft.com/office/drawing/2010/main" val="0"/>
-              </a:ext>
-              <a:ext uri="{96DAC541-7B7A-43D3-8B79-37D633B846F1}">
-                <asvg:svgBlip xmlns:asvg="http://schemas.microsoft.com/office/drawing/2016/SVG/main" r:embed="rId3"/>
-              </a:ext>
-            </a:extLst>
-          </a:blip>
-          <a:stretch>
-            <a:fillRect/>
-          </a:stretch>
-        </p:blipFill>
-        <p:spPr>
-          <a:xfrm rot="2359914">
-            <a:off x="9190273" y="1828800"/>
-            <a:ext cx="914400" cy="914400"/>
-          </a:xfrm>
-          <a:prstGeom prst="rect">
-            <a:avLst/>
-          </a:prstGeom>
-        </p:spPr>
-      </p:pic>
     </p:spTree>
     <p:extLst>
       <p:ext uri="{BB962C8B-B14F-4D97-AF65-F5344CB8AC3E}">
@@ -14604,10 +16158,1220 @@
   <p:clrMapOvr>
     <a:masterClrMapping/>
   </p:clrMapOvr>
+  <p:timing>
+    <p:tnLst>
+      <p:par>
+        <p:cTn id="1" dur="indefinite" restart="never" nodeType="tmRoot">
+          <p:childTnLst>
+            <p:seq concurrent="1" nextAc="seek">
+              <p:cTn id="2" dur="indefinite" nodeType="mainSeq">
+                <p:childTnLst>
+                  <p:par>
+                    <p:cTn id="3" fill="hold">
+                      <p:stCondLst>
+                        <p:cond delay="indefinite"/>
+                      </p:stCondLst>
+                      <p:childTnLst>
+                        <p:par>
+                          <p:cTn id="4" fill="hold">
+                            <p:stCondLst>
+                              <p:cond delay="0"/>
+                            </p:stCondLst>
+                            <p:childTnLst>
+                              <p:par>
+                                <p:cTn id="5" presetID="1" presetClass="entr" presetSubtype="0" fill="hold" nodeType="clickEffect">
+                                  <p:stCondLst>
+                                    <p:cond delay="0"/>
+                                  </p:stCondLst>
+                                  <p:childTnLst>
+                                    <p:set>
+                                      <p:cBhvr>
+                                        <p:cTn id="6" dur="1" fill="hold">
+                                          <p:stCondLst>
+                                            <p:cond delay="0"/>
+                                          </p:stCondLst>
+                                        </p:cTn>
+                                        <p:tgtEl>
+                                          <p:spTgt spid="3">
+                                            <p:txEl>
+                                              <p:pRg st="0" end="0"/>
+                                            </p:txEl>
+                                          </p:spTgt>
+                                        </p:tgtEl>
+                                        <p:attrNameLst>
+                                          <p:attrName>style.visibility</p:attrName>
+                                        </p:attrNameLst>
+                                      </p:cBhvr>
+                                      <p:to>
+                                        <p:strVal val="visible"/>
+                                      </p:to>
+                                    </p:set>
+                                  </p:childTnLst>
+                                </p:cTn>
+                              </p:par>
+                            </p:childTnLst>
+                          </p:cTn>
+                        </p:par>
+                      </p:childTnLst>
+                    </p:cTn>
+                  </p:par>
+                  <p:par>
+                    <p:cTn id="7" fill="hold">
+                      <p:stCondLst>
+                        <p:cond delay="indefinite"/>
+                      </p:stCondLst>
+                      <p:childTnLst>
+                        <p:par>
+                          <p:cTn id="8" fill="hold">
+                            <p:stCondLst>
+                              <p:cond delay="0"/>
+                            </p:stCondLst>
+                            <p:childTnLst>
+                              <p:par>
+                                <p:cTn id="9" presetID="1" presetClass="entr" presetSubtype="0" fill="hold" nodeType="clickEffect">
+                                  <p:stCondLst>
+                                    <p:cond delay="0"/>
+                                  </p:stCondLst>
+                                  <p:childTnLst>
+                                    <p:set>
+                                      <p:cBhvr>
+                                        <p:cTn id="10" dur="1" fill="hold">
+                                          <p:stCondLst>
+                                            <p:cond delay="0"/>
+                                          </p:stCondLst>
+                                        </p:cTn>
+                                        <p:tgtEl>
+                                          <p:spTgt spid="3">
+                                            <p:txEl>
+                                              <p:pRg st="1" end="1"/>
+                                            </p:txEl>
+                                          </p:spTgt>
+                                        </p:tgtEl>
+                                        <p:attrNameLst>
+                                          <p:attrName>style.visibility</p:attrName>
+                                        </p:attrNameLst>
+                                      </p:cBhvr>
+                                      <p:to>
+                                        <p:strVal val="visible"/>
+                                      </p:to>
+                                    </p:set>
+                                  </p:childTnLst>
+                                </p:cTn>
+                              </p:par>
+                            </p:childTnLst>
+                          </p:cTn>
+                        </p:par>
+                      </p:childTnLst>
+                    </p:cTn>
+                  </p:par>
+                  <p:par>
+                    <p:cTn id="11" fill="hold">
+                      <p:stCondLst>
+                        <p:cond delay="indefinite"/>
+                      </p:stCondLst>
+                      <p:childTnLst>
+                        <p:par>
+                          <p:cTn id="12" fill="hold">
+                            <p:stCondLst>
+                              <p:cond delay="0"/>
+                            </p:stCondLst>
+                            <p:childTnLst>
+                              <p:par>
+                                <p:cTn id="13" presetID="1" presetClass="entr" presetSubtype="0" fill="hold" nodeType="clickEffect">
+                                  <p:stCondLst>
+                                    <p:cond delay="0"/>
+                                  </p:stCondLst>
+                                  <p:childTnLst>
+                                    <p:set>
+                                      <p:cBhvr>
+                                        <p:cTn id="14" dur="1" fill="hold">
+                                          <p:stCondLst>
+                                            <p:cond delay="0"/>
+                                          </p:stCondLst>
+                                        </p:cTn>
+                                        <p:tgtEl>
+                                          <p:spTgt spid="3">
+                                            <p:txEl>
+                                              <p:pRg st="3" end="3"/>
+                                            </p:txEl>
+                                          </p:spTgt>
+                                        </p:tgtEl>
+                                        <p:attrNameLst>
+                                          <p:attrName>style.visibility</p:attrName>
+                                        </p:attrNameLst>
+                                      </p:cBhvr>
+                                      <p:to>
+                                        <p:strVal val="visible"/>
+                                      </p:to>
+                                    </p:set>
+                                  </p:childTnLst>
+                                </p:cTn>
+                              </p:par>
+                            </p:childTnLst>
+                          </p:cTn>
+                        </p:par>
+                      </p:childTnLst>
+                    </p:cTn>
+                  </p:par>
+                  <p:par>
+                    <p:cTn id="15" fill="hold">
+                      <p:stCondLst>
+                        <p:cond delay="indefinite"/>
+                      </p:stCondLst>
+                      <p:childTnLst>
+                        <p:par>
+                          <p:cTn id="16" fill="hold">
+                            <p:stCondLst>
+                              <p:cond delay="0"/>
+                            </p:stCondLst>
+                            <p:childTnLst>
+                              <p:par>
+                                <p:cTn id="17" presetID="1" presetClass="entr" presetSubtype="0" fill="hold" nodeType="clickEffect">
+                                  <p:stCondLst>
+                                    <p:cond delay="0"/>
+                                  </p:stCondLst>
+                                  <p:childTnLst>
+                                    <p:set>
+                                      <p:cBhvr>
+                                        <p:cTn id="18" dur="1" fill="hold">
+                                          <p:stCondLst>
+                                            <p:cond delay="0"/>
+                                          </p:stCondLst>
+                                        </p:cTn>
+                                        <p:tgtEl>
+                                          <p:spTgt spid="3">
+                                            <p:txEl>
+                                              <p:pRg st="5" end="5"/>
+                                            </p:txEl>
+                                          </p:spTgt>
+                                        </p:tgtEl>
+                                        <p:attrNameLst>
+                                          <p:attrName>style.visibility</p:attrName>
+                                        </p:attrNameLst>
+                                      </p:cBhvr>
+                                      <p:to>
+                                        <p:strVal val="visible"/>
+                                      </p:to>
+                                    </p:set>
+                                  </p:childTnLst>
+                                </p:cTn>
+                              </p:par>
+                            </p:childTnLst>
+                          </p:cTn>
+                        </p:par>
+                      </p:childTnLst>
+                    </p:cTn>
+                  </p:par>
+                  <p:par>
+                    <p:cTn id="19" fill="hold">
+                      <p:stCondLst>
+                        <p:cond delay="indefinite"/>
+                      </p:stCondLst>
+                      <p:childTnLst>
+                        <p:par>
+                          <p:cTn id="20" fill="hold">
+                            <p:stCondLst>
+                              <p:cond delay="0"/>
+                            </p:stCondLst>
+                            <p:childTnLst>
+                              <p:par>
+                                <p:cTn id="21" presetID="1" presetClass="entr" presetSubtype="0" fill="hold" nodeType="clickEffect">
+                                  <p:stCondLst>
+                                    <p:cond delay="0"/>
+                                  </p:stCondLst>
+                                  <p:childTnLst>
+                                    <p:set>
+                                      <p:cBhvr>
+                                        <p:cTn id="22" dur="1" fill="hold">
+                                          <p:stCondLst>
+                                            <p:cond delay="0"/>
+                                          </p:stCondLst>
+                                        </p:cTn>
+                                        <p:tgtEl>
+                                          <p:spTgt spid="3">
+                                            <p:txEl>
+                                              <p:pRg st="6" end="6"/>
+                                            </p:txEl>
+                                          </p:spTgt>
+                                        </p:tgtEl>
+                                        <p:attrNameLst>
+                                          <p:attrName>style.visibility</p:attrName>
+                                        </p:attrNameLst>
+                                      </p:cBhvr>
+                                      <p:to>
+                                        <p:strVal val="visible"/>
+                                      </p:to>
+                                    </p:set>
+                                  </p:childTnLst>
+                                </p:cTn>
+                              </p:par>
+                            </p:childTnLst>
+                          </p:cTn>
+                        </p:par>
+                      </p:childTnLst>
+                    </p:cTn>
+                  </p:par>
+                  <p:par>
+                    <p:cTn id="23" fill="hold">
+                      <p:stCondLst>
+                        <p:cond delay="indefinite"/>
+                      </p:stCondLst>
+                      <p:childTnLst>
+                        <p:par>
+                          <p:cTn id="24" fill="hold">
+                            <p:stCondLst>
+                              <p:cond delay="0"/>
+                            </p:stCondLst>
+                            <p:childTnLst>
+                              <p:par>
+                                <p:cTn id="25" presetID="1" presetClass="entr" presetSubtype="0" fill="hold" nodeType="clickEffect">
+                                  <p:stCondLst>
+                                    <p:cond delay="0"/>
+                                  </p:stCondLst>
+                                  <p:childTnLst>
+                                    <p:set>
+                                      <p:cBhvr>
+                                        <p:cTn id="26" dur="1" fill="hold">
+                                          <p:stCondLst>
+                                            <p:cond delay="0"/>
+                                          </p:stCondLst>
+                                        </p:cTn>
+                                        <p:tgtEl>
+                                          <p:spTgt spid="3">
+                                            <p:txEl>
+                                              <p:pRg st="7" end="7"/>
+                                            </p:txEl>
+                                          </p:spTgt>
+                                        </p:tgtEl>
+                                        <p:attrNameLst>
+                                          <p:attrName>style.visibility</p:attrName>
+                                        </p:attrNameLst>
+                                      </p:cBhvr>
+                                      <p:to>
+                                        <p:strVal val="visible"/>
+                                      </p:to>
+                                    </p:set>
+                                  </p:childTnLst>
+                                </p:cTn>
+                              </p:par>
+                            </p:childTnLst>
+                          </p:cTn>
+                        </p:par>
+                      </p:childTnLst>
+                    </p:cTn>
+                  </p:par>
+                  <p:par>
+                    <p:cTn id="27" fill="hold">
+                      <p:stCondLst>
+                        <p:cond delay="indefinite"/>
+                      </p:stCondLst>
+                      <p:childTnLst>
+                        <p:par>
+                          <p:cTn id="28" fill="hold">
+                            <p:stCondLst>
+                              <p:cond delay="0"/>
+                            </p:stCondLst>
+                            <p:childTnLst>
+                              <p:par>
+                                <p:cTn id="29" presetID="1" presetClass="entr" presetSubtype="0" fill="hold" nodeType="clickEffect">
+                                  <p:stCondLst>
+                                    <p:cond delay="0"/>
+                                  </p:stCondLst>
+                                  <p:childTnLst>
+                                    <p:set>
+                                      <p:cBhvr>
+                                        <p:cTn id="30" dur="1" fill="hold">
+                                          <p:stCondLst>
+                                            <p:cond delay="0"/>
+                                          </p:stCondLst>
+                                        </p:cTn>
+                                        <p:tgtEl>
+                                          <p:spTgt spid="3">
+                                            <p:txEl>
+                                              <p:pRg st="8" end="8"/>
+                                            </p:txEl>
+                                          </p:spTgt>
+                                        </p:tgtEl>
+                                        <p:attrNameLst>
+                                          <p:attrName>style.visibility</p:attrName>
+                                        </p:attrNameLst>
+                                      </p:cBhvr>
+                                      <p:to>
+                                        <p:strVal val="visible"/>
+                                      </p:to>
+                                    </p:set>
+                                  </p:childTnLst>
+                                </p:cTn>
+                              </p:par>
+                            </p:childTnLst>
+                          </p:cTn>
+                        </p:par>
+                      </p:childTnLst>
+                    </p:cTn>
+                  </p:par>
+                </p:childTnLst>
+              </p:cTn>
+              <p:prevCondLst>
+                <p:cond evt="onPrev" delay="0">
+                  <p:tgtEl>
+                    <p:sldTgt/>
+                  </p:tgtEl>
+                </p:cond>
+              </p:prevCondLst>
+              <p:nextCondLst>
+                <p:cond evt="onNext" delay="0">
+                  <p:tgtEl>
+                    <p:sldTgt/>
+                  </p:tgtEl>
+                </p:cond>
+              </p:nextCondLst>
+            </p:seq>
+          </p:childTnLst>
+        </p:cTn>
+      </p:par>
+    </p:tnLst>
+  </p:timing>
 </p:sld>
 </file>
 
-<file path=ppt/slides/slide16.xml><?xml version="1.0" encoding="utf-8"?>
+<file path=ppt/slides/slide18.xml><?xml version="1.0" encoding="utf-8"?>
+<p:sld xmlns:a="http://schemas.openxmlformats.org/drawingml/2006/main" xmlns:r="http://schemas.openxmlformats.org/officeDocument/2006/relationships" xmlns:p="http://schemas.openxmlformats.org/presentationml/2006/main">
+  <p:cSld>
+    <p:spTree>
+      <p:nvGrpSpPr>
+        <p:cNvPr id="1" name=""/>
+        <p:cNvGrpSpPr/>
+        <p:nvPr/>
+      </p:nvGrpSpPr>
+      <p:grpSpPr>
+        <a:xfrm>
+          <a:off x="0" y="0"/>
+          <a:ext cx="0" cy="0"/>
+          <a:chOff x="0" y="0"/>
+          <a:chExt cx="0" cy="0"/>
+        </a:xfrm>
+      </p:grpSpPr>
+      <p:sp>
+        <p:nvSpPr>
+          <p:cNvPr id="2" name="Title 1">
+            <a:extLst>
+              <a:ext uri="{FF2B5EF4-FFF2-40B4-BE49-F238E27FC236}">
+                <a16:creationId xmlns:a16="http://schemas.microsoft.com/office/drawing/2014/main" id="{D1B620DA-D887-914C-8A2C-594467E7C0E3}"/>
+              </a:ext>
+            </a:extLst>
+          </p:cNvPr>
+          <p:cNvSpPr>
+            <a:spLocks noGrp="1"/>
+          </p:cNvSpPr>
+          <p:nvPr>
+            <p:ph type="title"/>
+          </p:nvPr>
+        </p:nvSpPr>
+        <p:spPr/>
+        <p:txBody>
+          <a:bodyPr/>
+          <a:lstStyle/>
+          <a:p>
+            <a:r>
+              <a:rPr lang="en-US" dirty="0"/>
+              <a:t>Odd perspectives on scalability</a:t>
+            </a:r>
+          </a:p>
+        </p:txBody>
+      </p:sp>
+      <p:pic>
+        <p:nvPicPr>
+          <p:cNvPr id="5" name="Picture 4">
+            <a:extLst>
+              <a:ext uri="{FF2B5EF4-FFF2-40B4-BE49-F238E27FC236}">
+                <a16:creationId xmlns:a16="http://schemas.microsoft.com/office/drawing/2014/main" id="{CFC7618C-A588-7F4F-BCBB-74D0627D4B0B}"/>
+              </a:ext>
+            </a:extLst>
+          </p:cNvPr>
+          <p:cNvPicPr>
+            <a:picLocks noChangeAspect="1"/>
+          </p:cNvPicPr>
+          <p:nvPr/>
+        </p:nvPicPr>
+        <p:blipFill>
+          <a:blip r:embed="rId3" cstate="email">
+            <a:extLst>
+              <a:ext uri="{28A0092B-C50C-407E-A947-70E740481C1C}">
+                <a14:useLocalDpi xmlns:a14="http://schemas.microsoft.com/office/drawing/2010/main"/>
+              </a:ext>
+            </a:extLst>
+          </a:blip>
+          <a:stretch>
+            <a:fillRect/>
+          </a:stretch>
+        </p:blipFill>
+        <p:spPr>
+          <a:xfrm>
+            <a:off x="1905000" y="2394890"/>
+            <a:ext cx="1968946" cy="2068220"/>
+          </a:xfrm>
+          <a:prstGeom prst="rect">
+            <a:avLst/>
+          </a:prstGeom>
+        </p:spPr>
+      </p:pic>
+      <p:sp>
+        <p:nvSpPr>
+          <p:cNvPr id="6" name="TextBox 5">
+            <a:extLst>
+              <a:ext uri="{FF2B5EF4-FFF2-40B4-BE49-F238E27FC236}">
+                <a16:creationId xmlns:a16="http://schemas.microsoft.com/office/drawing/2014/main" id="{0A5BFA50-A7C4-454E-94DA-E5D7D3E12F82}"/>
+              </a:ext>
+            </a:extLst>
+          </p:cNvPr>
+          <p:cNvSpPr txBox="1"/>
+          <p:nvPr/>
+        </p:nvSpPr>
+        <p:spPr>
+          <a:xfrm>
+            <a:off x="2006816" y="4463110"/>
+            <a:ext cx="1422184" cy="369332"/>
+          </a:xfrm>
+          <a:prstGeom prst="rect">
+            <a:avLst/>
+          </a:prstGeom>
+          <a:noFill/>
+        </p:spPr>
+        <p:txBody>
+          <a:bodyPr wrap="none" rtlCol="0">
+            <a:spAutoFit/>
+          </a:bodyPr>
+          <a:lstStyle/>
+          <a:p>
+            <a:r>
+              <a:rPr lang="en-US" dirty="0"/>
+              <a:t>data scientist</a:t>
+            </a:r>
+          </a:p>
+        </p:txBody>
+      </p:sp>
+      <p:sp>
+        <p:nvSpPr>
+          <p:cNvPr id="7" name="TextBox 6">
+            <a:extLst>
+              <a:ext uri="{FF2B5EF4-FFF2-40B4-BE49-F238E27FC236}">
+                <a16:creationId xmlns:a16="http://schemas.microsoft.com/office/drawing/2014/main" id="{9361DDB4-DB46-2040-8C9F-46A4D08DA7A8}"/>
+              </a:ext>
+            </a:extLst>
+          </p:cNvPr>
+          <p:cNvSpPr txBox="1"/>
+          <p:nvPr/>
+        </p:nvSpPr>
+        <p:spPr>
+          <a:xfrm>
+            <a:off x="2298808" y="2690336"/>
+            <a:ext cx="838200" cy="738664"/>
+          </a:xfrm>
+          <a:prstGeom prst="rect">
+            <a:avLst/>
+          </a:prstGeom>
+          <a:noFill/>
+        </p:spPr>
+        <p:txBody>
+          <a:bodyPr wrap="square" rtlCol="0">
+            <a:spAutoFit/>
+          </a:bodyPr>
+          <a:lstStyle/>
+          <a:p>
+            <a:r>
+              <a:rPr lang="en-US" sz="1400" dirty="0"/>
+              <a:t>Solution does not scale</a:t>
+            </a:r>
+          </a:p>
+        </p:txBody>
+      </p:sp>
+      <p:pic>
+        <p:nvPicPr>
+          <p:cNvPr id="8" name="Picture 7">
+            <a:extLst>
+              <a:ext uri="{FF2B5EF4-FFF2-40B4-BE49-F238E27FC236}">
+                <a16:creationId xmlns:a16="http://schemas.microsoft.com/office/drawing/2014/main" id="{952989CA-692C-C84D-A98E-FAB90F71606D}"/>
+              </a:ext>
+            </a:extLst>
+          </p:cNvPr>
+          <p:cNvPicPr>
+            <a:picLocks noChangeAspect="1"/>
+          </p:cNvPicPr>
+          <p:nvPr/>
+        </p:nvPicPr>
+        <p:blipFill>
+          <a:blip r:embed="rId3" cstate="email">
+            <a:extLst>
+              <a:ext uri="{28A0092B-C50C-407E-A947-70E740481C1C}">
+                <a14:useLocalDpi xmlns:a14="http://schemas.microsoft.com/office/drawing/2010/main"/>
+              </a:ext>
+            </a:extLst>
+          </a:blip>
+          <a:stretch>
+            <a:fillRect/>
+          </a:stretch>
+        </p:blipFill>
+        <p:spPr>
+          <a:xfrm>
+            <a:off x="5423561" y="2397382"/>
+            <a:ext cx="1968946" cy="2068220"/>
+          </a:xfrm>
+          <a:prstGeom prst="rect">
+            <a:avLst/>
+          </a:prstGeom>
+        </p:spPr>
+      </p:pic>
+      <p:sp>
+        <p:nvSpPr>
+          <p:cNvPr id="9" name="TextBox 8">
+            <a:extLst>
+              <a:ext uri="{FF2B5EF4-FFF2-40B4-BE49-F238E27FC236}">
+                <a16:creationId xmlns:a16="http://schemas.microsoft.com/office/drawing/2014/main" id="{501CD5B1-F938-514F-8265-4C41DC0ECE94}"/>
+              </a:ext>
+            </a:extLst>
+          </p:cNvPr>
+          <p:cNvSpPr txBox="1"/>
+          <p:nvPr/>
+        </p:nvSpPr>
+        <p:spPr>
+          <a:xfrm>
+            <a:off x="5525377" y="4465602"/>
+            <a:ext cx="1310615" cy="369332"/>
+          </a:xfrm>
+          <a:prstGeom prst="rect">
+            <a:avLst/>
+          </a:prstGeom>
+          <a:noFill/>
+        </p:spPr>
+        <p:txBody>
+          <a:bodyPr wrap="none" rtlCol="0">
+            <a:spAutoFit/>
+          </a:bodyPr>
+          <a:lstStyle/>
+          <a:p>
+            <a:r>
+              <a:rPr lang="en-US" dirty="0" err="1"/>
+              <a:t>algorithmist</a:t>
+            </a:r>
+            <a:endParaRPr lang="en-US" dirty="0"/>
+          </a:p>
+        </p:txBody>
+      </p:sp>
+      <p:sp>
+        <p:nvSpPr>
+          <p:cNvPr id="10" name="TextBox 9">
+            <a:extLst>
+              <a:ext uri="{FF2B5EF4-FFF2-40B4-BE49-F238E27FC236}">
+                <a16:creationId xmlns:a16="http://schemas.microsoft.com/office/drawing/2014/main" id="{7612B509-CE30-BC41-AD69-B399CC14D87B}"/>
+              </a:ext>
+            </a:extLst>
+          </p:cNvPr>
+          <p:cNvSpPr txBox="1"/>
+          <p:nvPr/>
+        </p:nvSpPr>
+        <p:spPr>
+          <a:xfrm>
+            <a:off x="5817369" y="2692828"/>
+            <a:ext cx="838200" cy="523220"/>
+          </a:xfrm>
+          <a:prstGeom prst="rect">
+            <a:avLst/>
+          </a:prstGeom>
+          <a:noFill/>
+        </p:spPr>
+        <p:txBody>
+          <a:bodyPr wrap="square" rtlCol="0">
+            <a:spAutoFit/>
+          </a:bodyPr>
+          <a:lstStyle/>
+          <a:p>
+            <a:r>
+              <a:rPr lang="en-US" sz="1400" dirty="0"/>
+              <a:t>This is perfect!</a:t>
+            </a:r>
+          </a:p>
+        </p:txBody>
+      </p:sp>
+      <p:pic>
+        <p:nvPicPr>
+          <p:cNvPr id="11" name="Picture 10">
+            <a:extLst>
+              <a:ext uri="{FF2B5EF4-FFF2-40B4-BE49-F238E27FC236}">
+                <a16:creationId xmlns:a16="http://schemas.microsoft.com/office/drawing/2014/main" id="{603FFF88-B635-2C47-89BD-DEC16F42F293}"/>
+              </a:ext>
+            </a:extLst>
+          </p:cNvPr>
+          <p:cNvPicPr>
+            <a:picLocks noChangeAspect="1"/>
+          </p:cNvPicPr>
+          <p:nvPr/>
+        </p:nvPicPr>
+        <p:blipFill>
+          <a:blip r:embed="rId3" cstate="email">
+            <a:extLst>
+              <a:ext uri="{28A0092B-C50C-407E-A947-70E740481C1C}">
+                <a14:useLocalDpi xmlns:a14="http://schemas.microsoft.com/office/drawing/2010/main"/>
+              </a:ext>
+            </a:extLst>
+          </a:blip>
+          <a:stretch>
+            <a:fillRect/>
+          </a:stretch>
+        </p:blipFill>
+        <p:spPr>
+          <a:xfrm>
+            <a:off x="9043938" y="2386869"/>
+            <a:ext cx="1968946" cy="2068220"/>
+          </a:xfrm>
+          <a:prstGeom prst="rect">
+            <a:avLst/>
+          </a:prstGeom>
+        </p:spPr>
+      </p:pic>
+      <p:sp>
+        <p:nvSpPr>
+          <p:cNvPr id="12" name="TextBox 11">
+            <a:extLst>
+              <a:ext uri="{FF2B5EF4-FFF2-40B4-BE49-F238E27FC236}">
+                <a16:creationId xmlns:a16="http://schemas.microsoft.com/office/drawing/2014/main" id="{DBCE2ABD-D139-E147-B17B-964E8CB0177E}"/>
+              </a:ext>
+            </a:extLst>
+          </p:cNvPr>
+          <p:cNvSpPr txBox="1"/>
+          <p:nvPr/>
+        </p:nvSpPr>
+        <p:spPr>
+          <a:xfrm>
+            <a:off x="9145754" y="4455089"/>
+            <a:ext cx="2121222" cy="369332"/>
+          </a:xfrm>
+          <a:prstGeom prst="rect">
+            <a:avLst/>
+          </a:prstGeom>
+          <a:noFill/>
+        </p:spPr>
+        <p:txBody>
+          <a:bodyPr wrap="none" rtlCol="0">
+            <a:spAutoFit/>
+          </a:bodyPr>
+          <a:lstStyle/>
+          <a:p>
+            <a:r>
+              <a:rPr lang="en-US" dirty="0"/>
+              <a:t>verification engineer</a:t>
+            </a:r>
+          </a:p>
+        </p:txBody>
+      </p:sp>
+      <p:sp>
+        <p:nvSpPr>
+          <p:cNvPr id="13" name="TextBox 12">
+            <a:extLst>
+              <a:ext uri="{FF2B5EF4-FFF2-40B4-BE49-F238E27FC236}">
+                <a16:creationId xmlns:a16="http://schemas.microsoft.com/office/drawing/2014/main" id="{03556758-372A-8A4B-B353-285EF0459310}"/>
+              </a:ext>
+            </a:extLst>
+          </p:cNvPr>
+          <p:cNvSpPr txBox="1"/>
+          <p:nvPr/>
+        </p:nvSpPr>
+        <p:spPr>
+          <a:xfrm>
+            <a:off x="9157914" y="2682315"/>
+            <a:ext cx="1118032" cy="523220"/>
+          </a:xfrm>
+          <a:prstGeom prst="rect">
+            <a:avLst/>
+          </a:prstGeom>
+          <a:noFill/>
+        </p:spPr>
+        <p:txBody>
+          <a:bodyPr wrap="square" rtlCol="0">
+            <a:spAutoFit/>
+          </a:bodyPr>
+          <a:lstStyle/>
+          <a:p>
+            <a:r>
+              <a:rPr lang="en-US" sz="1400" dirty="0"/>
+              <a:t>Yay, decidable!</a:t>
+            </a:r>
+          </a:p>
+        </p:txBody>
+      </p:sp>
+      <p:sp>
+        <p:nvSpPr>
+          <p:cNvPr id="14" name="Can 13">
+            <a:extLst>
+              <a:ext uri="{FF2B5EF4-FFF2-40B4-BE49-F238E27FC236}">
+                <a16:creationId xmlns:a16="http://schemas.microsoft.com/office/drawing/2014/main" id="{7AE06F9A-36ED-FD42-B872-B8019D534C80}"/>
+              </a:ext>
+            </a:extLst>
+          </p:cNvPr>
+          <p:cNvSpPr/>
+          <p:nvPr/>
+        </p:nvSpPr>
+        <p:spPr>
+          <a:xfrm>
+            <a:off x="1518196" y="3570355"/>
+            <a:ext cx="977239" cy="734879"/>
+          </a:xfrm>
+          <a:prstGeom prst="can">
+            <a:avLst/>
+          </a:prstGeom>
+          <a:effectLst>
+            <a:outerShdw blurRad="50800" dist="38100" dir="5400000" algn="t" rotWithShape="0">
+              <a:prstClr val="black">
+                <a:alpha val="40000"/>
+              </a:prstClr>
+            </a:outerShdw>
+          </a:effectLst>
+        </p:spPr>
+        <p:style>
+          <a:lnRef idx="2">
+            <a:schemeClr val="dk1"/>
+          </a:lnRef>
+          <a:fillRef idx="1">
+            <a:schemeClr val="lt1"/>
+          </a:fillRef>
+          <a:effectRef idx="0">
+            <a:schemeClr val="dk1"/>
+          </a:effectRef>
+          <a:fontRef idx="minor">
+            <a:schemeClr val="dk1"/>
+          </a:fontRef>
+        </p:style>
+        <p:txBody>
+          <a:bodyPr rtlCol="0" anchor="ctr"/>
+          <a:lstStyle/>
+          <a:p>
+            <a:pPr algn="ctr"/>
+            <a:r>
+              <a:rPr lang="en-US" sz="1600" dirty="0"/>
+              <a:t>O(n)</a:t>
+            </a:r>
+          </a:p>
+        </p:txBody>
+      </p:sp>
+      <p:sp>
+        <p:nvSpPr>
+          <p:cNvPr id="15" name="Can 14">
+            <a:extLst>
+              <a:ext uri="{FF2B5EF4-FFF2-40B4-BE49-F238E27FC236}">
+                <a16:creationId xmlns:a16="http://schemas.microsoft.com/office/drawing/2014/main" id="{B0AFF10E-6DFA-1D40-9FDE-A1AA477A2CB8}"/>
+              </a:ext>
+            </a:extLst>
+          </p:cNvPr>
+          <p:cNvSpPr/>
+          <p:nvPr/>
+        </p:nvSpPr>
+        <p:spPr>
+          <a:xfrm>
+            <a:off x="4993083" y="3606450"/>
+            <a:ext cx="977239" cy="734879"/>
+          </a:xfrm>
+          <a:prstGeom prst="can">
+            <a:avLst/>
+          </a:prstGeom>
+          <a:effectLst>
+            <a:outerShdw blurRad="50800" dist="38100" dir="5400000" algn="t" rotWithShape="0">
+              <a:prstClr val="black">
+                <a:alpha val="40000"/>
+              </a:prstClr>
+            </a:outerShdw>
+          </a:effectLst>
+        </p:spPr>
+        <p:style>
+          <a:lnRef idx="2">
+            <a:schemeClr val="dk1"/>
+          </a:lnRef>
+          <a:fillRef idx="1">
+            <a:schemeClr val="lt1"/>
+          </a:fillRef>
+          <a:effectRef idx="0">
+            <a:schemeClr val="dk1"/>
+          </a:effectRef>
+          <a:fontRef idx="minor">
+            <a:schemeClr val="dk1"/>
+          </a:fontRef>
+        </p:style>
+        <p:txBody>
+          <a:bodyPr rtlCol="0" anchor="ctr"/>
+          <a:lstStyle/>
+          <a:p>
+            <a:pPr algn="ctr"/>
+            <a:r>
+              <a:rPr lang="en-US" sz="1600" dirty="0"/>
+              <a:t>O(n)</a:t>
+            </a:r>
+          </a:p>
+        </p:txBody>
+      </p:sp>
+      <p:sp>
+        <p:nvSpPr>
+          <p:cNvPr id="16" name="Can 15">
+            <a:extLst>
+              <a:ext uri="{FF2B5EF4-FFF2-40B4-BE49-F238E27FC236}">
+                <a16:creationId xmlns:a16="http://schemas.microsoft.com/office/drawing/2014/main" id="{0DDA2C68-652B-B74D-897B-3A75F4783628}"/>
+              </a:ext>
+            </a:extLst>
+          </p:cNvPr>
+          <p:cNvSpPr/>
+          <p:nvPr/>
+        </p:nvSpPr>
+        <p:spPr>
+          <a:xfrm>
+            <a:off x="8708936" y="3606449"/>
+            <a:ext cx="977239" cy="734879"/>
+          </a:xfrm>
+          <a:prstGeom prst="can">
+            <a:avLst/>
+          </a:prstGeom>
+          <a:effectLst>
+            <a:outerShdw blurRad="50800" dist="38100" dir="5400000" algn="t" rotWithShape="0">
+              <a:prstClr val="black">
+                <a:alpha val="40000"/>
+              </a:prstClr>
+            </a:outerShdw>
+          </a:effectLst>
+        </p:spPr>
+        <p:style>
+          <a:lnRef idx="2">
+            <a:schemeClr val="dk1"/>
+          </a:lnRef>
+          <a:fillRef idx="1">
+            <a:schemeClr val="lt1"/>
+          </a:fillRef>
+          <a:effectRef idx="0">
+            <a:schemeClr val="dk1"/>
+          </a:effectRef>
+          <a:fontRef idx="minor">
+            <a:schemeClr val="dk1"/>
+          </a:fontRef>
+        </p:style>
+        <p:txBody>
+          <a:bodyPr rtlCol="0" anchor="ctr"/>
+          <a:lstStyle/>
+          <a:p>
+            <a:pPr algn="ctr"/>
+            <a:r>
+              <a:rPr lang="en-US" sz="1600" dirty="0"/>
+              <a:t>O(2</a:t>
+            </a:r>
+            <a:r>
+              <a:rPr lang="en-US" sz="1600" baseline="30000" dirty="0"/>
+              <a:t>n</a:t>
+            </a:r>
+            <a:r>
+              <a:rPr lang="en-US" sz="1600" dirty="0"/>
+              <a:t>)</a:t>
+            </a:r>
+          </a:p>
+        </p:txBody>
+      </p:sp>
+    </p:spTree>
+    <p:extLst>
+      <p:ext uri="{BB962C8B-B14F-4D97-AF65-F5344CB8AC3E}">
+        <p14:creationId xmlns:p14="http://schemas.microsoft.com/office/powerpoint/2010/main" val="1969613916"/>
+      </p:ext>
+    </p:extLst>
+  </p:cSld>
+  <p:clrMapOvr>
+    <a:masterClrMapping/>
+  </p:clrMapOvr>
+  <p:timing>
+    <p:tnLst>
+      <p:par>
+        <p:cTn id="1" dur="indefinite" restart="never" nodeType="tmRoot">
+          <p:childTnLst>
+            <p:seq concurrent="1" nextAc="seek">
+              <p:cTn id="2" dur="indefinite" nodeType="mainSeq">
+                <p:childTnLst>
+                  <p:par>
+                    <p:cTn id="3" fill="hold">
+                      <p:stCondLst>
+                        <p:cond delay="indefinite"/>
+                      </p:stCondLst>
+                      <p:childTnLst>
+                        <p:par>
+                          <p:cTn id="4" fill="hold">
+                            <p:stCondLst>
+                              <p:cond delay="0"/>
+                            </p:stCondLst>
+                            <p:childTnLst>
+                              <p:par>
+                                <p:cTn id="5" presetID="1" presetClass="entr" presetSubtype="0" fill="hold" nodeType="clickEffect">
+                                  <p:stCondLst>
+                                    <p:cond delay="0"/>
+                                  </p:stCondLst>
+                                  <p:childTnLst>
+                                    <p:set>
+                                      <p:cBhvr>
+                                        <p:cTn id="6" dur="1" fill="hold">
+                                          <p:stCondLst>
+                                            <p:cond delay="0"/>
+                                          </p:stCondLst>
+                                        </p:cTn>
+                                        <p:tgtEl>
+                                          <p:spTgt spid="8"/>
+                                        </p:tgtEl>
+                                        <p:attrNameLst>
+                                          <p:attrName>style.visibility</p:attrName>
+                                        </p:attrNameLst>
+                                      </p:cBhvr>
+                                      <p:to>
+                                        <p:strVal val="visible"/>
+                                      </p:to>
+                                    </p:set>
+                                  </p:childTnLst>
+                                </p:cTn>
+                              </p:par>
+                              <p:par>
+                                <p:cTn id="7" presetID="1" presetClass="entr" presetSubtype="0" fill="hold" grpId="0" nodeType="withEffect">
+                                  <p:stCondLst>
+                                    <p:cond delay="0"/>
+                                  </p:stCondLst>
+                                  <p:childTnLst>
+                                    <p:set>
+                                      <p:cBhvr>
+                                        <p:cTn id="8" dur="1" fill="hold">
+                                          <p:stCondLst>
+                                            <p:cond delay="0"/>
+                                          </p:stCondLst>
+                                        </p:cTn>
+                                        <p:tgtEl>
+                                          <p:spTgt spid="9"/>
+                                        </p:tgtEl>
+                                        <p:attrNameLst>
+                                          <p:attrName>style.visibility</p:attrName>
+                                        </p:attrNameLst>
+                                      </p:cBhvr>
+                                      <p:to>
+                                        <p:strVal val="visible"/>
+                                      </p:to>
+                                    </p:set>
+                                  </p:childTnLst>
+                                </p:cTn>
+                              </p:par>
+                              <p:par>
+                                <p:cTn id="9" presetID="1" presetClass="entr" presetSubtype="0" fill="hold" grpId="0" nodeType="withEffect">
+                                  <p:stCondLst>
+                                    <p:cond delay="0"/>
+                                  </p:stCondLst>
+                                  <p:childTnLst>
+                                    <p:set>
+                                      <p:cBhvr>
+                                        <p:cTn id="10" dur="1" fill="hold">
+                                          <p:stCondLst>
+                                            <p:cond delay="0"/>
+                                          </p:stCondLst>
+                                        </p:cTn>
+                                        <p:tgtEl>
+                                          <p:spTgt spid="10"/>
+                                        </p:tgtEl>
+                                        <p:attrNameLst>
+                                          <p:attrName>style.visibility</p:attrName>
+                                        </p:attrNameLst>
+                                      </p:cBhvr>
+                                      <p:to>
+                                        <p:strVal val="visible"/>
+                                      </p:to>
+                                    </p:set>
+                                  </p:childTnLst>
+                                </p:cTn>
+                              </p:par>
+                              <p:par>
+                                <p:cTn id="11" presetID="1" presetClass="entr" presetSubtype="0" fill="hold" grpId="0" nodeType="withEffect">
+                                  <p:stCondLst>
+                                    <p:cond delay="0"/>
+                                  </p:stCondLst>
+                                  <p:childTnLst>
+                                    <p:set>
+                                      <p:cBhvr>
+                                        <p:cTn id="12" dur="1" fill="hold">
+                                          <p:stCondLst>
+                                            <p:cond delay="0"/>
+                                          </p:stCondLst>
+                                        </p:cTn>
+                                        <p:tgtEl>
+                                          <p:spTgt spid="15"/>
+                                        </p:tgtEl>
+                                        <p:attrNameLst>
+                                          <p:attrName>style.visibility</p:attrName>
+                                        </p:attrNameLst>
+                                      </p:cBhvr>
+                                      <p:to>
+                                        <p:strVal val="visible"/>
+                                      </p:to>
+                                    </p:set>
+                                  </p:childTnLst>
+                                </p:cTn>
+                              </p:par>
+                            </p:childTnLst>
+                          </p:cTn>
+                        </p:par>
+                      </p:childTnLst>
+                    </p:cTn>
+                  </p:par>
+                  <p:par>
+                    <p:cTn id="13" fill="hold">
+                      <p:stCondLst>
+                        <p:cond delay="indefinite"/>
+                      </p:stCondLst>
+                      <p:childTnLst>
+                        <p:par>
+                          <p:cTn id="14" fill="hold">
+                            <p:stCondLst>
+                              <p:cond delay="0"/>
+                            </p:stCondLst>
+                            <p:childTnLst>
+                              <p:par>
+                                <p:cTn id="15" presetID="1" presetClass="entr" presetSubtype="0" fill="hold" nodeType="clickEffect">
+                                  <p:stCondLst>
+                                    <p:cond delay="0"/>
+                                  </p:stCondLst>
+                                  <p:childTnLst>
+                                    <p:set>
+                                      <p:cBhvr>
+                                        <p:cTn id="16" dur="1" fill="hold">
+                                          <p:stCondLst>
+                                            <p:cond delay="0"/>
+                                          </p:stCondLst>
+                                        </p:cTn>
+                                        <p:tgtEl>
+                                          <p:spTgt spid="11"/>
+                                        </p:tgtEl>
+                                        <p:attrNameLst>
+                                          <p:attrName>style.visibility</p:attrName>
+                                        </p:attrNameLst>
+                                      </p:cBhvr>
+                                      <p:to>
+                                        <p:strVal val="visible"/>
+                                      </p:to>
+                                    </p:set>
+                                  </p:childTnLst>
+                                </p:cTn>
+                              </p:par>
+                              <p:par>
+                                <p:cTn id="17" presetID="1" presetClass="entr" presetSubtype="0" fill="hold" grpId="0" nodeType="withEffect">
+                                  <p:stCondLst>
+                                    <p:cond delay="0"/>
+                                  </p:stCondLst>
+                                  <p:childTnLst>
+                                    <p:set>
+                                      <p:cBhvr>
+                                        <p:cTn id="18" dur="1" fill="hold">
+                                          <p:stCondLst>
+                                            <p:cond delay="0"/>
+                                          </p:stCondLst>
+                                        </p:cTn>
+                                        <p:tgtEl>
+                                          <p:spTgt spid="12"/>
+                                        </p:tgtEl>
+                                        <p:attrNameLst>
+                                          <p:attrName>style.visibility</p:attrName>
+                                        </p:attrNameLst>
+                                      </p:cBhvr>
+                                      <p:to>
+                                        <p:strVal val="visible"/>
+                                      </p:to>
+                                    </p:set>
+                                  </p:childTnLst>
+                                </p:cTn>
+                              </p:par>
+                              <p:par>
+                                <p:cTn id="19" presetID="1" presetClass="entr" presetSubtype="0" fill="hold" grpId="0" nodeType="withEffect">
+                                  <p:stCondLst>
+                                    <p:cond delay="0"/>
+                                  </p:stCondLst>
+                                  <p:childTnLst>
+                                    <p:set>
+                                      <p:cBhvr>
+                                        <p:cTn id="20" dur="1" fill="hold">
+                                          <p:stCondLst>
+                                            <p:cond delay="0"/>
+                                          </p:stCondLst>
+                                        </p:cTn>
+                                        <p:tgtEl>
+                                          <p:spTgt spid="13"/>
+                                        </p:tgtEl>
+                                        <p:attrNameLst>
+                                          <p:attrName>style.visibility</p:attrName>
+                                        </p:attrNameLst>
+                                      </p:cBhvr>
+                                      <p:to>
+                                        <p:strVal val="visible"/>
+                                      </p:to>
+                                    </p:set>
+                                  </p:childTnLst>
+                                </p:cTn>
+                              </p:par>
+                              <p:par>
+                                <p:cTn id="21" presetID="1" presetClass="entr" presetSubtype="0" fill="hold" grpId="0" nodeType="withEffect">
+                                  <p:stCondLst>
+                                    <p:cond delay="0"/>
+                                  </p:stCondLst>
+                                  <p:childTnLst>
+                                    <p:set>
+                                      <p:cBhvr>
+                                        <p:cTn id="22" dur="1" fill="hold">
+                                          <p:stCondLst>
+                                            <p:cond delay="0"/>
+                                          </p:stCondLst>
+                                        </p:cTn>
+                                        <p:tgtEl>
+                                          <p:spTgt spid="16"/>
+                                        </p:tgtEl>
+                                        <p:attrNameLst>
+                                          <p:attrName>style.visibility</p:attrName>
+                                        </p:attrNameLst>
+                                      </p:cBhvr>
+                                      <p:to>
+                                        <p:strVal val="visible"/>
+                                      </p:to>
+                                    </p:set>
+                                  </p:childTnLst>
+                                </p:cTn>
+                              </p:par>
+                            </p:childTnLst>
+                          </p:cTn>
+                        </p:par>
+                      </p:childTnLst>
+                    </p:cTn>
+                  </p:par>
+                </p:childTnLst>
+              </p:cTn>
+              <p:prevCondLst>
+                <p:cond evt="onPrev" delay="0">
+                  <p:tgtEl>
+                    <p:sldTgt/>
+                  </p:tgtEl>
+                </p:cond>
+              </p:prevCondLst>
+              <p:nextCondLst>
+                <p:cond evt="onNext" delay="0">
+                  <p:tgtEl>
+                    <p:sldTgt/>
+                  </p:tgtEl>
+                </p:cond>
+              </p:nextCondLst>
+            </p:seq>
+          </p:childTnLst>
+        </p:cTn>
+      </p:par>
+    </p:tnLst>
+    <p:bldLst>
+      <p:bldP spid="9" grpId="0"/>
+      <p:bldP spid="10" grpId="0"/>
+      <p:bldP spid="12" grpId="0"/>
+      <p:bldP spid="13" grpId="0"/>
+      <p:bldP spid="15" grpId="0" animBg="1"/>
+      <p:bldP spid="16" grpId="0" animBg="1"/>
+    </p:bldLst>
+  </p:timing>
+</p:sld>
+</file>
+
+<file path=ppt/slides/slide19.xml><?xml version="1.0" encoding="utf-8"?>
 <p:sld xmlns:a="http://schemas.openxmlformats.org/drawingml/2006/main" xmlns:r="http://schemas.openxmlformats.org/officeDocument/2006/relationships" xmlns:p="http://schemas.openxmlformats.org/presentationml/2006/main">
   <p:cSld>
     <p:spTree>
@@ -14682,15 +17446,7 @@
           <a:p>
             <a:r>
               <a:rPr lang="en-US" dirty="0"/>
-              <a:t>Learn </a:t>
-            </a:r>
-            <a:r>
-              <a:rPr lang="en-US"/>
-              <a:t>the foundational connections </a:t>
-            </a:r>
-            <a:r>
-              <a:rPr lang="en-US" dirty="0"/>
-              <a:t>between computer science and control theory</a:t>
+              <a:t>Learn the foundational connections between computer science and control theory</a:t>
             </a:r>
           </a:p>
           <a:p>
@@ -15000,243 +17756,6 @@
   <p:clrMapOvr>
     <a:masterClrMapping/>
   </p:clrMapOvr>
-</p:sld>
-</file>
-
-<file path=ppt/slides/slide17.xml><?xml version="1.0" encoding="utf-8"?>
-<p:sld xmlns:a="http://schemas.openxmlformats.org/drawingml/2006/main" xmlns:r="http://schemas.openxmlformats.org/officeDocument/2006/relationships" xmlns:p="http://schemas.openxmlformats.org/presentationml/2006/main">
-  <p:cSld>
-    <p:spTree>
-      <p:nvGrpSpPr>
-        <p:cNvPr id="1" name=""/>
-        <p:cNvGrpSpPr/>
-        <p:nvPr/>
-      </p:nvGrpSpPr>
-      <p:grpSpPr>
-        <a:xfrm>
-          <a:off x="0" y="0"/>
-          <a:ext cx="0" cy="0"/>
-          <a:chOff x="0" y="0"/>
-          <a:chExt cx="0" cy="0"/>
-        </a:xfrm>
-      </p:grpSpPr>
-      <p:sp>
-        <p:nvSpPr>
-          <p:cNvPr id="2" name="Title 1"/>
-          <p:cNvSpPr>
-            <a:spLocks noGrp="1"/>
-          </p:cNvSpPr>
-          <p:nvPr>
-            <p:ph type="title"/>
-          </p:nvPr>
-        </p:nvSpPr>
-        <p:spPr>
-          <a:xfrm>
-            <a:off x="1752600" y="274638"/>
-            <a:ext cx="8763000" cy="1143000"/>
-          </a:xfrm>
-        </p:spPr>
-        <p:txBody>
-          <a:bodyPr>
-            <a:noAutofit/>
-          </a:bodyPr>
-          <a:lstStyle/>
-          <a:p>
-            <a:r>
-              <a:rPr lang="en-US" sz="3600" dirty="0"/>
-              <a:t>Beyond ECE/CS 584</a:t>
-            </a:r>
-          </a:p>
-        </p:txBody>
-      </p:sp>
-      <p:sp>
-        <p:nvSpPr>
-          <p:cNvPr id="3" name="Content Placeholder 2"/>
-          <p:cNvSpPr>
-            <a:spLocks noGrp="1"/>
-          </p:cNvSpPr>
-          <p:nvPr>
-            <p:ph idx="1"/>
-          </p:nvPr>
-        </p:nvSpPr>
-        <p:spPr>
-          <a:xfrm>
-            <a:off x="914400" y="1600200"/>
-            <a:ext cx="9296400" cy="5105400"/>
-          </a:xfrm>
-        </p:spPr>
-        <p:txBody>
-          <a:bodyPr>
-            <a:normAutofit fontScale="62500" lnSpcReduction="20000"/>
-          </a:bodyPr>
-          <a:lstStyle/>
-          <a:p>
-            <a:pPr>
-              <a:lnSpc>
-                <a:spcPct val="120000"/>
-              </a:lnSpc>
-            </a:pPr>
-            <a:r>
-              <a:rPr lang="en-US" dirty="0"/>
-              <a:t>Hardware verification (model checking) is now part of engineering practice in the industry</a:t>
-            </a:r>
-          </a:p>
-          <a:p>
-            <a:pPr>
-              <a:lnSpc>
-                <a:spcPct val="120000"/>
-              </a:lnSpc>
-            </a:pPr>
-            <a:r>
-              <a:rPr lang="en-US" dirty="0"/>
-              <a:t>Automated Device Driver Verification at Microsoft: SLAM tool from MSR; AMAZON Web services verified using TLA</a:t>
-            </a:r>
-          </a:p>
-          <a:p>
-            <a:pPr>
-              <a:lnSpc>
-                <a:spcPct val="120000"/>
-              </a:lnSpc>
-            </a:pPr>
-            <a:r>
-              <a:rPr lang="en-US" dirty="0"/>
-              <a:t>Formal modeling and analysis is becoming part of certification process for avionics (e.g., ASTREE); adoption for automotive and manufacturing around the corner</a:t>
-            </a:r>
-          </a:p>
-          <a:p>
-            <a:pPr>
-              <a:lnSpc>
-                <a:spcPct val="120000"/>
-              </a:lnSpc>
-            </a:pPr>
-            <a:r>
-              <a:rPr lang="en-US" dirty="0"/>
-              <a:t>Commercial enterprises</a:t>
-            </a:r>
-          </a:p>
-          <a:p>
-            <a:pPr lvl="1">
-              <a:lnSpc>
-                <a:spcPct val="120000"/>
-              </a:lnSpc>
-            </a:pPr>
-            <a:r>
-              <a:rPr lang="en-US" dirty="0"/>
-              <a:t>Synopsis, Mentor Graphics, Cadence, </a:t>
-            </a:r>
-            <a:r>
-              <a:rPr lang="en-US" dirty="0" err="1"/>
-              <a:t>Coverity</a:t>
-            </a:r>
-            <a:r>
-              <a:rPr lang="en-US" dirty="0"/>
-              <a:t>, Galois, SRI, etc.</a:t>
-            </a:r>
-          </a:p>
-          <a:p>
-            <a:pPr lvl="1">
-              <a:lnSpc>
-                <a:spcPct val="120000"/>
-              </a:lnSpc>
-            </a:pPr>
-            <a:r>
-              <a:rPr lang="en-US" dirty="0"/>
-              <a:t>More up and coming in the automotive space</a:t>
-            </a:r>
-          </a:p>
-          <a:p>
-            <a:pPr>
-              <a:lnSpc>
-                <a:spcPct val="120000"/>
-              </a:lnSpc>
-            </a:pPr>
-            <a:r>
-              <a:rPr lang="en-US" dirty="0"/>
-              <a:t>Vibrant research community:</a:t>
-            </a:r>
-          </a:p>
-          <a:p>
-            <a:pPr lvl="1">
-              <a:lnSpc>
-                <a:spcPct val="120000"/>
-              </a:lnSpc>
-            </a:pPr>
-            <a:r>
-              <a:rPr lang="en-US" dirty="0"/>
-              <a:t>Conferences: CAV, TACAS,HSCC, </a:t>
-            </a:r>
-            <a:r>
-              <a:rPr lang="en-US" dirty="0" err="1"/>
-              <a:t>EMSoft</a:t>
-            </a:r>
-            <a:endParaRPr lang="en-US" dirty="0"/>
-          </a:p>
-          <a:p>
-            <a:pPr lvl="1">
-              <a:lnSpc>
-                <a:spcPct val="120000"/>
-              </a:lnSpc>
-            </a:pPr>
-            <a:r>
-              <a:rPr lang="en-US" dirty="0"/>
-              <a:t>Faculty position openings</a:t>
-            </a:r>
-          </a:p>
-          <a:p>
-            <a:pPr lvl="1">
-              <a:lnSpc>
-                <a:spcPct val="120000"/>
-              </a:lnSpc>
-            </a:pPr>
-            <a:r>
-              <a:rPr lang="en-US" dirty="0"/>
-              <a:t>Related Turing Awards: </a:t>
-            </a:r>
-            <a:r>
-              <a:rPr lang="en-US" dirty="0" err="1"/>
-              <a:t>Lamport</a:t>
-            </a:r>
-            <a:r>
-              <a:rPr lang="en-US" dirty="0"/>
-              <a:t> (2014), Clarke, </a:t>
-            </a:r>
-            <a:r>
-              <a:rPr lang="en-US" dirty="0" err="1"/>
-              <a:t>Sifakis</a:t>
-            </a:r>
-            <a:r>
-              <a:rPr lang="en-US" dirty="0"/>
-              <a:t> &amp; Emerson (2008), </a:t>
-            </a:r>
-            <a:r>
-              <a:rPr lang="en-US" dirty="0" err="1"/>
-              <a:t>Pnueli</a:t>
-            </a:r>
-            <a:r>
-              <a:rPr lang="en-US" dirty="0"/>
-              <a:t> (1997), Lampson (1992), Milner (1991), Hoare (1980), </a:t>
-            </a:r>
-            <a:r>
-              <a:rPr lang="en-US" dirty="0" err="1"/>
-              <a:t>Dijkstra</a:t>
-            </a:r>
-            <a:r>
-              <a:rPr lang="en-US" dirty="0"/>
-              <a:t> (1972) …</a:t>
-            </a:r>
-          </a:p>
-        </p:txBody>
-      </p:sp>
-    </p:spTree>
-    <p:extLst>
-      <p:ext uri="{BB962C8B-B14F-4D97-AF65-F5344CB8AC3E}">
-        <p14:creationId xmlns:p14="http://schemas.microsoft.com/office/powerpoint/2010/main" val="1887426020"/>
-      </p:ext>
-    </p:extLst>
-  </p:cSld>
-  <p:clrMapOvr>
-    <a:masterClrMapping/>
-  </p:clrMapOvr>
   <p:timing>
     <p:tnLst>
       <p:par>
@@ -15258,7 +17777,7 @@
                             </p:stCondLst>
                             <p:childTnLst>
                               <p:par>
-                                <p:cTn id="5" presetID="10" presetClass="entr" presetSubtype="0" fill="hold" nodeType="clickEffect">
+                                <p:cTn id="5" presetID="1" presetClass="entr" presetSubtype="0" fill="hold" nodeType="clickEffect">
                                   <p:stCondLst>
                                     <p:cond delay="0"/>
                                   </p:stCondLst>
@@ -15266,6 +17785,104 @@
                                     <p:set>
                                       <p:cBhvr>
                                         <p:cTn id="6" dur="1" fill="hold">
+                                          <p:stCondLst>
+                                            <p:cond delay="0"/>
+                                          </p:stCondLst>
+                                        </p:cTn>
+                                        <p:tgtEl>
+                                          <p:spTgt spid="3">
+                                            <p:txEl>
+                                              <p:pRg st="1" end="1"/>
+                                            </p:txEl>
+                                          </p:spTgt>
+                                        </p:tgtEl>
+                                        <p:attrNameLst>
+                                          <p:attrName>style.visibility</p:attrName>
+                                        </p:attrNameLst>
+                                      </p:cBhvr>
+                                      <p:to>
+                                        <p:strVal val="visible"/>
+                                      </p:to>
+                                    </p:set>
+                                  </p:childTnLst>
+                                </p:cTn>
+                              </p:par>
+                            </p:childTnLst>
+                          </p:cTn>
+                        </p:par>
+                      </p:childTnLst>
+                    </p:cTn>
+                  </p:par>
+                  <p:par>
+                    <p:cTn id="7" fill="hold">
+                      <p:stCondLst>
+                        <p:cond delay="indefinite"/>
+                      </p:stCondLst>
+                      <p:childTnLst>
+                        <p:par>
+                          <p:cTn id="8" fill="hold">
+                            <p:stCondLst>
+                              <p:cond delay="0"/>
+                            </p:stCondLst>
+                            <p:childTnLst>
+                              <p:par>
+                                <p:cTn id="9" presetID="1" presetClass="entr" presetSubtype="0" fill="hold" nodeType="clickEffect">
+                                  <p:stCondLst>
+                                    <p:cond delay="0"/>
+                                  </p:stCondLst>
+                                  <p:childTnLst>
+                                    <p:set>
+                                      <p:cBhvr>
+                                        <p:cTn id="10" dur="1" fill="hold">
+                                          <p:stCondLst>
+                                            <p:cond delay="0"/>
+                                          </p:stCondLst>
+                                        </p:cTn>
+                                        <p:tgtEl>
+                                          <p:spTgt spid="3">
+                                            <p:txEl>
+                                              <p:pRg st="2" end="2"/>
+                                            </p:txEl>
+                                          </p:spTgt>
+                                        </p:tgtEl>
+                                        <p:attrNameLst>
+                                          <p:attrName>style.visibility</p:attrName>
+                                        </p:attrNameLst>
+                                      </p:cBhvr>
+                                      <p:to>
+                                        <p:strVal val="visible"/>
+                                      </p:to>
+                                    </p:set>
+                                  </p:childTnLst>
+                                </p:cTn>
+                              </p:par>
+                            </p:childTnLst>
+                          </p:cTn>
+                        </p:par>
+                      </p:childTnLst>
+                    </p:cTn>
+                  </p:par>
+                  <p:par>
+                    <p:cTn id="11" fill="hold">
+                      <p:stCondLst>
+                        <p:cond delay="indefinite"/>
+                      </p:stCondLst>
+                      <p:childTnLst>
+                        <p:par>
+                          <p:cTn id="12" fill="hold">
+                            <p:stCondLst>
+                              <p:cond delay="0"/>
+                            </p:stCondLst>
+                            <p:childTnLst>
+                              <p:par>
+                                <p:cTn id="13" presetID="1" presetClass="entr" presetSubtype="0" fill="hold" nodeType="clickEffect">
+                                  <p:stCondLst>
+                                    <p:cond delay="0"/>
+                                  </p:stCondLst>
+                                  <p:childTnLst>
+                                    <p:set>
+                                      <p:cBhvr>
+                                        <p:cTn id="14" dur="1" fill="hold">
                                           <p:stCondLst>
                                             <p:cond delay="0"/>
                                           </p:stCondLst>
@@ -15285,18 +17902,6 @@
                                         <p:strVal val="visible"/>
                                       </p:to>
                                     </p:set>
-                                    <p:animEffect transition="in" filter="fade">
-                                      <p:cBhvr>
-                                        <p:cTn id="7" dur="500"/>
-                                        <p:tgtEl>
-                                          <p:spTgt spid="3">
-                                            <p:txEl>
-                                              <p:pRg st="3" end="3"/>
-                                            </p:txEl>
-                                          </p:spTgt>
-                                        </p:tgtEl>
-                                      </p:cBhvr>
-                                    </p:animEffect>
                                   </p:childTnLst>
                                 </p:cTn>
                               </p:par>
@@ -15307,26 +17912,26 @@
                     </p:cTn>
                   </p:par>
                   <p:par>
-                    <p:cTn id="8" fill="hold">
+                    <p:cTn id="15" fill="hold">
                       <p:stCondLst>
                         <p:cond delay="indefinite"/>
                       </p:stCondLst>
                       <p:childTnLst>
                         <p:par>
-                          <p:cTn id="9" fill="hold">
+                          <p:cTn id="16" fill="hold">
                             <p:stCondLst>
                               <p:cond delay="0"/>
                             </p:stCondLst>
                             <p:childTnLst>
                               <p:par>
-                                <p:cTn id="10" presetID="10" presetClass="entr" presetSubtype="0" fill="hold" nodeType="clickEffect">
+                                <p:cTn id="17" presetID="1" presetClass="entr" presetSubtype="0" fill="hold" nodeType="clickEffect">
                                   <p:stCondLst>
                                     <p:cond delay="0"/>
                                   </p:stCondLst>
                                   <p:childTnLst>
                                     <p:set>
                                       <p:cBhvr>
-                                        <p:cTn id="11" dur="1" fill="hold">
+                                        <p:cTn id="18" dur="1" fill="hold">
                                           <p:stCondLst>
                                             <p:cond delay="0"/>
                                           </p:stCondLst>
@@ -15337,631 +17942,6 @@
                                               <p:pRg st="4" end="4"/>
                                             </p:txEl>
                                           </p:spTgt>
-                                        </p:tgtEl>
-                                        <p:attrNameLst>
-                                          <p:attrName>style.visibility</p:attrName>
-                                        </p:attrNameLst>
-                                      </p:cBhvr>
-                                      <p:to>
-                                        <p:strVal val="visible"/>
-                                      </p:to>
-                                    </p:set>
-                                    <p:animEffect transition="in" filter="fade">
-                                      <p:cBhvr>
-                                        <p:cTn id="12" dur="500"/>
-                                        <p:tgtEl>
-                                          <p:spTgt spid="3">
-                                            <p:txEl>
-                                              <p:pRg st="4" end="4"/>
-                                            </p:txEl>
-                                          </p:spTgt>
-                                        </p:tgtEl>
-                                      </p:cBhvr>
-                                    </p:animEffect>
-                                  </p:childTnLst>
-                                </p:cTn>
-                              </p:par>
-                            </p:childTnLst>
-                          </p:cTn>
-                        </p:par>
-                      </p:childTnLst>
-                    </p:cTn>
-                  </p:par>
-                  <p:par>
-                    <p:cTn id="13" fill="hold">
-                      <p:stCondLst>
-                        <p:cond delay="indefinite"/>
-                      </p:stCondLst>
-                      <p:childTnLst>
-                        <p:par>
-                          <p:cTn id="14" fill="hold">
-                            <p:stCondLst>
-                              <p:cond delay="0"/>
-                            </p:stCondLst>
-                            <p:childTnLst>
-                              <p:par>
-                                <p:cTn id="15" presetID="10" presetClass="entr" presetSubtype="0" fill="hold" nodeType="clickEffect">
-                                  <p:stCondLst>
-                                    <p:cond delay="0"/>
-                                  </p:stCondLst>
-                                  <p:childTnLst>
-                                    <p:set>
-                                      <p:cBhvr>
-                                        <p:cTn id="16" dur="1" fill="hold">
-                                          <p:stCondLst>
-                                            <p:cond delay="0"/>
-                                          </p:stCondLst>
-                                        </p:cTn>
-                                        <p:tgtEl>
-                                          <p:spTgt spid="3">
-                                            <p:txEl>
-                                              <p:pRg st="5" end="5"/>
-                                            </p:txEl>
-                                          </p:spTgt>
-                                        </p:tgtEl>
-                                        <p:attrNameLst>
-                                          <p:attrName>style.visibility</p:attrName>
-                                        </p:attrNameLst>
-                                      </p:cBhvr>
-                                      <p:to>
-                                        <p:strVal val="visible"/>
-                                      </p:to>
-                                    </p:set>
-                                    <p:animEffect transition="in" filter="fade">
-                                      <p:cBhvr>
-                                        <p:cTn id="17" dur="500"/>
-                                        <p:tgtEl>
-                                          <p:spTgt spid="3">
-                                            <p:txEl>
-                                              <p:pRg st="5" end="5"/>
-                                            </p:txEl>
-                                          </p:spTgt>
-                                        </p:tgtEl>
-                                      </p:cBhvr>
-                                    </p:animEffect>
-                                  </p:childTnLst>
-                                </p:cTn>
-                              </p:par>
-                            </p:childTnLst>
-                          </p:cTn>
-                        </p:par>
-                      </p:childTnLst>
-                    </p:cTn>
-                  </p:par>
-                  <p:par>
-                    <p:cTn id="18" fill="hold">
-                      <p:stCondLst>
-                        <p:cond delay="indefinite"/>
-                      </p:stCondLst>
-                      <p:childTnLst>
-                        <p:par>
-                          <p:cTn id="19" fill="hold">
-                            <p:stCondLst>
-                              <p:cond delay="0"/>
-                            </p:stCondLst>
-                            <p:childTnLst>
-                              <p:par>
-                                <p:cTn id="20" presetID="10" presetClass="entr" presetSubtype="0" fill="hold" nodeType="clickEffect">
-                                  <p:stCondLst>
-                                    <p:cond delay="0"/>
-                                  </p:stCondLst>
-                                  <p:childTnLst>
-                                    <p:set>
-                                      <p:cBhvr>
-                                        <p:cTn id="21" dur="1" fill="hold">
-                                          <p:stCondLst>
-                                            <p:cond delay="0"/>
-                                          </p:stCondLst>
-                                        </p:cTn>
-                                        <p:tgtEl>
-                                          <p:spTgt spid="3">
-                                            <p:txEl>
-                                              <p:pRg st="6" end="6"/>
-                                            </p:txEl>
-                                          </p:spTgt>
-                                        </p:tgtEl>
-                                        <p:attrNameLst>
-                                          <p:attrName>style.visibility</p:attrName>
-                                        </p:attrNameLst>
-                                      </p:cBhvr>
-                                      <p:to>
-                                        <p:strVal val="visible"/>
-                                      </p:to>
-                                    </p:set>
-                                    <p:animEffect transition="in" filter="fade">
-                                      <p:cBhvr>
-                                        <p:cTn id="22" dur="500"/>
-                                        <p:tgtEl>
-                                          <p:spTgt spid="3">
-                                            <p:txEl>
-                                              <p:pRg st="6" end="6"/>
-                                            </p:txEl>
-                                          </p:spTgt>
-                                        </p:tgtEl>
-                                      </p:cBhvr>
-                                    </p:animEffect>
-                                  </p:childTnLst>
-                                </p:cTn>
-                              </p:par>
-                            </p:childTnLst>
-                          </p:cTn>
-                        </p:par>
-                      </p:childTnLst>
-                    </p:cTn>
-                  </p:par>
-                  <p:par>
-                    <p:cTn id="23" fill="hold">
-                      <p:stCondLst>
-                        <p:cond delay="indefinite"/>
-                      </p:stCondLst>
-                      <p:childTnLst>
-                        <p:par>
-                          <p:cTn id="24" fill="hold">
-                            <p:stCondLst>
-                              <p:cond delay="0"/>
-                            </p:stCondLst>
-                            <p:childTnLst>
-                              <p:par>
-                                <p:cTn id="25" presetID="10" presetClass="entr" presetSubtype="0" fill="hold" nodeType="clickEffect">
-                                  <p:stCondLst>
-                                    <p:cond delay="0"/>
-                                  </p:stCondLst>
-                                  <p:childTnLst>
-                                    <p:set>
-                                      <p:cBhvr>
-                                        <p:cTn id="26" dur="1" fill="hold">
-                                          <p:stCondLst>
-                                            <p:cond delay="0"/>
-                                          </p:stCondLst>
-                                        </p:cTn>
-                                        <p:tgtEl>
-                                          <p:spTgt spid="3">
-                                            <p:txEl>
-                                              <p:pRg st="7" end="7"/>
-                                            </p:txEl>
-                                          </p:spTgt>
-                                        </p:tgtEl>
-                                        <p:attrNameLst>
-                                          <p:attrName>style.visibility</p:attrName>
-                                        </p:attrNameLst>
-                                      </p:cBhvr>
-                                      <p:to>
-                                        <p:strVal val="visible"/>
-                                      </p:to>
-                                    </p:set>
-                                    <p:animEffect transition="in" filter="fade">
-                                      <p:cBhvr>
-                                        <p:cTn id="27" dur="500"/>
-                                        <p:tgtEl>
-                                          <p:spTgt spid="3">
-                                            <p:txEl>
-                                              <p:pRg st="7" end="7"/>
-                                            </p:txEl>
-                                          </p:spTgt>
-                                        </p:tgtEl>
-                                      </p:cBhvr>
-                                    </p:animEffect>
-                                  </p:childTnLst>
-                                </p:cTn>
-                              </p:par>
-                            </p:childTnLst>
-                          </p:cTn>
-                        </p:par>
-                      </p:childTnLst>
-                    </p:cTn>
-                  </p:par>
-                  <p:par>
-                    <p:cTn id="28" fill="hold">
-                      <p:stCondLst>
-                        <p:cond delay="indefinite"/>
-                      </p:stCondLst>
-                      <p:childTnLst>
-                        <p:par>
-                          <p:cTn id="29" fill="hold">
-                            <p:stCondLst>
-                              <p:cond delay="0"/>
-                            </p:stCondLst>
-                            <p:childTnLst>
-                              <p:par>
-                                <p:cTn id="30" presetID="10" presetClass="entr" presetSubtype="0" fill="hold" nodeType="clickEffect">
-                                  <p:stCondLst>
-                                    <p:cond delay="0"/>
-                                  </p:stCondLst>
-                                  <p:childTnLst>
-                                    <p:set>
-                                      <p:cBhvr>
-                                        <p:cTn id="31" dur="1" fill="hold">
-                                          <p:stCondLst>
-                                            <p:cond delay="0"/>
-                                          </p:stCondLst>
-                                        </p:cTn>
-                                        <p:tgtEl>
-                                          <p:spTgt spid="3">
-                                            <p:txEl>
-                                              <p:pRg st="8" end="8"/>
-                                            </p:txEl>
-                                          </p:spTgt>
-                                        </p:tgtEl>
-                                        <p:attrNameLst>
-                                          <p:attrName>style.visibility</p:attrName>
-                                        </p:attrNameLst>
-                                      </p:cBhvr>
-                                      <p:to>
-                                        <p:strVal val="visible"/>
-                                      </p:to>
-                                    </p:set>
-                                    <p:animEffect transition="in" filter="fade">
-                                      <p:cBhvr>
-                                        <p:cTn id="32" dur="500"/>
-                                        <p:tgtEl>
-                                          <p:spTgt spid="3">
-                                            <p:txEl>
-                                              <p:pRg st="8" end="8"/>
-                                            </p:txEl>
-                                          </p:spTgt>
-                                        </p:tgtEl>
-                                      </p:cBhvr>
-                                    </p:animEffect>
-                                  </p:childTnLst>
-                                </p:cTn>
-                              </p:par>
-                            </p:childTnLst>
-                          </p:cTn>
-                        </p:par>
-                      </p:childTnLst>
-                    </p:cTn>
-                  </p:par>
-                  <p:par>
-                    <p:cTn id="33" fill="hold">
-                      <p:stCondLst>
-                        <p:cond delay="indefinite"/>
-                      </p:stCondLst>
-                      <p:childTnLst>
-                        <p:par>
-                          <p:cTn id="34" fill="hold">
-                            <p:stCondLst>
-                              <p:cond delay="0"/>
-                            </p:stCondLst>
-                            <p:childTnLst>
-                              <p:par>
-                                <p:cTn id="35" presetID="10" presetClass="entr" presetSubtype="0" fill="hold" nodeType="clickEffect">
-                                  <p:stCondLst>
-                                    <p:cond delay="0"/>
-                                  </p:stCondLst>
-                                  <p:childTnLst>
-                                    <p:set>
-                                      <p:cBhvr>
-                                        <p:cTn id="36" dur="1" fill="hold">
-                                          <p:stCondLst>
-                                            <p:cond delay="0"/>
-                                          </p:stCondLst>
-                                        </p:cTn>
-                                        <p:tgtEl>
-                                          <p:spTgt spid="3">
-                                            <p:txEl>
-                                              <p:pRg st="9" end="9"/>
-                                            </p:txEl>
-                                          </p:spTgt>
-                                        </p:tgtEl>
-                                        <p:attrNameLst>
-                                          <p:attrName>style.visibility</p:attrName>
-                                        </p:attrNameLst>
-                                      </p:cBhvr>
-                                      <p:to>
-                                        <p:strVal val="visible"/>
-                                      </p:to>
-                                    </p:set>
-                                    <p:animEffect transition="in" filter="fade">
-                                      <p:cBhvr>
-                                        <p:cTn id="37" dur="500"/>
-                                        <p:tgtEl>
-                                          <p:spTgt spid="3">
-                                            <p:txEl>
-                                              <p:pRg st="9" end="9"/>
-                                            </p:txEl>
-                                          </p:spTgt>
-                                        </p:tgtEl>
-                                      </p:cBhvr>
-                                    </p:animEffect>
-                                  </p:childTnLst>
-                                </p:cTn>
-                              </p:par>
-                            </p:childTnLst>
-                          </p:cTn>
-                        </p:par>
-                      </p:childTnLst>
-                    </p:cTn>
-                  </p:par>
-                </p:childTnLst>
-              </p:cTn>
-              <p:prevCondLst>
-                <p:cond evt="onPrev" delay="0">
-                  <p:tgtEl>
-                    <p:sldTgt/>
-                  </p:tgtEl>
-                </p:cond>
-              </p:prevCondLst>
-              <p:nextCondLst>
-                <p:cond evt="onNext" delay="0">
-                  <p:tgtEl>
-                    <p:sldTgt/>
-                  </p:tgtEl>
-                </p:cond>
-              </p:nextCondLst>
-            </p:seq>
-          </p:childTnLst>
-        </p:cTn>
-      </p:par>
-    </p:tnLst>
-  </p:timing>
-</p:sld>
-</file>
-
-<file path=ppt/slides/slide18.xml><?xml version="1.0" encoding="utf-8"?>
-<p:sld xmlns:a="http://schemas.openxmlformats.org/drawingml/2006/main" xmlns:r="http://schemas.openxmlformats.org/officeDocument/2006/relationships" xmlns:p="http://schemas.openxmlformats.org/presentationml/2006/main">
-  <p:cSld>
-    <p:spTree>
-      <p:nvGrpSpPr>
-        <p:cNvPr id="1" name=""/>
-        <p:cNvGrpSpPr/>
-        <p:nvPr/>
-      </p:nvGrpSpPr>
-      <p:grpSpPr>
-        <a:xfrm>
-          <a:off x="0" y="0"/>
-          <a:ext cx="0" cy="0"/>
-          <a:chOff x="0" y="0"/>
-          <a:chExt cx="0" cy="0"/>
-        </a:xfrm>
-      </p:grpSpPr>
-      <p:pic>
-        <p:nvPicPr>
-          <p:cNvPr id="6" name="Picture 5"/>
-          <p:cNvPicPr>
-            <a:picLocks noChangeAspect="1"/>
-          </p:cNvPicPr>
-          <p:nvPr/>
-        </p:nvPicPr>
-        <p:blipFill rotWithShape="1">
-          <a:blip r:embed="rId3"/>
-          <a:srcRect l="51037" r="-181"/>
-          <a:stretch/>
-        </p:blipFill>
-        <p:spPr>
-          <a:xfrm>
-            <a:off x="7603092" y="3754807"/>
-            <a:ext cx="2026472" cy="2113374"/>
-          </a:xfrm>
-          <a:prstGeom prst="rect">
-            <a:avLst/>
-          </a:prstGeom>
-        </p:spPr>
-      </p:pic>
-      <p:pic>
-        <p:nvPicPr>
-          <p:cNvPr id="4" name="Picture 3"/>
-          <p:cNvPicPr>
-            <a:picLocks noChangeAspect="1"/>
-          </p:cNvPicPr>
-          <p:nvPr/>
-        </p:nvPicPr>
-        <p:blipFill rotWithShape="1">
-          <a:blip r:embed="rId3"/>
-          <a:srcRect r="47708"/>
-          <a:stretch/>
-        </p:blipFill>
-        <p:spPr>
-          <a:xfrm>
-            <a:off x="8229600" y="1949824"/>
-            <a:ext cx="1745428" cy="1710641"/>
-          </a:xfrm>
-          <a:prstGeom prst="rect">
-            <a:avLst/>
-          </a:prstGeom>
-        </p:spPr>
-      </p:pic>
-      <p:pic>
-        <p:nvPicPr>
-          <p:cNvPr id="8" name="Picture 7"/>
-          <p:cNvPicPr>
-            <a:picLocks noChangeAspect="1"/>
-          </p:cNvPicPr>
-          <p:nvPr/>
-        </p:nvPicPr>
-        <p:blipFill rotWithShape="1">
-          <a:blip r:embed="rId3">
-            <a:extLst>
-              <a:ext uri="{BEBA8EAE-BF5A-486C-A8C5-ECC9F3942E4B}">
-                <a14:imgProps xmlns:a14="http://schemas.microsoft.com/office/drawing/2010/main">
-                  <a14:imgLayer r:embed="rId4">
-                    <a14:imgEffect>
-                      <a14:backgroundRemoval t="12652" b="92784" l="9924" r="92366">
-                        <a14:foregroundMark x1="82165" y1="25492" x2="82165" y2="25492"/>
-                        <a14:foregroundMark x1="79944" y1="27648" x2="79944" y2="27648"/>
-                        <a14:foregroundMark x1="84316" y1="27460" x2="84316" y2="27460"/>
-                        <a14:foregroundMark x1="87647" y1="27835" x2="87647" y2="27835"/>
-                        <a14:foregroundMark x1="85913" y1="28866" x2="85913" y2="28866"/>
-                        <a14:foregroundMark x1="90632" y1="27460" x2="90632" y2="27460"/>
-                        <a14:backgroundMark x1="81055" y1="28304" x2="81055" y2="28304"/>
-                      </a14:backgroundRemoval>
-                    </a14:imgEffect>
-                  </a14:imgLayer>
-                </a14:imgProps>
-              </a:ext>
-            </a:extLst>
-          </a:blip>
-          <a:srcRect t="11259" b="4592"/>
-          <a:stretch/>
-        </p:blipFill>
-        <p:spPr>
-          <a:xfrm>
-            <a:off x="1127454" y="1949824"/>
-            <a:ext cx="6156238" cy="3835840"/>
-          </a:xfrm>
-          <a:prstGeom prst="rect">
-            <a:avLst/>
-          </a:prstGeom>
-        </p:spPr>
-      </p:pic>
-      <p:sp>
-        <p:nvSpPr>
-          <p:cNvPr id="9" name="Rectangle 8"/>
-          <p:cNvSpPr/>
-          <p:nvPr/>
-        </p:nvSpPr>
-        <p:spPr>
-          <a:xfrm>
-            <a:off x="838200" y="152821"/>
-            <a:ext cx="10134599" cy="1200329"/>
-          </a:xfrm>
-          <a:prstGeom prst="rect">
-            <a:avLst/>
-          </a:prstGeom>
-        </p:spPr>
-        <p:txBody>
-          <a:bodyPr wrap="square">
-            <a:spAutoFit/>
-          </a:bodyPr>
-          <a:lstStyle/>
-          <a:p>
-            <a:pPr algn="ctr"/>
-            <a:r>
-              <a:rPr lang="en-US" sz="3600" dirty="0">
-                <a:latin typeface="+mj-lt"/>
-              </a:rPr>
-              <a:t>An earlier success instance: microprocessor industry and supporting design automation tools </a:t>
-            </a:r>
-          </a:p>
-        </p:txBody>
-      </p:sp>
-      <p:sp>
-        <p:nvSpPr>
-          <p:cNvPr id="10" name="Rectangle 9"/>
-          <p:cNvSpPr/>
-          <p:nvPr/>
-        </p:nvSpPr>
-        <p:spPr>
-          <a:xfrm>
-            <a:off x="7435986" y="3754809"/>
-            <a:ext cx="3059235" cy="316369"/>
-          </a:xfrm>
-          <a:prstGeom prst="rect">
-            <a:avLst/>
-          </a:prstGeom>
-        </p:spPr>
-        <p:txBody>
-          <a:bodyPr wrap="none">
-            <a:spAutoFit/>
-          </a:bodyPr>
-          <a:lstStyle/>
-          <a:p>
-            <a:pPr algn="ctr"/>
-            <a:r>
-              <a:rPr lang="en-US" sz="1456" dirty="0"/>
-              <a:t>Electronic design automation industry</a:t>
-            </a:r>
-          </a:p>
-        </p:txBody>
-      </p:sp>
-    </p:spTree>
-    <p:extLst>
-      <p:ext uri="{BB962C8B-B14F-4D97-AF65-F5344CB8AC3E}">
-        <p14:creationId xmlns:p14="http://schemas.microsoft.com/office/powerpoint/2010/main" val="1789202139"/>
-      </p:ext>
-    </p:extLst>
-  </p:cSld>
-  <p:clrMapOvr>
-    <a:masterClrMapping/>
-  </p:clrMapOvr>
-  <p:timing>
-    <p:tnLst>
-      <p:par>
-        <p:cTn id="1" dur="indefinite" restart="never" nodeType="tmRoot">
-          <p:childTnLst>
-            <p:seq concurrent="1" nextAc="seek">
-              <p:cTn id="2" dur="indefinite" nodeType="mainSeq">
-                <p:childTnLst>
-                  <p:par>
-                    <p:cTn id="3" fill="hold">
-                      <p:stCondLst>
-                        <p:cond delay="indefinite"/>
-                      </p:stCondLst>
-                      <p:childTnLst>
-                        <p:par>
-                          <p:cTn id="4" fill="hold">
-                            <p:stCondLst>
-                              <p:cond delay="0"/>
-                            </p:stCondLst>
-                            <p:childTnLst>
-                              <p:par>
-                                <p:cTn id="5" presetID="1" presetClass="entr" presetSubtype="0" fill="hold" grpId="0" nodeType="clickEffect">
-                                  <p:stCondLst>
-                                    <p:cond delay="0"/>
-                                  </p:stCondLst>
-                                  <p:childTnLst>
-                                    <p:set>
-                                      <p:cBhvr>
-                                        <p:cTn id="6" dur="1" fill="hold">
-                                          <p:stCondLst>
-                                            <p:cond delay="0"/>
-                                          </p:stCondLst>
-                                        </p:cTn>
-                                        <p:tgtEl>
-                                          <p:spTgt spid="10"/>
-                                        </p:tgtEl>
-                                        <p:attrNameLst>
-                                          <p:attrName>style.visibility</p:attrName>
-                                        </p:attrNameLst>
-                                      </p:cBhvr>
-                                      <p:to>
-                                        <p:strVal val="visible"/>
-                                      </p:to>
-                                    </p:set>
-                                  </p:childTnLst>
-                                </p:cTn>
-                              </p:par>
-                              <p:par>
-                                <p:cTn id="7" presetID="1" presetClass="entr" presetSubtype="0" fill="hold" nodeType="withEffect">
-                                  <p:stCondLst>
-                                    <p:cond delay="0"/>
-                                  </p:stCondLst>
-                                  <p:childTnLst>
-                                    <p:set>
-                                      <p:cBhvr>
-                                        <p:cTn id="8" dur="1" fill="hold">
-                                          <p:stCondLst>
-                                            <p:cond delay="0"/>
-                                          </p:stCondLst>
-                                        </p:cTn>
-                                        <p:tgtEl>
-                                          <p:spTgt spid="4"/>
-                                        </p:tgtEl>
-                                        <p:attrNameLst>
-                                          <p:attrName>style.visibility</p:attrName>
-                                        </p:attrNameLst>
-                                      </p:cBhvr>
-                                      <p:to>
-                                        <p:strVal val="visible"/>
-                                      </p:to>
-                                    </p:set>
-                                  </p:childTnLst>
-                                </p:cTn>
-                              </p:par>
-                              <p:par>
-                                <p:cTn id="9" presetID="1" presetClass="entr" presetSubtype="0" fill="hold" nodeType="withEffect">
-                                  <p:stCondLst>
-                                    <p:cond delay="0"/>
-                                  </p:stCondLst>
-                                  <p:childTnLst>
-                                    <p:set>
-                                      <p:cBhvr>
-                                        <p:cTn id="10" dur="1" fill="hold">
-                                          <p:stCondLst>
-                                            <p:cond delay="0"/>
-                                          </p:stCondLst>
-                                        </p:cTn>
-                                        <p:tgtEl>
-                                          <p:spTgt spid="6"/>
                                         </p:tgtEl>
                                         <p:attrNameLst>
                                           <p:attrName>style.visibility</p:attrName>
@@ -16001,93 +17981,7 @@
         </p:cTn>
       </p:par>
     </p:tnLst>
-    <p:bldLst>
-      <p:bldP spid="10" grpId="0"/>
-    </p:bldLst>
   </p:timing>
-</p:sld>
-</file>
-
-<file path=ppt/slides/slide19.xml><?xml version="1.0" encoding="utf-8"?>
-<p:sld xmlns:a="http://schemas.openxmlformats.org/drawingml/2006/main" xmlns:r="http://schemas.openxmlformats.org/officeDocument/2006/relationships" xmlns:p="http://schemas.openxmlformats.org/presentationml/2006/main">
-  <p:cSld>
-    <p:spTree>
-      <p:nvGrpSpPr>
-        <p:cNvPr id="1" name=""/>
-        <p:cNvGrpSpPr/>
-        <p:nvPr/>
-      </p:nvGrpSpPr>
-      <p:grpSpPr>
-        <a:xfrm>
-          <a:off x="0" y="0"/>
-          <a:ext cx="0" cy="0"/>
-          <a:chOff x="0" y="0"/>
-          <a:chExt cx="0" cy="0"/>
-        </a:xfrm>
-      </p:grpSpPr>
-      <p:sp>
-        <p:nvSpPr>
-          <p:cNvPr id="2" name="Title 1">
-            <a:extLst>
-              <a:ext uri="{FF2B5EF4-FFF2-40B4-BE49-F238E27FC236}">
-                <a16:creationId xmlns:a16="http://schemas.microsoft.com/office/drawing/2014/main" id="{2071456B-284A-3A40-A70D-579F98E75082}"/>
-              </a:ext>
-            </a:extLst>
-          </p:cNvPr>
-          <p:cNvSpPr>
-            <a:spLocks noGrp="1"/>
-          </p:cNvSpPr>
-          <p:nvPr>
-            <p:ph type="title"/>
-          </p:nvPr>
-        </p:nvSpPr>
-        <p:spPr/>
-        <p:txBody>
-          <a:bodyPr/>
-          <a:lstStyle/>
-          <a:p>
-            <a:r>
-              <a:rPr lang="en-US" dirty="0"/>
-              <a:t>Administrivia</a:t>
-            </a:r>
-          </a:p>
-        </p:txBody>
-      </p:sp>
-      <p:sp>
-        <p:nvSpPr>
-          <p:cNvPr id="4" name="Text Placeholder 3">
-            <a:extLst>
-              <a:ext uri="{FF2B5EF4-FFF2-40B4-BE49-F238E27FC236}">
-                <a16:creationId xmlns:a16="http://schemas.microsoft.com/office/drawing/2014/main" id="{ACB4A33D-F999-4244-AE5D-DBF75A99C10D}"/>
-              </a:ext>
-            </a:extLst>
-          </p:cNvPr>
-          <p:cNvSpPr>
-            <a:spLocks noGrp="1"/>
-          </p:cNvSpPr>
-          <p:nvPr>
-            <p:ph type="body" idx="1"/>
-          </p:nvPr>
-        </p:nvSpPr>
-        <p:spPr/>
-        <p:txBody>
-          <a:bodyPr/>
-          <a:lstStyle/>
-          <a:p>
-            <a:endParaRPr lang="en-US" dirty="0"/>
-          </a:p>
-        </p:txBody>
-      </p:sp>
-    </p:spTree>
-    <p:extLst>
-      <p:ext uri="{BB962C8B-B14F-4D97-AF65-F5344CB8AC3E}">
-        <p14:creationId xmlns:p14="http://schemas.microsoft.com/office/powerpoint/2010/main" val="2555337425"/>
-      </p:ext>
-    </p:extLst>
-  </p:cSld>
-  <p:clrMapOvr>
-    <a:masterClrMapping/>
-  </p:clrMapOvr>
 </p:sld>
 </file>
 
@@ -16165,6 +18059,181 @@
     <p:extLst>
       <p:ext uri="{BB962C8B-B14F-4D97-AF65-F5344CB8AC3E}">
         <p14:creationId xmlns:p14="http://schemas.microsoft.com/office/powerpoint/2010/main" val="1283855411"/>
+      </p:ext>
+    </p:extLst>
+  </p:cSld>
+  <p:clrMapOvr>
+    <a:masterClrMapping/>
+  </p:clrMapOvr>
+</p:sld>
+</file>
+
+<file path=ppt/slides/slide20.xml><?xml version="1.0" encoding="utf-8"?>
+<p:sld xmlns:a="http://schemas.openxmlformats.org/drawingml/2006/main" xmlns:r="http://schemas.openxmlformats.org/officeDocument/2006/relationships" xmlns:p="http://schemas.openxmlformats.org/presentationml/2006/main">
+  <p:cSld>
+    <p:spTree>
+      <p:nvGrpSpPr>
+        <p:cNvPr id="1" name=""/>
+        <p:cNvGrpSpPr/>
+        <p:nvPr/>
+      </p:nvGrpSpPr>
+      <p:grpSpPr>
+        <a:xfrm>
+          <a:off x="0" y="0"/>
+          <a:ext cx="0" cy="0"/>
+          <a:chOff x="0" y="0"/>
+          <a:chExt cx="0" cy="0"/>
+        </a:xfrm>
+      </p:grpSpPr>
+      <p:sp>
+        <p:nvSpPr>
+          <p:cNvPr id="2" name="Title 1">
+            <a:extLst>
+              <a:ext uri="{FF2B5EF4-FFF2-40B4-BE49-F238E27FC236}">
+                <a16:creationId xmlns:a16="http://schemas.microsoft.com/office/drawing/2014/main" id="{2071456B-284A-3A40-A70D-579F98E75082}"/>
+              </a:ext>
+            </a:extLst>
+          </p:cNvPr>
+          <p:cNvSpPr>
+            <a:spLocks noGrp="1"/>
+          </p:cNvSpPr>
+          <p:nvPr>
+            <p:ph type="title"/>
+          </p:nvPr>
+        </p:nvSpPr>
+        <p:spPr/>
+        <p:txBody>
+          <a:bodyPr/>
+          <a:lstStyle/>
+          <a:p>
+            <a:r>
+              <a:rPr lang="en-US" dirty="0"/>
+              <a:t>Administrivia</a:t>
+            </a:r>
+          </a:p>
+        </p:txBody>
+      </p:sp>
+      <p:sp>
+        <p:nvSpPr>
+          <p:cNvPr id="4" name="Text Placeholder 3">
+            <a:extLst>
+              <a:ext uri="{FF2B5EF4-FFF2-40B4-BE49-F238E27FC236}">
+                <a16:creationId xmlns:a16="http://schemas.microsoft.com/office/drawing/2014/main" id="{ACB4A33D-F999-4244-AE5D-DBF75A99C10D}"/>
+              </a:ext>
+            </a:extLst>
+          </p:cNvPr>
+          <p:cNvSpPr>
+            <a:spLocks noGrp="1"/>
+          </p:cNvSpPr>
+          <p:nvPr>
+            <p:ph type="body" idx="1"/>
+          </p:nvPr>
+        </p:nvSpPr>
+        <p:spPr/>
+        <p:txBody>
+          <a:bodyPr/>
+          <a:lstStyle/>
+          <a:p>
+            <a:r>
+              <a:rPr lang="en-US" dirty="0"/>
+              <a:t>How the course works</a:t>
+            </a:r>
+          </a:p>
+        </p:txBody>
+      </p:sp>
+    </p:spTree>
+    <p:extLst>
+      <p:ext uri="{BB962C8B-B14F-4D97-AF65-F5344CB8AC3E}">
+        <p14:creationId xmlns:p14="http://schemas.microsoft.com/office/powerpoint/2010/main" val="2555337425"/>
+      </p:ext>
+    </p:extLst>
+  </p:cSld>
+  <p:clrMapOvr>
+    <a:masterClrMapping/>
+  </p:clrMapOvr>
+</p:sld>
+</file>
+
+<file path=ppt/slides/slide21.xml><?xml version="1.0" encoding="utf-8"?>
+<p:sld xmlns:a="http://schemas.openxmlformats.org/drawingml/2006/main" xmlns:r="http://schemas.openxmlformats.org/officeDocument/2006/relationships" xmlns:p="http://schemas.openxmlformats.org/presentationml/2006/main">
+  <p:cSld>
+    <p:spTree>
+      <p:nvGrpSpPr>
+        <p:cNvPr id="1" name=""/>
+        <p:cNvGrpSpPr/>
+        <p:nvPr/>
+      </p:nvGrpSpPr>
+      <p:grpSpPr>
+        <a:xfrm>
+          <a:off x="0" y="0"/>
+          <a:ext cx="0" cy="0"/>
+          <a:chOff x="0" y="0"/>
+          <a:chExt cx="0" cy="0"/>
+        </a:xfrm>
+      </p:grpSpPr>
+      <p:sp>
+        <p:nvSpPr>
+          <p:cNvPr id="4" name="Title 3">
+            <a:extLst>
+              <a:ext uri="{FF2B5EF4-FFF2-40B4-BE49-F238E27FC236}">
+                <a16:creationId xmlns:a16="http://schemas.microsoft.com/office/drawing/2014/main" id="{3FC053B0-9A95-1A4F-AE42-119B58BB3EC8}"/>
+              </a:ext>
+            </a:extLst>
+          </p:cNvPr>
+          <p:cNvSpPr>
+            <a:spLocks noGrp="1"/>
+          </p:cNvSpPr>
+          <p:nvPr>
+            <p:ph type="title"/>
+          </p:nvPr>
+        </p:nvSpPr>
+        <p:spPr/>
+        <p:txBody>
+          <a:bodyPr/>
+          <a:lstStyle/>
+          <a:p>
+            <a:r>
+              <a:rPr lang="en-US" dirty="0"/>
+              <a:t>Illinois 2019 Edition</a:t>
+            </a:r>
+          </a:p>
+        </p:txBody>
+      </p:sp>
+      <p:sp>
+        <p:nvSpPr>
+          <p:cNvPr id="5" name="Content Placeholder 4">
+            <a:extLst>
+              <a:ext uri="{FF2B5EF4-FFF2-40B4-BE49-F238E27FC236}">
+                <a16:creationId xmlns:a16="http://schemas.microsoft.com/office/drawing/2014/main" id="{23AAFFC3-3722-F742-A31B-22462B0BA5B0}"/>
+              </a:ext>
+            </a:extLst>
+          </p:cNvPr>
+          <p:cNvSpPr>
+            <a:spLocks noGrp="1"/>
+          </p:cNvSpPr>
+          <p:nvPr>
+            <p:ph idx="1"/>
+          </p:nvPr>
+        </p:nvSpPr>
+        <p:spPr/>
+        <p:txBody>
+          <a:bodyPr/>
+          <a:lstStyle/>
+          <a:p>
+            <a:r>
+              <a:rPr lang="en-US" dirty="0">
+                <a:hlinkClick r:id="rId2"/>
+              </a:rPr>
+              <a:t>https://wiki.illinois.edu/wiki/pages/viewpage.action?pageId=642598908</a:t>
+            </a:r>
+            <a:endParaRPr lang="en-US" dirty="0"/>
+          </a:p>
+        </p:txBody>
+      </p:sp>
+    </p:spTree>
+    <p:extLst>
+      <p:ext uri="{BB962C8B-B14F-4D97-AF65-F5344CB8AC3E}">
+        <p14:creationId xmlns:p14="http://schemas.microsoft.com/office/powerpoint/2010/main" val="2405432329"/>
       </p:ext>
     </p:extLst>
   </p:cSld>
@@ -17116,6 +19185,81 @@
       <p:transition spd="slow" advTm="1231"/>
     </mc:Fallback>
   </mc:AlternateContent>
+  <p:timing>
+    <p:tnLst>
+      <p:par>
+        <p:cTn id="1" dur="indefinite" restart="never" nodeType="tmRoot">
+          <p:childTnLst>
+            <p:seq concurrent="1" nextAc="seek">
+              <p:cTn id="2" dur="indefinite" nodeType="mainSeq">
+                <p:childTnLst>
+                  <p:par>
+                    <p:cTn id="3" fill="hold">
+                      <p:stCondLst>
+                        <p:cond delay="indefinite"/>
+                      </p:stCondLst>
+                      <p:childTnLst>
+                        <p:par>
+                          <p:cTn id="4" fill="hold">
+                            <p:stCondLst>
+                              <p:cond delay="0"/>
+                            </p:stCondLst>
+                            <p:childTnLst>
+                              <p:par>
+                                <p:cTn id="5" presetID="1" presetClass="entr" presetSubtype="0" fill="hold" nodeType="clickEffect">
+                                  <p:stCondLst>
+                                    <p:cond delay="0"/>
+                                  </p:stCondLst>
+                                  <p:childTnLst>
+                                    <p:set>
+                                      <p:cBhvr>
+                                        <p:cTn id="6" dur="1" fill="hold">
+                                          <p:stCondLst>
+                                            <p:cond delay="0"/>
+                                          </p:stCondLst>
+                                        </p:cTn>
+                                        <p:tgtEl>
+                                          <p:spTgt spid="52"/>
+                                        </p:tgtEl>
+                                        <p:attrNameLst>
+                                          <p:attrName>style.visibility</p:attrName>
+                                        </p:attrNameLst>
+                                      </p:cBhvr>
+                                      <p:to>
+                                        <p:strVal val="visible"/>
+                                      </p:to>
+                                    </p:set>
+                                  </p:childTnLst>
+                                </p:cTn>
+                              </p:par>
+                            </p:childTnLst>
+                          </p:cTn>
+                        </p:par>
+                      </p:childTnLst>
+                    </p:cTn>
+                  </p:par>
+                </p:childTnLst>
+              </p:cTn>
+              <p:prevCondLst>
+                <p:cond evt="onPrev" delay="0">
+                  <p:tgtEl>
+                    <p:sldTgt/>
+                  </p:tgtEl>
+                </p:cond>
+              </p:prevCondLst>
+              <p:nextCondLst>
+                <p:cond evt="onNext" delay="0">
+                  <p:tgtEl>
+                    <p:sldTgt/>
+                  </p:tgtEl>
+                </p:cond>
+              </p:nextCondLst>
+            </p:seq>
+          </p:childTnLst>
+        </p:cTn>
+      </p:par>
+    </p:tnLst>
+  </p:timing>
 </p:sld>
 </file>
 
@@ -18441,6 +20585,314 @@
   <p:clrMapOvr>
     <a:masterClrMapping/>
   </p:clrMapOvr>
+  <p:timing>
+    <p:tnLst>
+      <p:par>
+        <p:cTn id="1" dur="indefinite" restart="never" nodeType="tmRoot">
+          <p:childTnLst>
+            <p:seq concurrent="1" nextAc="seek">
+              <p:cTn id="2" dur="indefinite" nodeType="mainSeq">
+                <p:childTnLst>
+                  <p:par>
+                    <p:cTn id="3" fill="hold">
+                      <p:stCondLst>
+                        <p:cond delay="indefinite"/>
+                      </p:stCondLst>
+                      <p:childTnLst>
+                        <p:par>
+                          <p:cTn id="4" fill="hold">
+                            <p:stCondLst>
+                              <p:cond delay="0"/>
+                            </p:stCondLst>
+                            <p:childTnLst>
+                              <p:par>
+                                <p:cTn id="5" presetID="1" presetClass="entr" presetSubtype="0" fill="hold" grpId="0" nodeType="clickEffect">
+                                  <p:stCondLst>
+                                    <p:cond delay="0"/>
+                                  </p:stCondLst>
+                                  <p:childTnLst>
+                                    <p:set>
+                                      <p:cBhvr>
+                                        <p:cTn id="6" dur="1" fill="hold">
+                                          <p:stCondLst>
+                                            <p:cond delay="0"/>
+                                          </p:stCondLst>
+                                        </p:cTn>
+                                        <p:tgtEl>
+                                          <p:spTgt spid="20"/>
+                                        </p:tgtEl>
+                                        <p:attrNameLst>
+                                          <p:attrName>style.visibility</p:attrName>
+                                        </p:attrNameLst>
+                                      </p:cBhvr>
+                                      <p:to>
+                                        <p:strVal val="visible"/>
+                                      </p:to>
+                                    </p:set>
+                                  </p:childTnLst>
+                                </p:cTn>
+                              </p:par>
+                            </p:childTnLst>
+                          </p:cTn>
+                        </p:par>
+                      </p:childTnLst>
+                    </p:cTn>
+                  </p:par>
+                  <p:par>
+                    <p:cTn id="7" fill="hold">
+                      <p:stCondLst>
+                        <p:cond delay="indefinite"/>
+                      </p:stCondLst>
+                      <p:childTnLst>
+                        <p:par>
+                          <p:cTn id="8" fill="hold">
+                            <p:stCondLst>
+                              <p:cond delay="0"/>
+                            </p:stCondLst>
+                            <p:childTnLst>
+                              <p:par>
+                                <p:cTn id="9" presetID="1" presetClass="entr" presetSubtype="0" fill="hold" grpId="0" nodeType="clickEffect">
+                                  <p:stCondLst>
+                                    <p:cond delay="0"/>
+                                  </p:stCondLst>
+                                  <p:childTnLst>
+                                    <p:set>
+                                      <p:cBhvr>
+                                        <p:cTn id="10" dur="1" fill="hold">
+                                          <p:stCondLst>
+                                            <p:cond delay="0"/>
+                                          </p:stCondLst>
+                                        </p:cTn>
+                                        <p:tgtEl>
+                                          <p:spTgt spid="21"/>
+                                        </p:tgtEl>
+                                        <p:attrNameLst>
+                                          <p:attrName>style.visibility</p:attrName>
+                                        </p:attrNameLst>
+                                      </p:cBhvr>
+                                      <p:to>
+                                        <p:strVal val="visible"/>
+                                      </p:to>
+                                    </p:set>
+                                  </p:childTnLst>
+                                </p:cTn>
+                              </p:par>
+                            </p:childTnLst>
+                          </p:cTn>
+                        </p:par>
+                      </p:childTnLst>
+                    </p:cTn>
+                  </p:par>
+                  <p:par>
+                    <p:cTn id="11" fill="hold">
+                      <p:stCondLst>
+                        <p:cond delay="indefinite"/>
+                      </p:stCondLst>
+                      <p:childTnLst>
+                        <p:par>
+                          <p:cTn id="12" fill="hold">
+                            <p:stCondLst>
+                              <p:cond delay="0"/>
+                            </p:stCondLst>
+                            <p:childTnLst>
+                              <p:par>
+                                <p:cTn id="13" presetID="1" presetClass="entr" presetSubtype="0" fill="hold" grpId="0" nodeType="clickEffect">
+                                  <p:stCondLst>
+                                    <p:cond delay="0"/>
+                                  </p:stCondLst>
+                                  <p:childTnLst>
+                                    <p:set>
+                                      <p:cBhvr>
+                                        <p:cTn id="14" dur="1" fill="hold">
+                                          <p:stCondLst>
+                                            <p:cond delay="0"/>
+                                          </p:stCondLst>
+                                        </p:cTn>
+                                        <p:tgtEl>
+                                          <p:spTgt spid="22"/>
+                                        </p:tgtEl>
+                                        <p:attrNameLst>
+                                          <p:attrName>style.visibility</p:attrName>
+                                        </p:attrNameLst>
+                                      </p:cBhvr>
+                                      <p:to>
+                                        <p:strVal val="visible"/>
+                                      </p:to>
+                                    </p:set>
+                                  </p:childTnLst>
+                                </p:cTn>
+                              </p:par>
+                            </p:childTnLst>
+                          </p:cTn>
+                        </p:par>
+                      </p:childTnLst>
+                    </p:cTn>
+                  </p:par>
+                  <p:par>
+                    <p:cTn id="15" fill="hold">
+                      <p:stCondLst>
+                        <p:cond delay="indefinite"/>
+                      </p:stCondLst>
+                      <p:childTnLst>
+                        <p:par>
+                          <p:cTn id="16" fill="hold">
+                            <p:stCondLst>
+                              <p:cond delay="0"/>
+                            </p:stCondLst>
+                            <p:childTnLst>
+                              <p:par>
+                                <p:cTn id="17" presetID="1" presetClass="entr" presetSubtype="0" fill="hold" grpId="0" nodeType="clickEffect">
+                                  <p:stCondLst>
+                                    <p:cond delay="0"/>
+                                  </p:stCondLst>
+                                  <p:childTnLst>
+                                    <p:set>
+                                      <p:cBhvr>
+                                        <p:cTn id="18" dur="1" fill="hold">
+                                          <p:stCondLst>
+                                            <p:cond delay="0"/>
+                                          </p:stCondLst>
+                                        </p:cTn>
+                                        <p:tgtEl>
+                                          <p:spTgt spid="23"/>
+                                        </p:tgtEl>
+                                        <p:attrNameLst>
+                                          <p:attrName>style.visibility</p:attrName>
+                                        </p:attrNameLst>
+                                      </p:cBhvr>
+                                      <p:to>
+                                        <p:strVal val="visible"/>
+                                      </p:to>
+                                    </p:set>
+                                  </p:childTnLst>
+                                </p:cTn>
+                              </p:par>
+                            </p:childTnLst>
+                          </p:cTn>
+                        </p:par>
+                      </p:childTnLst>
+                    </p:cTn>
+                  </p:par>
+                  <p:par>
+                    <p:cTn id="19" fill="hold">
+                      <p:stCondLst>
+                        <p:cond delay="indefinite"/>
+                      </p:stCondLst>
+                      <p:childTnLst>
+                        <p:par>
+                          <p:cTn id="20" fill="hold">
+                            <p:stCondLst>
+                              <p:cond delay="0"/>
+                            </p:stCondLst>
+                            <p:childTnLst>
+                              <p:par>
+                                <p:cTn id="21" presetID="1" presetClass="entr" presetSubtype="0" fill="hold" grpId="0" nodeType="clickEffect">
+                                  <p:stCondLst>
+                                    <p:cond delay="0"/>
+                                  </p:stCondLst>
+                                  <p:childTnLst>
+                                    <p:set>
+                                      <p:cBhvr>
+                                        <p:cTn id="22" dur="1" fill="hold">
+                                          <p:stCondLst>
+                                            <p:cond delay="0"/>
+                                          </p:stCondLst>
+                                        </p:cTn>
+                                        <p:tgtEl>
+                                          <p:spTgt spid="24"/>
+                                        </p:tgtEl>
+                                        <p:attrNameLst>
+                                          <p:attrName>style.visibility</p:attrName>
+                                        </p:attrNameLst>
+                                      </p:cBhvr>
+                                      <p:to>
+                                        <p:strVal val="visible"/>
+                                      </p:to>
+                                    </p:set>
+                                  </p:childTnLst>
+                                </p:cTn>
+                              </p:par>
+                            </p:childTnLst>
+                          </p:cTn>
+                        </p:par>
+                      </p:childTnLst>
+                    </p:cTn>
+                  </p:par>
+                  <p:par>
+                    <p:cTn id="23" fill="hold">
+                      <p:stCondLst>
+                        <p:cond delay="indefinite"/>
+                      </p:stCondLst>
+                      <p:childTnLst>
+                        <p:par>
+                          <p:cTn id="24" fill="hold">
+                            <p:stCondLst>
+                              <p:cond delay="0"/>
+                            </p:stCondLst>
+                            <p:childTnLst>
+                              <p:par>
+                                <p:cTn id="25" presetID="1" presetClass="entr" presetSubtype="0" fill="hold" grpId="0" nodeType="clickEffect">
+                                  <p:stCondLst>
+                                    <p:cond delay="0"/>
+                                  </p:stCondLst>
+                                  <p:childTnLst>
+                                    <p:set>
+                                      <p:cBhvr>
+                                        <p:cTn id="26" dur="1" fill="hold">
+                                          <p:stCondLst>
+                                            <p:cond delay="0"/>
+                                          </p:stCondLst>
+                                        </p:cTn>
+                                        <p:tgtEl>
+                                          <p:spTgt spid="25"/>
+                                        </p:tgtEl>
+                                        <p:attrNameLst>
+                                          <p:attrName>style.visibility</p:attrName>
+                                        </p:attrNameLst>
+                                      </p:cBhvr>
+                                      <p:to>
+                                        <p:strVal val="visible"/>
+                                      </p:to>
+                                    </p:set>
+                                  </p:childTnLst>
+                                </p:cTn>
+                              </p:par>
+                            </p:childTnLst>
+                          </p:cTn>
+                        </p:par>
+                      </p:childTnLst>
+                    </p:cTn>
+                  </p:par>
+                </p:childTnLst>
+              </p:cTn>
+              <p:prevCondLst>
+                <p:cond evt="onPrev" delay="0">
+                  <p:tgtEl>
+                    <p:sldTgt/>
+                  </p:tgtEl>
+                </p:cond>
+              </p:prevCondLst>
+              <p:nextCondLst>
+                <p:cond evt="onNext" delay="0">
+                  <p:tgtEl>
+                    <p:sldTgt/>
+                  </p:tgtEl>
+                </p:cond>
+              </p:nextCondLst>
+            </p:seq>
+          </p:childTnLst>
+        </p:cTn>
+      </p:par>
+    </p:tnLst>
+    <p:bldLst>
+      <p:bldP spid="20" grpId="0" animBg="1"/>
+      <p:bldP spid="21" grpId="0" animBg="1"/>
+      <p:bldP spid="22" grpId="0" animBg="1"/>
+      <p:bldP spid="23" grpId="0" animBg="1"/>
+      <p:bldP spid="24" grpId="0" animBg="1"/>
+      <p:bldP spid="25" grpId="0" animBg="1"/>
+    </p:bldLst>
+  </p:timing>
 </p:sld>
 </file>
 
@@ -19675,6 +22127,41 @@
           </a:p>
         </p:txBody>
       </p:sp>
+      <p:sp>
+        <p:nvSpPr>
+          <p:cNvPr id="3" name="TextBox 2">
+            <a:extLst>
+              <a:ext uri="{FF2B5EF4-FFF2-40B4-BE49-F238E27FC236}">
+                <a16:creationId xmlns:a16="http://schemas.microsoft.com/office/drawing/2014/main" id="{FFEE18DE-9F43-174C-B3F6-8514081E373E}"/>
+              </a:ext>
+            </a:extLst>
+          </p:cNvPr>
+          <p:cNvSpPr txBox="1"/>
+          <p:nvPr/>
+        </p:nvSpPr>
+        <p:spPr>
+          <a:xfrm>
+            <a:off x="1171415" y="6293270"/>
+            <a:ext cx="10419006" cy="369332"/>
+          </a:xfrm>
+          <a:prstGeom prst="rect">
+            <a:avLst/>
+          </a:prstGeom>
+          <a:noFill/>
+        </p:spPr>
+        <p:txBody>
+          <a:bodyPr wrap="none" rtlCol="0">
+            <a:spAutoFit/>
+          </a:bodyPr>
+          <a:lstStyle/>
+          <a:p>
+            <a:r>
+              <a:rPr lang="en-US" dirty="0"/>
+              <a:t>When can we build such a tool? How expensive is it? How well is it going to work? Under what assumptions? </a:t>
+            </a:r>
+          </a:p>
+        </p:txBody>
+      </p:sp>
     </p:spTree>
     <p:extLst>
       <p:ext uri="{BB962C8B-B14F-4D97-AF65-F5344CB8AC3E}">
@@ -19685,6 +22172,368 @@
   <p:clrMapOvr>
     <a:masterClrMapping/>
   </p:clrMapOvr>
+  <p:timing>
+    <p:tnLst>
+      <p:par>
+        <p:cTn id="1" dur="indefinite" restart="never" nodeType="tmRoot">
+          <p:childTnLst>
+            <p:seq concurrent="1" nextAc="seek">
+              <p:cTn id="2" dur="indefinite" nodeType="mainSeq">
+                <p:childTnLst>
+                  <p:par>
+                    <p:cTn id="3" fill="hold">
+                      <p:stCondLst>
+                        <p:cond delay="indefinite"/>
+                      </p:stCondLst>
+                      <p:childTnLst>
+                        <p:par>
+                          <p:cTn id="4" fill="hold">
+                            <p:stCondLst>
+                              <p:cond delay="0"/>
+                            </p:stCondLst>
+                            <p:childTnLst>
+                              <p:par>
+                                <p:cTn id="5" presetID="10" presetClass="entr" presetSubtype="0" fill="hold" grpId="0" nodeType="clickEffect">
+                                  <p:stCondLst>
+                                    <p:cond delay="0"/>
+                                  </p:stCondLst>
+                                  <p:childTnLst>
+                                    <p:set>
+                                      <p:cBhvr>
+                                        <p:cTn id="6" dur="1" fill="hold">
+                                          <p:stCondLst>
+                                            <p:cond delay="0"/>
+                                          </p:stCondLst>
+                                        </p:cTn>
+                                        <p:tgtEl>
+                                          <p:spTgt spid="20"/>
+                                        </p:tgtEl>
+                                        <p:attrNameLst>
+                                          <p:attrName>style.visibility</p:attrName>
+                                        </p:attrNameLst>
+                                      </p:cBhvr>
+                                      <p:to>
+                                        <p:strVal val="visible"/>
+                                      </p:to>
+                                    </p:set>
+                                    <p:animEffect transition="in" filter="fade">
+                                      <p:cBhvr>
+                                        <p:cTn id="7" dur="500"/>
+                                        <p:tgtEl>
+                                          <p:spTgt spid="20"/>
+                                        </p:tgtEl>
+                                      </p:cBhvr>
+                                    </p:animEffect>
+                                  </p:childTnLst>
+                                </p:cTn>
+                              </p:par>
+                            </p:childTnLst>
+                          </p:cTn>
+                        </p:par>
+                      </p:childTnLst>
+                    </p:cTn>
+                  </p:par>
+                  <p:par>
+                    <p:cTn id="8" fill="hold">
+                      <p:stCondLst>
+                        <p:cond delay="indefinite"/>
+                      </p:stCondLst>
+                      <p:childTnLst>
+                        <p:par>
+                          <p:cTn id="9" fill="hold">
+                            <p:stCondLst>
+                              <p:cond delay="0"/>
+                            </p:stCondLst>
+                            <p:childTnLst>
+                              <p:par>
+                                <p:cTn id="10" presetID="1" presetClass="entr" presetSubtype="0" fill="hold" grpId="0" nodeType="clickEffect">
+                                  <p:stCondLst>
+                                    <p:cond delay="0"/>
+                                  </p:stCondLst>
+                                  <p:childTnLst>
+                                    <p:set>
+                                      <p:cBhvr>
+                                        <p:cTn id="11" dur="1" fill="hold">
+                                          <p:stCondLst>
+                                            <p:cond delay="0"/>
+                                          </p:stCondLst>
+                                        </p:cTn>
+                                        <p:tgtEl>
+                                          <p:spTgt spid="25"/>
+                                        </p:tgtEl>
+                                        <p:attrNameLst>
+                                          <p:attrName>style.visibility</p:attrName>
+                                        </p:attrNameLst>
+                                      </p:cBhvr>
+                                      <p:to>
+                                        <p:strVal val="visible"/>
+                                      </p:to>
+                                    </p:set>
+                                  </p:childTnLst>
+                                </p:cTn>
+                              </p:par>
+                            </p:childTnLst>
+                          </p:cTn>
+                        </p:par>
+                      </p:childTnLst>
+                    </p:cTn>
+                  </p:par>
+                  <p:par>
+                    <p:cTn id="12" fill="hold">
+                      <p:stCondLst>
+                        <p:cond delay="indefinite"/>
+                      </p:stCondLst>
+                      <p:childTnLst>
+                        <p:par>
+                          <p:cTn id="13" fill="hold">
+                            <p:stCondLst>
+                              <p:cond delay="0"/>
+                            </p:stCondLst>
+                            <p:childTnLst>
+                              <p:par>
+                                <p:cTn id="14" presetID="1" presetClass="entr" presetSubtype="0" fill="hold" grpId="0" nodeType="clickEffect">
+                                  <p:stCondLst>
+                                    <p:cond delay="0"/>
+                                  </p:stCondLst>
+                                  <p:childTnLst>
+                                    <p:set>
+                                      <p:cBhvr>
+                                        <p:cTn id="15" dur="1" fill="hold">
+                                          <p:stCondLst>
+                                            <p:cond delay="0"/>
+                                          </p:stCondLst>
+                                        </p:cTn>
+                                        <p:tgtEl>
+                                          <p:spTgt spid="21"/>
+                                        </p:tgtEl>
+                                        <p:attrNameLst>
+                                          <p:attrName>style.visibility</p:attrName>
+                                        </p:attrNameLst>
+                                      </p:cBhvr>
+                                      <p:to>
+                                        <p:strVal val="visible"/>
+                                      </p:to>
+                                    </p:set>
+                                  </p:childTnLst>
+                                </p:cTn>
+                              </p:par>
+                            </p:childTnLst>
+                          </p:cTn>
+                        </p:par>
+                      </p:childTnLst>
+                    </p:cTn>
+                  </p:par>
+                  <p:par>
+                    <p:cTn id="16" fill="hold">
+                      <p:stCondLst>
+                        <p:cond delay="indefinite"/>
+                      </p:stCondLst>
+                      <p:childTnLst>
+                        <p:par>
+                          <p:cTn id="17" fill="hold">
+                            <p:stCondLst>
+                              <p:cond delay="0"/>
+                            </p:stCondLst>
+                            <p:childTnLst>
+                              <p:par>
+                                <p:cTn id="18" presetID="1" presetClass="entr" presetSubtype="0" fill="hold" grpId="0" nodeType="clickEffect">
+                                  <p:stCondLst>
+                                    <p:cond delay="0"/>
+                                  </p:stCondLst>
+                                  <p:childTnLst>
+                                    <p:set>
+                                      <p:cBhvr>
+                                        <p:cTn id="19" dur="1" fill="hold">
+                                          <p:stCondLst>
+                                            <p:cond delay="0"/>
+                                          </p:stCondLst>
+                                        </p:cTn>
+                                        <p:tgtEl>
+                                          <p:spTgt spid="22"/>
+                                        </p:tgtEl>
+                                        <p:attrNameLst>
+                                          <p:attrName>style.visibility</p:attrName>
+                                        </p:attrNameLst>
+                                      </p:cBhvr>
+                                      <p:to>
+                                        <p:strVal val="visible"/>
+                                      </p:to>
+                                    </p:set>
+                                  </p:childTnLst>
+                                </p:cTn>
+                              </p:par>
+                            </p:childTnLst>
+                          </p:cTn>
+                        </p:par>
+                      </p:childTnLst>
+                    </p:cTn>
+                  </p:par>
+                  <p:par>
+                    <p:cTn id="20" fill="hold">
+                      <p:stCondLst>
+                        <p:cond delay="indefinite"/>
+                      </p:stCondLst>
+                      <p:childTnLst>
+                        <p:par>
+                          <p:cTn id="21" fill="hold">
+                            <p:stCondLst>
+                              <p:cond delay="0"/>
+                            </p:stCondLst>
+                            <p:childTnLst>
+                              <p:par>
+                                <p:cTn id="22" presetID="1" presetClass="entr" presetSubtype="0" fill="hold" grpId="0" nodeType="clickEffect">
+                                  <p:stCondLst>
+                                    <p:cond delay="0"/>
+                                  </p:stCondLst>
+                                  <p:childTnLst>
+                                    <p:set>
+                                      <p:cBhvr>
+                                        <p:cTn id="23" dur="1" fill="hold">
+                                          <p:stCondLst>
+                                            <p:cond delay="0"/>
+                                          </p:stCondLst>
+                                        </p:cTn>
+                                        <p:tgtEl>
+                                          <p:spTgt spid="23"/>
+                                        </p:tgtEl>
+                                        <p:attrNameLst>
+                                          <p:attrName>style.visibility</p:attrName>
+                                        </p:attrNameLst>
+                                      </p:cBhvr>
+                                      <p:to>
+                                        <p:strVal val="visible"/>
+                                      </p:to>
+                                    </p:set>
+                                  </p:childTnLst>
+                                </p:cTn>
+                              </p:par>
+                            </p:childTnLst>
+                          </p:cTn>
+                        </p:par>
+                      </p:childTnLst>
+                    </p:cTn>
+                  </p:par>
+                  <p:par>
+                    <p:cTn id="24" fill="hold">
+                      <p:stCondLst>
+                        <p:cond delay="indefinite"/>
+                      </p:stCondLst>
+                      <p:childTnLst>
+                        <p:par>
+                          <p:cTn id="25" fill="hold">
+                            <p:stCondLst>
+                              <p:cond delay="0"/>
+                            </p:stCondLst>
+                            <p:childTnLst>
+                              <p:par>
+                                <p:cTn id="26" presetID="1" presetClass="entr" presetSubtype="0" fill="hold" grpId="0" nodeType="clickEffect">
+                                  <p:stCondLst>
+                                    <p:cond delay="0"/>
+                                  </p:stCondLst>
+                                  <p:childTnLst>
+                                    <p:set>
+                                      <p:cBhvr>
+                                        <p:cTn id="27" dur="1" fill="hold">
+                                          <p:stCondLst>
+                                            <p:cond delay="0"/>
+                                          </p:stCondLst>
+                                        </p:cTn>
+                                        <p:tgtEl>
+                                          <p:spTgt spid="24"/>
+                                        </p:tgtEl>
+                                        <p:attrNameLst>
+                                          <p:attrName>style.visibility</p:attrName>
+                                        </p:attrNameLst>
+                                      </p:cBhvr>
+                                      <p:to>
+                                        <p:strVal val="visible"/>
+                                      </p:to>
+                                    </p:set>
+                                  </p:childTnLst>
+                                </p:cTn>
+                              </p:par>
+                            </p:childTnLst>
+                          </p:cTn>
+                        </p:par>
+                      </p:childTnLst>
+                    </p:cTn>
+                  </p:par>
+                  <p:par>
+                    <p:cTn id="28" fill="hold">
+                      <p:stCondLst>
+                        <p:cond delay="indefinite"/>
+                      </p:stCondLst>
+                      <p:childTnLst>
+                        <p:par>
+                          <p:cTn id="29" fill="hold">
+                            <p:stCondLst>
+                              <p:cond delay="0"/>
+                            </p:stCondLst>
+                            <p:childTnLst>
+                              <p:par>
+                                <p:cTn id="30" presetID="1" presetClass="entr" presetSubtype="0" fill="hold" grpId="0" nodeType="clickEffect">
+                                  <p:stCondLst>
+                                    <p:cond delay="0"/>
+                                  </p:stCondLst>
+                                  <p:childTnLst>
+                                    <p:set>
+                                      <p:cBhvr>
+                                        <p:cTn id="31" dur="1" fill="hold">
+                                          <p:stCondLst>
+                                            <p:cond delay="0"/>
+                                          </p:stCondLst>
+                                        </p:cTn>
+                                        <p:tgtEl>
+                                          <p:spTgt spid="3"/>
+                                        </p:tgtEl>
+                                        <p:attrNameLst>
+                                          <p:attrName>style.visibility</p:attrName>
+                                        </p:attrNameLst>
+                                      </p:cBhvr>
+                                      <p:to>
+                                        <p:strVal val="visible"/>
+                                      </p:to>
+                                    </p:set>
+                                  </p:childTnLst>
+                                </p:cTn>
+                              </p:par>
+                            </p:childTnLst>
+                          </p:cTn>
+                        </p:par>
+                      </p:childTnLst>
+                    </p:cTn>
+                  </p:par>
+                </p:childTnLst>
+              </p:cTn>
+              <p:prevCondLst>
+                <p:cond evt="onPrev" delay="0">
+                  <p:tgtEl>
+                    <p:sldTgt/>
+                  </p:tgtEl>
+                </p:cond>
+              </p:prevCondLst>
+              <p:nextCondLst>
+                <p:cond evt="onNext" delay="0">
+                  <p:tgtEl>
+                    <p:sldTgt/>
+                  </p:tgtEl>
+                </p:cond>
+              </p:nextCondLst>
+            </p:seq>
+          </p:childTnLst>
+        </p:cTn>
+      </p:par>
+    </p:tnLst>
+    <p:bldLst>
+      <p:bldP spid="20" grpId="0" animBg="1"/>
+      <p:bldP spid="21" grpId="0" animBg="1"/>
+      <p:bldP spid="22" grpId="0" animBg="1"/>
+      <p:bldP spid="23" grpId="0" animBg="1"/>
+      <p:bldP spid="24" grpId="0" animBg="1"/>
+      <p:bldP spid="25" grpId="0" animBg="1"/>
+      <p:bldP spid="3" grpId="0"/>
+    </p:bldLst>
+  </p:timing>
 </p:sld>
 </file>
 
@@ -19757,10 +22606,19 @@
           <a:lstStyle/>
           <a:p>
             <a:r>
+              <a:rPr lang="en-US" i="1" dirty="0">
+                <a:solidFill>
+                  <a:srgbClr val="0070C0"/>
+                </a:solidFill>
+                <a:latin typeface="+mj-lt"/>
+              </a:rPr>
+              <a:t>Cyberphysical system (CPS)</a:t>
+            </a:r>
+            <a:r>
               <a:rPr lang="en-US" dirty="0">
                 <a:latin typeface="+mj-lt"/>
               </a:rPr>
-              <a:t>Cyberphysical system (CPS): a computer controlling something physical. For example, car, drone, medical device, power grid, etc.</a:t>
+              <a:t>: a computer controlling something physical. For example, car, drone, medical device, power grid, etc.</a:t>
             </a:r>
           </a:p>
           <a:p>
@@ -19774,9 +22632,18 @@
           <a:p>
             <a:r>
               <a:rPr lang="en-US" dirty="0">
+                <a:solidFill>
+                  <a:srgbClr val="0070C0"/>
+                </a:solidFill>
                 <a:latin typeface="+mj-lt"/>
               </a:rPr>
-              <a:t>Requirement: Assertions about all </a:t>
+              <a:t>Requirement</a:t>
+            </a:r>
+            <a:r>
+              <a:rPr lang="en-US" dirty="0">
+                <a:latin typeface="+mj-lt"/>
+              </a:rPr>
+              <a:t>: Assertions about all </a:t>
             </a:r>
             <a:r>
               <a:rPr lang="en-US" i="1" dirty="0">
@@ -19827,17 +22694,35 @@
           <a:p>
             <a:r>
               <a:rPr lang="en-US" dirty="0">
+                <a:solidFill>
+                  <a:srgbClr val="0070C0"/>
+                </a:solidFill>
                 <a:latin typeface="+mj-lt"/>
               </a:rPr>
-              <a:t>Testing: evaluates requirements on a finite number of behaviors</a:t>
-            </a:r>
-          </a:p>
-          <a:p>
+              <a:t>Testing</a:t>
+            </a:r>
             <a:r>
               <a:rPr lang="en-US" dirty="0">
                 <a:latin typeface="+mj-lt"/>
               </a:rPr>
-              <a:t>Verification: aims to prove requirements over all behaviors</a:t>
+              <a:t>: evaluates requirements on a finite number of behaviors</a:t>
+            </a:r>
+          </a:p>
+          <a:p>
+            <a:r>
+              <a:rPr lang="en-US" dirty="0">
+                <a:solidFill>
+                  <a:srgbClr val="0070C0"/>
+                </a:solidFill>
+                <a:latin typeface="+mj-lt"/>
+              </a:rPr>
+              <a:t>Verification</a:t>
+            </a:r>
+            <a:r>
+              <a:rPr lang="en-US" dirty="0">
+                <a:latin typeface="+mj-lt"/>
+              </a:rPr>
+              <a:t>: aims to prove requirements over all behaviors</a:t>
             </a:r>
           </a:p>
         </p:txBody>
@@ -19887,181 +22772,6 @@
   <p:clrMapOvr>
     <a:masterClrMapping/>
   </p:clrMapOvr>
-</p:sld>
-</file>
-
-<file path=ppt/slides/slide8.xml><?xml version="1.0" encoding="utf-8"?>
-<p:sld xmlns:a="http://schemas.openxmlformats.org/drawingml/2006/main" xmlns:r="http://schemas.openxmlformats.org/officeDocument/2006/relationships" xmlns:p="http://schemas.openxmlformats.org/presentationml/2006/main">
-  <p:cSld>
-    <p:spTree>
-      <p:nvGrpSpPr>
-        <p:cNvPr id="1" name=""/>
-        <p:cNvGrpSpPr/>
-        <p:nvPr/>
-      </p:nvGrpSpPr>
-      <p:grpSpPr>
-        <a:xfrm>
-          <a:off x="0" y="0"/>
-          <a:ext cx="0" cy="0"/>
-          <a:chOff x="0" y="0"/>
-          <a:chExt cx="0" cy="0"/>
-        </a:xfrm>
-      </p:grpSpPr>
-      <p:sp>
-        <p:nvSpPr>
-          <p:cNvPr id="2" name="Title 1">
-            <a:extLst>
-              <a:ext uri="{FF2B5EF4-FFF2-40B4-BE49-F238E27FC236}">
-                <a16:creationId xmlns:a16="http://schemas.microsoft.com/office/drawing/2014/main" id="{2F3817C4-2AC2-4E1A-8C1C-2A5370D28572}"/>
-              </a:ext>
-            </a:extLst>
-          </p:cNvPr>
-          <p:cNvSpPr>
-            <a:spLocks noGrp="1"/>
-          </p:cNvSpPr>
-          <p:nvPr>
-            <p:ph type="title"/>
-          </p:nvPr>
-        </p:nvSpPr>
-        <p:spPr/>
-        <p:txBody>
-          <a:bodyPr/>
-          <a:lstStyle/>
-          <a:p>
-            <a:endParaRPr lang="en-US"/>
-          </a:p>
-        </p:txBody>
-      </p:sp>
-      <p:pic>
-        <p:nvPicPr>
-          <p:cNvPr id="5" name="DPC">
-            <a:hlinkClick r:id="" action="ppaction://media"/>
-            <a:extLst>
-              <a:ext uri="{FF2B5EF4-FFF2-40B4-BE49-F238E27FC236}">
-                <a16:creationId xmlns:a16="http://schemas.microsoft.com/office/drawing/2014/main" id="{7F76ECF4-5739-4908-AC62-0F1067F33012}"/>
-              </a:ext>
-            </a:extLst>
-          </p:cNvPr>
-          <p:cNvPicPr>
-            <a:picLocks noGrp="1" noChangeAspect="1"/>
-          </p:cNvPicPr>
-          <p:nvPr>
-            <p:ph idx="1"/>
-            <a:videoFile r:link="rId1"/>
-            <p:extLst>
-              <p:ext uri="{DAA4B4D4-6D71-4841-9C94-3DE7FCFB9230}">
-                <p14:media xmlns:p14="http://schemas.microsoft.com/office/powerpoint/2010/main" r:embed="rId2">
-                  <p14:trim st="32859" end="6412"/>
-                </p14:media>
-              </p:ext>
-            </p:extLst>
-          </p:nvPr>
-        </p:nvPicPr>
-        <p:blipFill>
-          <a:blip r:embed="rId5"/>
-          <a:stretch>
-            <a:fillRect/>
-          </a:stretch>
-        </p:blipFill>
-        <p:spPr>
-          <a:xfrm>
-            <a:off x="0" y="0"/>
-            <a:ext cx="12192000" cy="6858550"/>
-          </a:xfrm>
-        </p:spPr>
-      </p:pic>
-      <p:sp>
-        <p:nvSpPr>
-          <p:cNvPr id="4" name="Slide Number Placeholder 3">
-            <a:extLst>
-              <a:ext uri="{FF2B5EF4-FFF2-40B4-BE49-F238E27FC236}">
-                <a16:creationId xmlns:a16="http://schemas.microsoft.com/office/drawing/2014/main" id="{591AD7B3-5889-490B-88C2-BF3BC4E57FAF}"/>
-              </a:ext>
-            </a:extLst>
-          </p:cNvPr>
-          <p:cNvSpPr>
-            <a:spLocks noGrp="1"/>
-          </p:cNvSpPr>
-          <p:nvPr>
-            <p:ph type="sldNum" sz="quarter" idx="12"/>
-          </p:nvPr>
-        </p:nvSpPr>
-        <p:spPr/>
-        <p:txBody>
-          <a:bodyPr/>
-          <a:lstStyle/>
-          <a:p>
-            <a:fld id="{4FAB73BC-B049-4115-A692-8D63A059BFB8}" type="slidenum">
-              <a:rPr lang="en-US" smtClean="0"/>
-              <a:pPr/>
-              <a:t>8</a:t>
-            </a:fld>
-            <a:endParaRPr lang="en-US" dirty="0"/>
-          </a:p>
-        </p:txBody>
-      </p:sp>
-      <p:sp>
-        <p:nvSpPr>
-          <p:cNvPr id="3" name="TextBox 2">
-            <a:extLst>
-              <a:ext uri="{FF2B5EF4-FFF2-40B4-BE49-F238E27FC236}">
-                <a16:creationId xmlns:a16="http://schemas.microsoft.com/office/drawing/2014/main" id="{F39705E5-08A5-BD49-B6A7-437C3D6F75C7}"/>
-              </a:ext>
-            </a:extLst>
-          </p:cNvPr>
-          <p:cNvSpPr txBox="1"/>
-          <p:nvPr/>
-        </p:nvSpPr>
-        <p:spPr>
-          <a:xfrm>
-            <a:off x="8713752" y="6366152"/>
-            <a:ext cx="3450304" cy="369332"/>
-          </a:xfrm>
-          <a:prstGeom prst="rect">
-            <a:avLst/>
-          </a:prstGeom>
-          <a:noFill/>
-        </p:spPr>
-        <p:txBody>
-          <a:bodyPr wrap="none" rtlCol="0">
-            <a:spAutoFit/>
-          </a:bodyPr>
-          <a:lstStyle/>
-          <a:p>
-            <a:r>
-              <a:rPr lang="en-US" dirty="0">
-                <a:solidFill>
-                  <a:schemeClr val="bg1"/>
-                </a:solidFill>
-              </a:rPr>
-              <a:t>video from talk by Amnon </a:t>
-            </a:r>
-            <a:r>
-              <a:rPr lang="en-US" dirty="0" err="1">
-                <a:solidFill>
-                  <a:schemeClr val="bg1"/>
-                </a:solidFill>
-              </a:rPr>
-              <a:t>Shashua</a:t>
-            </a:r>
-            <a:endParaRPr lang="en-US" dirty="0">
-              <a:solidFill>
-                <a:schemeClr val="bg1"/>
-              </a:solidFill>
-            </a:endParaRPr>
-          </a:p>
-        </p:txBody>
-      </p:sp>
-    </p:spTree>
-    <p:extLst>
-      <p:ext uri="{BB962C8B-B14F-4D97-AF65-F5344CB8AC3E}">
-        <p14:creationId xmlns:p14="http://schemas.microsoft.com/office/powerpoint/2010/main" val="3214387130"/>
-      </p:ext>
-    </p:extLst>
-  </p:cSld>
-  <p:clrMapOvr>
-    <a:masterClrMapping/>
-  </p:clrMapOvr>
   <p:timing>
     <p:tnLst>
       <p:par>
@@ -20083,19 +22793,376 @@
                             </p:stCondLst>
                             <p:childTnLst>
                               <p:par>
-                                <p:cTn id="5" presetID="1" presetClass="mediacall" presetSubtype="0" fill="hold" nodeType="clickEffect">
+                                <p:cTn id="5" presetID="1" presetClass="entr" presetSubtype="0" fill="hold" nodeType="clickEffect">
                                   <p:stCondLst>
                                     <p:cond delay="0"/>
                                   </p:stCondLst>
                                   <p:childTnLst>
-                                    <p:cmd type="call" cmd="playFrom(0.0)">
+                                    <p:set>
                                       <p:cBhvr>
-                                        <p:cTn id="6" dur="57196" fill="hold"/>
+                                        <p:cTn id="6" dur="1" fill="hold">
+                                          <p:stCondLst>
+                                            <p:cond delay="0"/>
+                                          </p:stCondLst>
+                                        </p:cTn>
                                         <p:tgtEl>
-                                          <p:spTgt spid="5"/>
+                                          <p:spTgt spid="3">
+                                            <p:txEl>
+                                              <p:pRg st="1" end="1"/>
+                                            </p:txEl>
+                                          </p:spTgt>
                                         </p:tgtEl>
+                                        <p:attrNameLst>
+                                          <p:attrName>style.visibility</p:attrName>
+                                        </p:attrNameLst>
                                       </p:cBhvr>
-                                    </p:cmd>
+                                      <p:to>
+                                        <p:strVal val="visible"/>
+                                      </p:to>
+                                    </p:set>
+                                  </p:childTnLst>
+                                </p:cTn>
+                              </p:par>
+                            </p:childTnLst>
+                          </p:cTn>
+                        </p:par>
+                      </p:childTnLst>
+                    </p:cTn>
+                  </p:par>
+                  <p:par>
+                    <p:cTn id="7" fill="hold">
+                      <p:stCondLst>
+                        <p:cond delay="indefinite"/>
+                      </p:stCondLst>
+                      <p:childTnLst>
+                        <p:par>
+                          <p:cTn id="8" fill="hold">
+                            <p:stCondLst>
+                              <p:cond delay="0"/>
+                            </p:stCondLst>
+                            <p:childTnLst>
+                              <p:par>
+                                <p:cTn id="9" presetID="1" presetClass="entr" presetSubtype="0" fill="hold" nodeType="clickEffect">
+                                  <p:stCondLst>
+                                    <p:cond delay="0"/>
+                                  </p:stCondLst>
+                                  <p:childTnLst>
+                                    <p:set>
+                                      <p:cBhvr>
+                                        <p:cTn id="10" dur="1" fill="hold">
+                                          <p:stCondLst>
+                                            <p:cond delay="0"/>
+                                          </p:stCondLst>
+                                        </p:cTn>
+                                        <p:tgtEl>
+                                          <p:spTgt spid="3">
+                                            <p:txEl>
+                                              <p:pRg st="2" end="2"/>
+                                            </p:txEl>
+                                          </p:spTgt>
+                                        </p:tgtEl>
+                                        <p:attrNameLst>
+                                          <p:attrName>style.visibility</p:attrName>
+                                        </p:attrNameLst>
+                                      </p:cBhvr>
+                                      <p:to>
+                                        <p:strVal val="visible"/>
+                                      </p:to>
+                                    </p:set>
+                                  </p:childTnLst>
+                                </p:cTn>
+                              </p:par>
+                            </p:childTnLst>
+                          </p:cTn>
+                        </p:par>
+                      </p:childTnLst>
+                    </p:cTn>
+                  </p:par>
+                  <p:par>
+                    <p:cTn id="11" fill="hold">
+                      <p:stCondLst>
+                        <p:cond delay="indefinite"/>
+                      </p:stCondLst>
+                      <p:childTnLst>
+                        <p:par>
+                          <p:cTn id="12" fill="hold">
+                            <p:stCondLst>
+                              <p:cond delay="0"/>
+                            </p:stCondLst>
+                            <p:childTnLst>
+                              <p:par>
+                                <p:cTn id="13" presetID="1" presetClass="entr" presetSubtype="0" fill="hold" nodeType="clickEffect">
+                                  <p:stCondLst>
+                                    <p:cond delay="0"/>
+                                  </p:stCondLst>
+                                  <p:childTnLst>
+                                    <p:set>
+                                      <p:cBhvr>
+                                        <p:cTn id="14" dur="1" fill="hold">
+                                          <p:stCondLst>
+                                            <p:cond delay="0"/>
+                                          </p:stCondLst>
+                                        </p:cTn>
+                                        <p:tgtEl>
+                                          <p:spTgt spid="3">
+                                            <p:txEl>
+                                              <p:pRg st="3" end="3"/>
+                                            </p:txEl>
+                                          </p:spTgt>
+                                        </p:tgtEl>
+                                        <p:attrNameLst>
+                                          <p:attrName>style.visibility</p:attrName>
+                                        </p:attrNameLst>
+                                      </p:cBhvr>
+                                      <p:to>
+                                        <p:strVal val="visible"/>
+                                      </p:to>
+                                    </p:set>
+                                  </p:childTnLst>
+                                </p:cTn>
+                              </p:par>
+                            </p:childTnLst>
+                          </p:cTn>
+                        </p:par>
+                      </p:childTnLst>
+                    </p:cTn>
+                  </p:par>
+                  <p:par>
+                    <p:cTn id="15" fill="hold">
+                      <p:stCondLst>
+                        <p:cond delay="indefinite"/>
+                      </p:stCondLst>
+                      <p:childTnLst>
+                        <p:par>
+                          <p:cTn id="16" fill="hold">
+                            <p:stCondLst>
+                              <p:cond delay="0"/>
+                            </p:stCondLst>
+                            <p:childTnLst>
+                              <p:par>
+                                <p:cTn id="17" presetID="1" presetClass="entr" presetSubtype="0" fill="hold" nodeType="clickEffect">
+                                  <p:stCondLst>
+                                    <p:cond delay="0"/>
+                                  </p:stCondLst>
+                                  <p:childTnLst>
+                                    <p:set>
+                                      <p:cBhvr>
+                                        <p:cTn id="18" dur="1" fill="hold">
+                                          <p:stCondLst>
+                                            <p:cond delay="0"/>
+                                          </p:stCondLst>
+                                        </p:cTn>
+                                        <p:tgtEl>
+                                          <p:spTgt spid="3">
+                                            <p:txEl>
+                                              <p:pRg st="4" end="4"/>
+                                            </p:txEl>
+                                          </p:spTgt>
+                                        </p:tgtEl>
+                                        <p:attrNameLst>
+                                          <p:attrName>style.visibility</p:attrName>
+                                        </p:attrNameLst>
+                                      </p:cBhvr>
+                                      <p:to>
+                                        <p:strVal val="visible"/>
+                                      </p:to>
+                                    </p:set>
+                                  </p:childTnLst>
+                                </p:cTn>
+                              </p:par>
+                            </p:childTnLst>
+                          </p:cTn>
+                        </p:par>
+                      </p:childTnLst>
+                    </p:cTn>
+                  </p:par>
+                  <p:par>
+                    <p:cTn id="19" fill="hold">
+                      <p:stCondLst>
+                        <p:cond delay="indefinite"/>
+                      </p:stCondLst>
+                      <p:childTnLst>
+                        <p:par>
+                          <p:cTn id="20" fill="hold">
+                            <p:stCondLst>
+                              <p:cond delay="0"/>
+                            </p:stCondLst>
+                            <p:childTnLst>
+                              <p:par>
+                                <p:cTn id="21" presetID="1" presetClass="entr" presetSubtype="0" fill="hold" nodeType="clickEffect">
+                                  <p:stCondLst>
+                                    <p:cond delay="0"/>
+                                  </p:stCondLst>
+                                  <p:childTnLst>
+                                    <p:set>
+                                      <p:cBhvr>
+                                        <p:cTn id="22" dur="1" fill="hold">
+                                          <p:stCondLst>
+                                            <p:cond delay="0"/>
+                                          </p:stCondLst>
+                                        </p:cTn>
+                                        <p:tgtEl>
+                                          <p:spTgt spid="3">
+                                            <p:txEl>
+                                              <p:pRg st="5" end="5"/>
+                                            </p:txEl>
+                                          </p:spTgt>
+                                        </p:tgtEl>
+                                        <p:attrNameLst>
+                                          <p:attrName>style.visibility</p:attrName>
+                                        </p:attrNameLst>
+                                      </p:cBhvr>
+                                      <p:to>
+                                        <p:strVal val="visible"/>
+                                      </p:to>
+                                    </p:set>
+                                  </p:childTnLst>
+                                </p:cTn>
+                              </p:par>
+                            </p:childTnLst>
+                          </p:cTn>
+                        </p:par>
+                      </p:childTnLst>
+                    </p:cTn>
+                  </p:par>
+                  <p:par>
+                    <p:cTn id="23" fill="hold">
+                      <p:stCondLst>
+                        <p:cond delay="indefinite"/>
+                      </p:stCondLst>
+                      <p:childTnLst>
+                        <p:par>
+                          <p:cTn id="24" fill="hold">
+                            <p:stCondLst>
+                              <p:cond delay="0"/>
+                            </p:stCondLst>
+                            <p:childTnLst>
+                              <p:par>
+                                <p:cTn id="25" presetID="1" presetClass="entr" presetSubtype="0" fill="hold" nodeType="clickEffect">
+                                  <p:stCondLst>
+                                    <p:cond delay="0"/>
+                                  </p:stCondLst>
+                                  <p:childTnLst>
+                                    <p:set>
+                                      <p:cBhvr>
+                                        <p:cTn id="26" dur="1" fill="hold">
+                                          <p:stCondLst>
+                                            <p:cond delay="0"/>
+                                          </p:stCondLst>
+                                        </p:cTn>
+                                        <p:tgtEl>
+                                          <p:spTgt spid="3">
+                                            <p:txEl>
+                                              <p:pRg st="6" end="6"/>
+                                            </p:txEl>
+                                          </p:spTgt>
+                                        </p:tgtEl>
+                                        <p:attrNameLst>
+                                          <p:attrName>style.visibility</p:attrName>
+                                        </p:attrNameLst>
+                                      </p:cBhvr>
+                                      <p:to>
+                                        <p:strVal val="visible"/>
+                                      </p:to>
+                                    </p:set>
+                                  </p:childTnLst>
+                                </p:cTn>
+                              </p:par>
+                            </p:childTnLst>
+                          </p:cTn>
+                        </p:par>
+                      </p:childTnLst>
+                    </p:cTn>
+                  </p:par>
+                  <p:par>
+                    <p:cTn id="27" fill="hold">
+                      <p:stCondLst>
+                        <p:cond delay="indefinite"/>
+                      </p:stCondLst>
+                      <p:childTnLst>
+                        <p:par>
+                          <p:cTn id="28" fill="hold">
+                            <p:stCondLst>
+                              <p:cond delay="0"/>
+                            </p:stCondLst>
+                            <p:childTnLst>
+                              <p:par>
+                                <p:cTn id="29" presetID="1" presetClass="entr" presetSubtype="0" fill="hold" nodeType="clickEffect">
+                                  <p:stCondLst>
+                                    <p:cond delay="0"/>
+                                  </p:stCondLst>
+                                  <p:childTnLst>
+                                    <p:set>
+                                      <p:cBhvr>
+                                        <p:cTn id="30" dur="1" fill="hold">
+                                          <p:stCondLst>
+                                            <p:cond delay="0"/>
+                                          </p:stCondLst>
+                                        </p:cTn>
+                                        <p:tgtEl>
+                                          <p:spTgt spid="3">
+                                            <p:txEl>
+                                              <p:pRg st="7" end="7"/>
+                                            </p:txEl>
+                                          </p:spTgt>
+                                        </p:tgtEl>
+                                        <p:attrNameLst>
+                                          <p:attrName>style.visibility</p:attrName>
+                                        </p:attrNameLst>
+                                      </p:cBhvr>
+                                      <p:to>
+                                        <p:strVal val="visible"/>
+                                      </p:to>
+                                    </p:set>
+                                  </p:childTnLst>
+                                </p:cTn>
+                              </p:par>
+                            </p:childTnLst>
+                          </p:cTn>
+                        </p:par>
+                      </p:childTnLst>
+                    </p:cTn>
+                  </p:par>
+                  <p:par>
+                    <p:cTn id="31" fill="hold">
+                      <p:stCondLst>
+                        <p:cond delay="indefinite"/>
+                      </p:stCondLst>
+                      <p:childTnLst>
+                        <p:par>
+                          <p:cTn id="32" fill="hold">
+                            <p:stCondLst>
+                              <p:cond delay="0"/>
+                            </p:stCondLst>
+                            <p:childTnLst>
+                              <p:par>
+                                <p:cTn id="33" presetID="1" presetClass="entr" presetSubtype="0" fill="hold" nodeType="clickEffect">
+                                  <p:stCondLst>
+                                    <p:cond delay="0"/>
+                                  </p:stCondLst>
+                                  <p:childTnLst>
+                                    <p:set>
+                                      <p:cBhvr>
+                                        <p:cTn id="34" dur="1" fill="hold">
+                                          <p:stCondLst>
+                                            <p:cond delay="0"/>
+                                          </p:stCondLst>
+                                        </p:cTn>
+                                        <p:tgtEl>
+                                          <p:spTgt spid="3">
+                                            <p:txEl>
+                                              <p:pRg st="8" end="8"/>
+                                            </p:txEl>
+                                          </p:spTgt>
+                                        </p:tgtEl>
+                                        <p:attrNameLst>
+                                          <p:attrName>style.visibility</p:attrName>
+                                        </p:attrNameLst>
+                                      </p:cBhvr>
+                                      <p:to>
+                                        <p:strVal val="visible"/>
+                                      </p:to>
+                                    </p:set>
                                   </p:childTnLst>
                                 </p:cTn>
                               </p:par>
@@ -20122,81 +23189,108 @@
                 </p:cond>
               </p:nextCondLst>
             </p:seq>
-            <p:video>
-              <p:cMediaNode vol="80000">
-                <p:cTn id="7" fill="hold" display="0">
-                  <p:stCondLst>
-                    <p:cond delay="indefinite"/>
-                  </p:stCondLst>
-                </p:cTn>
-                <p:tgtEl>
-                  <p:spTgt spid="5"/>
-                </p:tgtEl>
-              </p:cMediaNode>
-            </p:video>
-            <p:seq concurrent="1" nextAc="seek">
-              <p:cTn id="8" restart="whenNotActive" fill="hold" evtFilter="cancelBubble" nodeType="interactiveSeq">
-                <p:stCondLst>
-                  <p:cond evt="onClick" delay="0">
-                    <p:tgtEl>
-                      <p:spTgt spid="5"/>
-                    </p:tgtEl>
-                  </p:cond>
-                </p:stCondLst>
-                <p:endSync evt="end" delay="0">
-                  <p:rtn val="all"/>
-                </p:endSync>
-                <p:childTnLst>
-                  <p:par>
-                    <p:cTn id="9" fill="hold">
-                      <p:stCondLst>
-                        <p:cond delay="0"/>
-                      </p:stCondLst>
-                      <p:childTnLst>
-                        <p:par>
-                          <p:cTn id="10" fill="hold">
-                            <p:stCondLst>
-                              <p:cond delay="0"/>
-                            </p:stCondLst>
-                            <p:childTnLst>
-                              <p:par>
-                                <p:cTn id="11" presetID="2" presetClass="mediacall" presetSubtype="0" fill="hold" nodeType="clickEffect">
-                                  <p:stCondLst>
-                                    <p:cond delay="0"/>
-                                  </p:stCondLst>
-                                  <p:childTnLst>
-                                    <p:cmd type="call" cmd="togglePause">
-                                      <p:cBhvr>
-                                        <p:cTn id="12" dur="1" fill="hold"/>
-                                        <p:tgtEl>
-                                          <p:spTgt spid="5"/>
-                                        </p:tgtEl>
-                                      </p:cBhvr>
-                                    </p:cmd>
-                                  </p:childTnLst>
-                                </p:cTn>
-                              </p:par>
-                            </p:childTnLst>
-                          </p:cTn>
-                        </p:par>
-                      </p:childTnLst>
-                    </p:cTn>
-                  </p:par>
-                </p:childTnLst>
-              </p:cTn>
-              <p:nextCondLst>
-                <p:cond evt="onClick" delay="0">
-                  <p:tgtEl>
-                    <p:spTgt spid="5"/>
-                  </p:tgtEl>
-                </p:cond>
-              </p:nextCondLst>
-            </p:seq>
           </p:childTnLst>
         </p:cTn>
       </p:par>
     </p:tnLst>
   </p:timing>
+</p:sld>
+</file>
+
+<file path=ppt/slides/slide8.xml><?xml version="1.0" encoding="utf-8"?>
+<p:sld xmlns:a="http://schemas.openxmlformats.org/drawingml/2006/main" xmlns:r="http://schemas.openxmlformats.org/officeDocument/2006/relationships" xmlns:p="http://schemas.openxmlformats.org/presentationml/2006/main">
+  <p:cSld>
+    <p:spTree>
+      <p:nvGrpSpPr>
+        <p:cNvPr id="1" name=""/>
+        <p:cNvGrpSpPr/>
+        <p:nvPr/>
+      </p:nvGrpSpPr>
+      <p:grpSpPr>
+        <a:xfrm>
+          <a:off x="0" y="0"/>
+          <a:ext cx="0" cy="0"/>
+          <a:chOff x="0" y="0"/>
+          <a:chExt cx="0" cy="0"/>
+        </a:xfrm>
+      </p:grpSpPr>
+      <p:sp>
+        <p:nvSpPr>
+          <p:cNvPr id="6" name="Title 5">
+            <a:extLst>
+              <a:ext uri="{FF2B5EF4-FFF2-40B4-BE49-F238E27FC236}">
+                <a16:creationId xmlns:a16="http://schemas.microsoft.com/office/drawing/2014/main" id="{FE71163A-52EF-454D-A357-35C4F9E64DB4}"/>
+              </a:ext>
+            </a:extLst>
+          </p:cNvPr>
+          <p:cNvSpPr>
+            <a:spLocks noGrp="1"/>
+          </p:cNvSpPr>
+          <p:nvPr>
+            <p:ph type="title"/>
+          </p:nvPr>
+        </p:nvSpPr>
+        <p:spPr/>
+        <p:txBody>
+          <a:bodyPr/>
+          <a:lstStyle/>
+          <a:p>
+            <a:r>
+              <a:rPr lang="en-US" dirty="0"/>
+              <a:t>Goal</a:t>
+            </a:r>
+          </a:p>
+        </p:txBody>
+      </p:sp>
+      <p:sp>
+        <p:nvSpPr>
+          <p:cNvPr id="7" name="Content Placeholder 6">
+            <a:extLst>
+              <a:ext uri="{FF2B5EF4-FFF2-40B4-BE49-F238E27FC236}">
+                <a16:creationId xmlns:a16="http://schemas.microsoft.com/office/drawing/2014/main" id="{B799E284-2DEE-5248-A129-484E485B893C}"/>
+              </a:ext>
+            </a:extLst>
+          </p:cNvPr>
+          <p:cNvSpPr>
+            <a:spLocks noGrp="1"/>
+          </p:cNvSpPr>
+          <p:nvPr>
+            <p:ph idx="1"/>
+          </p:nvPr>
+        </p:nvSpPr>
+        <p:spPr/>
+        <p:txBody>
+          <a:bodyPr/>
+          <a:lstStyle/>
+          <a:p>
+            <a:pPr marL="0" indent="0">
+              <a:buNone/>
+            </a:pPr>
+            <a:r>
+              <a:rPr lang="en-US" sz="3600" i="1" dirty="0">
+                <a:ea typeface="Cambria Math" panose="02040503050406030204" pitchFamily="18" charset="0"/>
+              </a:rPr>
+              <a:t>Write programs that prove correctness of other programs</a:t>
+            </a:r>
+          </a:p>
+          <a:p>
+            <a:pPr marL="0" indent="0">
+              <a:buNone/>
+            </a:pPr>
+            <a:endParaRPr lang="en-US" dirty="0"/>
+          </a:p>
+        </p:txBody>
+      </p:sp>
+    </p:spTree>
+    <p:extLst>
+      <p:ext uri="{BB962C8B-B14F-4D97-AF65-F5344CB8AC3E}">
+        <p14:creationId xmlns:p14="http://schemas.microsoft.com/office/powerpoint/2010/main" val="534768354"/>
+      </p:ext>
+    </p:extLst>
+  </p:cSld>
+  <p:clrMapOvr>
+    <a:masterClrMapping/>
+  </p:clrMapOvr>
 </p:sld>
 </file>
 
@@ -20397,7 +23491,13 @@
           <p:nvPr/>
         </p:nvPicPr>
         <p:blipFill>
-          <a:blip r:embed="rId3"/>
+          <a:blip r:embed="rId3" cstate="email">
+            <a:extLst>
+              <a:ext uri="{28A0092B-C50C-407E-A947-70E740481C1C}">
+                <a14:useLocalDpi xmlns:a14="http://schemas.microsoft.com/office/drawing/2010/main"/>
+              </a:ext>
+            </a:extLst>
+          </a:blip>
           <a:stretch>
             <a:fillRect/>
           </a:stretch>
@@ -20443,7 +23543,15 @@
             <a:pPr algn="ctr"/>
             <a:r>
               <a:rPr lang="en-US" sz="4000" dirty="0"/>
-              <a:t>Suppose car has 2 choices every 10ms, how many positions could it be in in 10 seconds? Predicting all futures</a:t>
+              <a:t>Suppose </a:t>
+            </a:r>
+            <a:r>
+              <a:rPr lang="en-US" sz="4000" i="1" dirty="0"/>
+              <a:t>Hamlet’s</a:t>
+            </a:r>
+            <a:r>
+              <a:rPr lang="en-US" sz="4000" dirty="0"/>
+              <a:t> car has 2 choices every 10ms, how many positions could it be in in 10 seconds? Predicting all futures</a:t>
             </a:r>
           </a:p>
         </p:txBody>
@@ -22422,7 +25530,7 @@
           <p:cNvPr id="65" name="Picture 64">
             <a:extLst>
               <a:ext uri="{FF2B5EF4-FFF2-40B4-BE49-F238E27FC236}">
-                <a16:creationId xmlns:a16="http://schemas.microsoft.com/office/drawing/2014/main" id="{3D9434D5-4833-D04F-B0F9-96A5BF8AA7CC}"/>
+                <a16:creationId xmlns:a16="http://schemas.microsoft.com/office/drawing/2014/main" id="{70FC86B8-D33D-3541-9F98-3B98DDD35C71}"/>
               </a:ext>
             </a:extLst>
           </p:cNvPr>
@@ -22432,7 +25540,7 @@
           <p:nvPr/>
         </p:nvPicPr>
         <p:blipFill>
-          <a:blip r:embed="rId3" cstate="print">
+          <a:blip r:embed="rId4" cstate="email">
             <a:extLst>
               <a:ext uri="{28A0092B-C50C-407E-A947-70E740481C1C}">
                 <a14:useLocalDpi xmlns:a14="http://schemas.microsoft.com/office/drawing/2010/main"/>
@@ -22458,7 +25566,7 @@
           <p:cNvPr id="79" name="Rectangle 78">
             <a:extLst>
               <a:ext uri="{FF2B5EF4-FFF2-40B4-BE49-F238E27FC236}">
-                <a16:creationId xmlns:a16="http://schemas.microsoft.com/office/drawing/2014/main" id="{B5761710-A4C5-634F-AB98-DE16A455C853}"/>
+                <a16:creationId xmlns:a16="http://schemas.microsoft.com/office/drawing/2014/main" id="{EFF2F36B-EC6F-0649-8000-3B037E45550D}"/>
               </a:ext>
             </a:extLst>
           </p:cNvPr>
@@ -22511,7 +25619,7 @@
     </p:spTree>
     <p:extLst>
       <p:ext uri="{BB962C8B-B14F-4D97-AF65-F5344CB8AC3E}">
-        <p14:creationId xmlns:p14="http://schemas.microsoft.com/office/powerpoint/2010/main" val="1927289591"/>
+        <p14:creationId xmlns:p14="http://schemas.microsoft.com/office/powerpoint/2010/main" val="3157171607"/>
       </p:ext>
     </p:extLst>
   </p:cSld>
